--- a/docs/QC_cleaning_speciesIdentification.pptx
+++ b/docs/QC_cleaning_speciesIdentification.pptx
@@ -3,23 +3,24 @@
 <p:presentation xmlns:a="http://schemas.openxmlformats.org/drawingml/2006/main" xmlns:r="http://schemas.openxmlformats.org/officeDocument/2006/relationships" xmlns:p="http://schemas.openxmlformats.org/presentationml/2006/main" saveSubsetFonts="1">
   <p:sldMasterIdLst>
     <p:sldMasterId id="2147483780" r:id="rId1"/>
+    <p:sldMasterId id="2147483798" r:id="rId2"/>
   </p:sldMasterIdLst>
   <p:notesMasterIdLst>
-    <p:notesMasterId r:id="rId14"/>
+    <p:notesMasterId r:id="rId15"/>
   </p:notesMasterIdLst>
   <p:sldIdLst>
-    <p:sldId id="259" r:id="rId2"/>
-    <p:sldId id="257" r:id="rId3"/>
-    <p:sldId id="258" r:id="rId4"/>
-    <p:sldId id="260" r:id="rId5"/>
-    <p:sldId id="261" r:id="rId6"/>
-    <p:sldId id="262" r:id="rId7"/>
-    <p:sldId id="263" r:id="rId8"/>
-    <p:sldId id="265" r:id="rId9"/>
-    <p:sldId id="264" r:id="rId10"/>
-    <p:sldId id="266" r:id="rId11"/>
-    <p:sldId id="267" r:id="rId12"/>
-    <p:sldId id="268" r:id="rId13"/>
+    <p:sldId id="259" r:id="rId3"/>
+    <p:sldId id="257" r:id="rId4"/>
+    <p:sldId id="258" r:id="rId5"/>
+    <p:sldId id="260" r:id="rId6"/>
+    <p:sldId id="261" r:id="rId7"/>
+    <p:sldId id="262" r:id="rId8"/>
+    <p:sldId id="637" r:id="rId9"/>
+    <p:sldId id="263" r:id="rId10"/>
+    <p:sldId id="265" r:id="rId11"/>
+    <p:sldId id="264" r:id="rId12"/>
+    <p:sldId id="266" r:id="rId13"/>
+    <p:sldId id="268" r:id="rId14"/>
   </p:sldIdLst>
   <p:sldSz cx="12192000" cy="6858000"/>
   <p:notesSz cx="6858000" cy="9144000"/>
@@ -118,6 +119,11 @@
       </a:defRPr>
     </a:lvl9pPr>
   </p:defaultTextStyle>
+  <p:extLst>
+    <p:ext uri="{EFAFB233-063F-42B5-8137-9DF3F51BA10A}">
+      <p15:sldGuideLst xmlns:p15="http://schemas.microsoft.com/office/powerpoint/2012/main"/>
+    </p:ext>
+  </p:extLst>
 </p:presentation>
 </file>
 
@@ -19193,7 +19199,7 @@
           <a:p>
             <a:fld id="{4E0977C6-C769-4C27-A1AE-2EB9FCD91777}" type="datetimeFigureOut">
               <a:rPr lang="en-US" smtClean="0"/>
-              <a:t>8/27/2025</a:t>
+              <a:t>8/28/2025</a:t>
             </a:fld>
             <a:endParaRPr lang="en-US"/>
           </a:p>
@@ -19822,7 +19828,7 @@
           <a:p>
             <a:fld id="{E80C50CD-E178-4744-9B35-B2F624D6C5E9}" type="datetimeFigureOut">
               <a:rPr lang="en-US" smtClean="0"/>
-              <a:t>8/27/2025</a:t>
+              <a:t>8/28/2025</a:t>
             </a:fld>
             <a:endParaRPr lang="en-US"/>
           </a:p>
@@ -20157,7 +20163,7 @@
             <a:fld id="{E80C50CD-E178-4744-9B35-B2F624D6C5E9}" type="datetimeFigureOut">
               <a:rPr lang="en-US" smtClean="0"/>
               <a:pPr/>
-              <a:t>8/27/2025</a:t>
+              <a:t>8/28/2025</a:t>
             </a:fld>
             <a:endParaRPr lang="en-US"/>
           </a:p>
@@ -20437,7 +20443,7 @@
             <a:fld id="{E80C50CD-E178-4744-9B35-B2F624D6C5E9}" type="datetimeFigureOut">
               <a:rPr lang="en-US" smtClean="0"/>
               <a:pPr/>
-              <a:t>8/27/2025</a:t>
+              <a:t>8/28/2025</a:t>
             </a:fld>
             <a:endParaRPr lang="en-US"/>
           </a:p>
@@ -21007,7 +21013,7 @@
             <a:fld id="{E80C50CD-E178-4744-9B35-B2F624D6C5E9}" type="datetimeFigureOut">
               <a:rPr lang="en-US" smtClean="0"/>
               <a:pPr/>
-              <a:t>8/27/2025</a:t>
+              <a:t>8/28/2025</a:t>
             </a:fld>
             <a:endParaRPr lang="en-US"/>
           </a:p>
@@ -21287,7 +21293,7 @@
             <a:fld id="{E80C50CD-E178-4744-9B35-B2F624D6C5E9}" type="datetimeFigureOut">
               <a:rPr lang="en-US" smtClean="0"/>
               <a:pPr/>
-              <a:t>8/27/2025</a:t>
+              <a:t>8/28/2025</a:t>
             </a:fld>
             <a:endParaRPr lang="en-US"/>
           </a:p>
@@ -21851,7 +21857,7 @@
             <a:fld id="{E80C50CD-E178-4744-9B35-B2F624D6C5E9}" type="datetimeFigureOut">
               <a:rPr lang="en-US" smtClean="0"/>
               <a:pPr/>
-              <a:t>8/27/2025</a:t>
+              <a:t>8/28/2025</a:t>
             </a:fld>
             <a:endParaRPr lang="en-US"/>
           </a:p>
@@ -22180,7 +22186,7 @@
             <a:fld id="{E80C50CD-E178-4744-9B35-B2F624D6C5E9}" type="datetimeFigureOut">
               <a:rPr lang="en-US" smtClean="0"/>
               <a:pPr/>
-              <a:t>8/27/2025</a:t>
+              <a:t>8/28/2025</a:t>
             </a:fld>
             <a:endParaRPr lang="en-US"/>
           </a:p>
@@ -22359,7 +22365,7 @@
             <a:fld id="{E80C50CD-E178-4744-9B35-B2F624D6C5E9}" type="datetimeFigureOut">
               <a:rPr lang="en-US" smtClean="0"/>
               <a:pPr/>
-              <a:t>8/27/2025</a:t>
+              <a:t>8/28/2025</a:t>
             </a:fld>
             <a:endParaRPr lang="en-US"/>
           </a:p>
@@ -22599,7 +22605,7 @@
             <a:fld id="{E80C50CD-E178-4744-9B35-B2F624D6C5E9}" type="datetimeFigureOut">
               <a:rPr lang="en-US" smtClean="0"/>
               <a:pPr/>
-              <a:t>8/27/2025</a:t>
+              <a:t>8/28/2025</a:t>
             </a:fld>
             <a:endParaRPr lang="en-US"/>
           </a:p>
@@ -22658,6 +22664,432 @@
   <p:clrMapOvr>
     <a:masterClrMapping/>
   </p:clrMapOvr>
+</p:sldLayout>
+</file>
+
+<file path=ppt/slideLayouts/slideLayout18.xml><?xml version="1.0" encoding="utf-8"?>
+<p:sldLayout xmlns:a="http://schemas.openxmlformats.org/drawingml/2006/main" xmlns:r="http://schemas.openxmlformats.org/officeDocument/2006/relationships" xmlns:p="http://schemas.openxmlformats.org/presentationml/2006/main" type="title" preserve="1">
+  <p:cSld name="Title Slide">
+    <p:spTree>
+      <p:nvGrpSpPr>
+        <p:cNvPr id="1" name=""/>
+        <p:cNvGrpSpPr/>
+        <p:nvPr/>
+      </p:nvGrpSpPr>
+      <p:grpSpPr>
+        <a:xfrm>
+          <a:off x="0" y="0"/>
+          <a:ext cx="0" cy="0"/>
+          <a:chOff x="0" y="0"/>
+          <a:chExt cx="0" cy="0"/>
+        </a:xfrm>
+      </p:grpSpPr>
+      <p:sp>
+        <p:nvSpPr>
+          <p:cNvPr id="2" name="Title 1">
+            <a:extLst>
+              <a:ext uri="{FF2B5EF4-FFF2-40B4-BE49-F238E27FC236}">
+                <a16:creationId xmlns:a16="http://schemas.microsoft.com/office/drawing/2014/main" id="{42ADA0EE-4257-49A9-9F1F-B617BEAB97EA}"/>
+              </a:ext>
+            </a:extLst>
+          </p:cNvPr>
+          <p:cNvSpPr>
+            <a:spLocks noGrp="1"/>
+          </p:cNvSpPr>
+          <p:nvPr>
+            <p:ph type="ctrTitle"/>
+          </p:nvPr>
+        </p:nvSpPr>
+        <p:spPr>
+          <a:xfrm>
+            <a:off x="1524000" y="1122363"/>
+            <a:ext cx="9144000" cy="2387600"/>
+          </a:xfrm>
+        </p:spPr>
+        <p:txBody>
+          <a:bodyPr anchor="b"/>
+          <a:lstStyle>
+            <a:lvl1pPr algn="ctr">
+              <a:defRPr sz="6000"/>
+            </a:lvl1pPr>
+          </a:lstStyle>
+          <a:p>
+            <a:r>
+              <a:rPr lang="en-US"/>
+              <a:t>Click to edit Master title style</a:t>
+            </a:r>
+            <a:endParaRPr lang="en-ZA"/>
+          </a:p>
+        </p:txBody>
+      </p:sp>
+      <p:sp>
+        <p:nvSpPr>
+          <p:cNvPr id="3" name="Subtitle 2">
+            <a:extLst>
+              <a:ext uri="{FF2B5EF4-FFF2-40B4-BE49-F238E27FC236}">
+                <a16:creationId xmlns:a16="http://schemas.microsoft.com/office/drawing/2014/main" id="{BE2E5348-45DD-459B-A663-A2FC6BA220AA}"/>
+              </a:ext>
+            </a:extLst>
+          </p:cNvPr>
+          <p:cNvSpPr>
+            <a:spLocks noGrp="1"/>
+          </p:cNvSpPr>
+          <p:nvPr>
+            <p:ph type="subTitle" idx="1"/>
+          </p:nvPr>
+        </p:nvSpPr>
+        <p:spPr>
+          <a:xfrm>
+            <a:off x="1524000" y="3602038"/>
+            <a:ext cx="9144000" cy="1655762"/>
+          </a:xfrm>
+        </p:spPr>
+        <p:txBody>
+          <a:bodyPr/>
+          <a:lstStyle>
+            <a:lvl1pPr marL="0" indent="0" algn="ctr">
+              <a:buNone/>
+              <a:defRPr sz="2400"/>
+            </a:lvl1pPr>
+            <a:lvl2pPr marL="457200" indent="0" algn="ctr">
+              <a:buNone/>
+              <a:defRPr sz="2000"/>
+            </a:lvl2pPr>
+            <a:lvl3pPr marL="914400" indent="0" algn="ctr">
+              <a:buNone/>
+              <a:defRPr sz="1800"/>
+            </a:lvl3pPr>
+            <a:lvl4pPr marL="1371600" indent="0" algn="ctr">
+              <a:buNone/>
+              <a:defRPr sz="1600"/>
+            </a:lvl4pPr>
+            <a:lvl5pPr marL="1828800" indent="0" algn="ctr">
+              <a:buNone/>
+              <a:defRPr sz="1600"/>
+            </a:lvl5pPr>
+            <a:lvl6pPr marL="2286000" indent="0" algn="ctr">
+              <a:buNone/>
+              <a:defRPr sz="1600"/>
+            </a:lvl6pPr>
+            <a:lvl7pPr marL="2743200" indent="0" algn="ctr">
+              <a:buNone/>
+              <a:defRPr sz="1600"/>
+            </a:lvl7pPr>
+            <a:lvl8pPr marL="3200400" indent="0" algn="ctr">
+              <a:buNone/>
+              <a:defRPr sz="1600"/>
+            </a:lvl8pPr>
+            <a:lvl9pPr marL="3657600" indent="0" algn="ctr">
+              <a:buNone/>
+              <a:defRPr sz="1600"/>
+            </a:lvl9pPr>
+          </a:lstStyle>
+          <a:p>
+            <a:r>
+              <a:rPr lang="en-US"/>
+              <a:t>Click to edit Master subtitle style</a:t>
+            </a:r>
+            <a:endParaRPr lang="en-ZA"/>
+          </a:p>
+        </p:txBody>
+      </p:sp>
+      <p:sp>
+        <p:nvSpPr>
+          <p:cNvPr id="4" name="Date Placeholder 3">
+            <a:extLst>
+              <a:ext uri="{FF2B5EF4-FFF2-40B4-BE49-F238E27FC236}">
+                <a16:creationId xmlns:a16="http://schemas.microsoft.com/office/drawing/2014/main" id="{A7343B7B-BFFC-40F4-A675-871E6177B6C2}"/>
+              </a:ext>
+            </a:extLst>
+          </p:cNvPr>
+          <p:cNvSpPr>
+            <a:spLocks noGrp="1"/>
+          </p:cNvSpPr>
+          <p:nvPr>
+            <p:ph type="dt" sz="half" idx="10"/>
+          </p:nvPr>
+        </p:nvSpPr>
+        <p:spPr/>
+        <p:txBody>
+          <a:bodyPr/>
+          <a:lstStyle/>
+          <a:p>
+            <a:fld id="{83284890-85D2-4D7B-8EF5-15A9C1DB8F42}" type="datetimeFigureOut">
+              <a:rPr lang="en-US" smtClean="0"/>
+              <a:t>8/28/2025</a:t>
+            </a:fld>
+            <a:endParaRPr lang="en-US" dirty="0"/>
+          </a:p>
+        </p:txBody>
+      </p:sp>
+      <p:sp>
+        <p:nvSpPr>
+          <p:cNvPr id="5" name="Footer Placeholder 4">
+            <a:extLst>
+              <a:ext uri="{FF2B5EF4-FFF2-40B4-BE49-F238E27FC236}">
+                <a16:creationId xmlns:a16="http://schemas.microsoft.com/office/drawing/2014/main" id="{B92B2B52-F1AF-420F-8F44-1FDEC7F58A2C}"/>
+              </a:ext>
+            </a:extLst>
+          </p:cNvPr>
+          <p:cNvSpPr>
+            <a:spLocks noGrp="1"/>
+          </p:cNvSpPr>
+          <p:nvPr>
+            <p:ph type="ftr" sz="quarter" idx="11"/>
+          </p:nvPr>
+        </p:nvSpPr>
+        <p:spPr/>
+        <p:txBody>
+          <a:bodyPr/>
+          <a:lstStyle/>
+          <a:p>
+            <a:endParaRPr lang="en-US" dirty="0"/>
+          </a:p>
+        </p:txBody>
+      </p:sp>
+      <p:sp>
+        <p:nvSpPr>
+          <p:cNvPr id="6" name="Slide Number Placeholder 5">
+            <a:extLst>
+              <a:ext uri="{FF2B5EF4-FFF2-40B4-BE49-F238E27FC236}">
+                <a16:creationId xmlns:a16="http://schemas.microsoft.com/office/drawing/2014/main" id="{17E40255-D891-4D06-B4AD-FABF8CF93BB9}"/>
+              </a:ext>
+            </a:extLst>
+          </p:cNvPr>
+          <p:cNvSpPr>
+            <a:spLocks noGrp="1"/>
+          </p:cNvSpPr>
+          <p:nvPr>
+            <p:ph type="sldNum" sz="quarter" idx="12"/>
+          </p:nvPr>
+        </p:nvSpPr>
+        <p:spPr/>
+        <p:txBody>
+          <a:bodyPr/>
+          <a:lstStyle/>
+          <a:p>
+            <a:fld id="{4FAB73BC-B049-4115-A692-8D63A059BFB8}" type="slidenum">
+              <a:rPr lang="en-US" smtClean="0"/>
+              <a:pPr/>
+              <a:t>‹#›</a:t>
+            </a:fld>
+            <a:endParaRPr lang="en-US" dirty="0"/>
+          </a:p>
+        </p:txBody>
+      </p:sp>
+    </p:spTree>
+    <p:extLst>
+      <p:ext uri="{BB962C8B-B14F-4D97-AF65-F5344CB8AC3E}">
+        <p14:creationId xmlns:p14="http://schemas.microsoft.com/office/powerpoint/2010/main" val="2233101190"/>
+      </p:ext>
+    </p:extLst>
+  </p:cSld>
+  <p:clrMapOvr>
+    <a:masterClrMapping/>
+  </p:clrMapOvr>
+  <p:hf hdr="0" ftr="0" dt="0"/>
+</p:sldLayout>
+</file>
+
+<file path=ppt/slideLayouts/slideLayout19.xml><?xml version="1.0" encoding="utf-8"?>
+<p:sldLayout xmlns:a="http://schemas.openxmlformats.org/drawingml/2006/main" xmlns:r="http://schemas.openxmlformats.org/officeDocument/2006/relationships" xmlns:p="http://schemas.openxmlformats.org/presentationml/2006/main" type="obj" preserve="1">
+  <p:cSld name="Title and Content">
+    <p:spTree>
+      <p:nvGrpSpPr>
+        <p:cNvPr id="1" name=""/>
+        <p:cNvGrpSpPr/>
+        <p:nvPr/>
+      </p:nvGrpSpPr>
+      <p:grpSpPr>
+        <a:xfrm>
+          <a:off x="0" y="0"/>
+          <a:ext cx="0" cy="0"/>
+          <a:chOff x="0" y="0"/>
+          <a:chExt cx="0" cy="0"/>
+        </a:xfrm>
+      </p:grpSpPr>
+      <p:sp>
+        <p:nvSpPr>
+          <p:cNvPr id="2" name="Title 1">
+            <a:extLst>
+              <a:ext uri="{FF2B5EF4-FFF2-40B4-BE49-F238E27FC236}">
+                <a16:creationId xmlns:a16="http://schemas.microsoft.com/office/drawing/2014/main" id="{2BE35CC1-00B8-4778-98EF-3F2BA93232F0}"/>
+              </a:ext>
+            </a:extLst>
+          </p:cNvPr>
+          <p:cNvSpPr>
+            <a:spLocks noGrp="1"/>
+          </p:cNvSpPr>
+          <p:nvPr>
+            <p:ph type="title"/>
+          </p:nvPr>
+        </p:nvSpPr>
+        <p:spPr/>
+        <p:txBody>
+          <a:bodyPr/>
+          <a:lstStyle/>
+          <a:p>
+            <a:r>
+              <a:rPr lang="en-US"/>
+              <a:t>Click to edit Master title style</a:t>
+            </a:r>
+            <a:endParaRPr lang="en-ZA"/>
+          </a:p>
+        </p:txBody>
+      </p:sp>
+      <p:sp>
+        <p:nvSpPr>
+          <p:cNvPr id="3" name="Content Placeholder 2">
+            <a:extLst>
+              <a:ext uri="{FF2B5EF4-FFF2-40B4-BE49-F238E27FC236}">
+                <a16:creationId xmlns:a16="http://schemas.microsoft.com/office/drawing/2014/main" id="{43BD4A94-8249-4FA4-9FD3-106A0568321B}"/>
+              </a:ext>
+            </a:extLst>
+          </p:cNvPr>
+          <p:cNvSpPr>
+            <a:spLocks noGrp="1"/>
+          </p:cNvSpPr>
+          <p:nvPr>
+            <p:ph idx="1"/>
+          </p:nvPr>
+        </p:nvSpPr>
+        <p:spPr/>
+        <p:txBody>
+          <a:bodyPr/>
+          <a:lstStyle/>
+          <a:p>
+            <a:pPr lvl="0"/>
+            <a:r>
+              <a:rPr lang="en-US"/>
+              <a:t>Edit Master text styles</a:t>
+            </a:r>
+          </a:p>
+          <a:p>
+            <a:pPr lvl="1"/>
+            <a:r>
+              <a:rPr lang="en-US"/>
+              <a:t>Second level</a:t>
+            </a:r>
+          </a:p>
+          <a:p>
+            <a:pPr lvl="2"/>
+            <a:r>
+              <a:rPr lang="en-US"/>
+              <a:t>Third level</a:t>
+            </a:r>
+          </a:p>
+          <a:p>
+            <a:pPr lvl="3"/>
+            <a:r>
+              <a:rPr lang="en-US"/>
+              <a:t>Fourth level</a:t>
+            </a:r>
+          </a:p>
+          <a:p>
+            <a:pPr lvl="4"/>
+            <a:r>
+              <a:rPr lang="en-US"/>
+              <a:t>Fifth level</a:t>
+            </a:r>
+            <a:endParaRPr lang="en-ZA"/>
+          </a:p>
+        </p:txBody>
+      </p:sp>
+      <p:sp>
+        <p:nvSpPr>
+          <p:cNvPr id="4" name="Date Placeholder 3">
+            <a:extLst>
+              <a:ext uri="{FF2B5EF4-FFF2-40B4-BE49-F238E27FC236}">
+                <a16:creationId xmlns:a16="http://schemas.microsoft.com/office/drawing/2014/main" id="{90DCB35A-86DD-46AD-A9BE-BD112207D889}"/>
+              </a:ext>
+            </a:extLst>
+          </p:cNvPr>
+          <p:cNvSpPr>
+            <a:spLocks noGrp="1"/>
+          </p:cNvSpPr>
+          <p:nvPr>
+            <p:ph type="dt" sz="half" idx="10"/>
+          </p:nvPr>
+        </p:nvSpPr>
+        <p:spPr/>
+        <p:txBody>
+          <a:bodyPr/>
+          <a:lstStyle/>
+          <a:p>
+            <a:fld id="{8664C608-40B1-4030-A28D-5B74BC98ADCE}" type="datetimeFigureOut">
+              <a:rPr lang="en-US" smtClean="0"/>
+              <a:t>8/28/2025</a:t>
+            </a:fld>
+            <a:endParaRPr lang="en-US" dirty="0"/>
+          </a:p>
+        </p:txBody>
+      </p:sp>
+      <p:sp>
+        <p:nvSpPr>
+          <p:cNvPr id="5" name="Footer Placeholder 4">
+            <a:extLst>
+              <a:ext uri="{FF2B5EF4-FFF2-40B4-BE49-F238E27FC236}">
+                <a16:creationId xmlns:a16="http://schemas.microsoft.com/office/drawing/2014/main" id="{15C12DF9-19F4-459D-89BF-974D9977A5BB}"/>
+              </a:ext>
+            </a:extLst>
+          </p:cNvPr>
+          <p:cNvSpPr>
+            <a:spLocks noGrp="1"/>
+          </p:cNvSpPr>
+          <p:nvPr>
+            <p:ph type="ftr" sz="quarter" idx="11"/>
+          </p:nvPr>
+        </p:nvSpPr>
+        <p:spPr/>
+        <p:txBody>
+          <a:bodyPr/>
+          <a:lstStyle/>
+          <a:p>
+            <a:endParaRPr lang="en-US" dirty="0"/>
+          </a:p>
+        </p:txBody>
+      </p:sp>
+      <p:sp>
+        <p:nvSpPr>
+          <p:cNvPr id="6" name="Slide Number Placeholder 5">
+            <a:extLst>
+              <a:ext uri="{FF2B5EF4-FFF2-40B4-BE49-F238E27FC236}">
+                <a16:creationId xmlns:a16="http://schemas.microsoft.com/office/drawing/2014/main" id="{BCBE013F-1801-429A-98BC-DA7235489F52}"/>
+              </a:ext>
+            </a:extLst>
+          </p:cNvPr>
+          <p:cNvSpPr>
+            <a:spLocks noGrp="1"/>
+          </p:cNvSpPr>
+          <p:nvPr>
+            <p:ph type="sldNum" sz="quarter" idx="12"/>
+          </p:nvPr>
+        </p:nvSpPr>
+        <p:spPr/>
+        <p:txBody>
+          <a:bodyPr/>
+          <a:lstStyle/>
+          <a:p>
+            <a:fld id="{4FAB73BC-B049-4115-A692-8D63A059BFB8}" type="slidenum">
+              <a:rPr lang="en-US" smtClean="0"/>
+              <a:pPr/>
+              <a:t>‹#›</a:t>
+            </a:fld>
+            <a:endParaRPr lang="en-US" dirty="0"/>
+          </a:p>
+        </p:txBody>
+      </p:sp>
+    </p:spTree>
+    <p:extLst>
+      <p:ext uri="{BB962C8B-B14F-4D97-AF65-F5344CB8AC3E}">
+        <p14:creationId xmlns:p14="http://schemas.microsoft.com/office/powerpoint/2010/main" val="167971109"/>
+      </p:ext>
+    </p:extLst>
+  </p:cSld>
+  <p:clrMapOvr>
+    <a:masterClrMapping/>
+  </p:clrMapOvr>
+  <p:hf hdr="0" ftr="0" dt="0"/>
 </p:sldLayout>
 </file>
 
@@ -22801,7 +23233,7 @@
             <a:fld id="{E80C50CD-E178-4744-9B35-B2F624D6C5E9}" type="datetimeFigureOut">
               <a:rPr lang="en-US" smtClean="0"/>
               <a:pPr/>
-              <a:t>8/27/2025</a:t>
+              <a:t>8/28/2025</a:t>
             </a:fld>
             <a:endParaRPr lang="en-US"/>
           </a:p>
@@ -22854,6 +23286,2284 @@
     <p:extLst>
       <p:ext uri="{BB962C8B-B14F-4D97-AF65-F5344CB8AC3E}">
         <p14:creationId xmlns:p14="http://schemas.microsoft.com/office/powerpoint/2010/main" val="4136028095"/>
+      </p:ext>
+    </p:extLst>
+  </p:cSld>
+  <p:clrMapOvr>
+    <a:masterClrMapping/>
+  </p:clrMapOvr>
+</p:sldLayout>
+</file>
+
+<file path=ppt/slideLayouts/slideLayout20.xml><?xml version="1.0" encoding="utf-8"?>
+<p:sldLayout xmlns:a="http://schemas.openxmlformats.org/drawingml/2006/main" xmlns:r="http://schemas.openxmlformats.org/officeDocument/2006/relationships" xmlns:p="http://schemas.openxmlformats.org/presentationml/2006/main" type="secHead" preserve="1">
+  <p:cSld name="Section Header">
+    <p:spTree>
+      <p:nvGrpSpPr>
+        <p:cNvPr id="1" name=""/>
+        <p:cNvGrpSpPr/>
+        <p:nvPr/>
+      </p:nvGrpSpPr>
+      <p:grpSpPr>
+        <a:xfrm>
+          <a:off x="0" y="0"/>
+          <a:ext cx="0" cy="0"/>
+          <a:chOff x="0" y="0"/>
+          <a:chExt cx="0" cy="0"/>
+        </a:xfrm>
+      </p:grpSpPr>
+      <p:sp>
+        <p:nvSpPr>
+          <p:cNvPr id="2" name="Title 1">
+            <a:extLst>
+              <a:ext uri="{FF2B5EF4-FFF2-40B4-BE49-F238E27FC236}">
+                <a16:creationId xmlns:a16="http://schemas.microsoft.com/office/drawing/2014/main" id="{5A565417-3F86-4654-8CD1-F9419278956C}"/>
+              </a:ext>
+            </a:extLst>
+          </p:cNvPr>
+          <p:cNvSpPr>
+            <a:spLocks noGrp="1"/>
+          </p:cNvSpPr>
+          <p:nvPr>
+            <p:ph type="title"/>
+          </p:nvPr>
+        </p:nvSpPr>
+        <p:spPr>
+          <a:xfrm>
+            <a:off x="831850" y="1709738"/>
+            <a:ext cx="10515600" cy="2852737"/>
+          </a:xfrm>
+        </p:spPr>
+        <p:txBody>
+          <a:bodyPr anchor="b"/>
+          <a:lstStyle>
+            <a:lvl1pPr>
+              <a:defRPr sz="6000"/>
+            </a:lvl1pPr>
+          </a:lstStyle>
+          <a:p>
+            <a:r>
+              <a:rPr lang="en-US"/>
+              <a:t>Click to edit Master title style</a:t>
+            </a:r>
+            <a:endParaRPr lang="en-ZA"/>
+          </a:p>
+        </p:txBody>
+      </p:sp>
+      <p:sp>
+        <p:nvSpPr>
+          <p:cNvPr id="3" name="Text Placeholder 2">
+            <a:extLst>
+              <a:ext uri="{FF2B5EF4-FFF2-40B4-BE49-F238E27FC236}">
+                <a16:creationId xmlns:a16="http://schemas.microsoft.com/office/drawing/2014/main" id="{058E9124-9438-4505-9834-5C7A76A4C708}"/>
+              </a:ext>
+            </a:extLst>
+          </p:cNvPr>
+          <p:cNvSpPr>
+            <a:spLocks noGrp="1"/>
+          </p:cNvSpPr>
+          <p:nvPr>
+            <p:ph type="body" idx="1"/>
+          </p:nvPr>
+        </p:nvSpPr>
+        <p:spPr>
+          <a:xfrm>
+            <a:off x="831850" y="4589463"/>
+            <a:ext cx="10515600" cy="1500187"/>
+          </a:xfrm>
+        </p:spPr>
+        <p:txBody>
+          <a:bodyPr/>
+          <a:lstStyle>
+            <a:lvl1pPr marL="0" indent="0">
+              <a:buNone/>
+              <a:defRPr sz="2400">
+                <a:solidFill>
+                  <a:schemeClr val="tx1">
+                    <a:tint val="75000"/>
+                  </a:schemeClr>
+                </a:solidFill>
+              </a:defRPr>
+            </a:lvl1pPr>
+            <a:lvl2pPr marL="457200" indent="0">
+              <a:buNone/>
+              <a:defRPr sz="2000">
+                <a:solidFill>
+                  <a:schemeClr val="tx1">
+                    <a:tint val="75000"/>
+                  </a:schemeClr>
+                </a:solidFill>
+              </a:defRPr>
+            </a:lvl2pPr>
+            <a:lvl3pPr marL="914400" indent="0">
+              <a:buNone/>
+              <a:defRPr sz="1800">
+                <a:solidFill>
+                  <a:schemeClr val="tx1">
+                    <a:tint val="75000"/>
+                  </a:schemeClr>
+                </a:solidFill>
+              </a:defRPr>
+            </a:lvl3pPr>
+            <a:lvl4pPr marL="1371600" indent="0">
+              <a:buNone/>
+              <a:defRPr sz="1600">
+                <a:solidFill>
+                  <a:schemeClr val="tx1">
+                    <a:tint val="75000"/>
+                  </a:schemeClr>
+                </a:solidFill>
+              </a:defRPr>
+            </a:lvl4pPr>
+            <a:lvl5pPr marL="1828800" indent="0">
+              <a:buNone/>
+              <a:defRPr sz="1600">
+                <a:solidFill>
+                  <a:schemeClr val="tx1">
+                    <a:tint val="75000"/>
+                  </a:schemeClr>
+                </a:solidFill>
+              </a:defRPr>
+            </a:lvl5pPr>
+            <a:lvl6pPr marL="2286000" indent="0">
+              <a:buNone/>
+              <a:defRPr sz="1600">
+                <a:solidFill>
+                  <a:schemeClr val="tx1">
+                    <a:tint val="75000"/>
+                  </a:schemeClr>
+                </a:solidFill>
+              </a:defRPr>
+            </a:lvl6pPr>
+            <a:lvl7pPr marL="2743200" indent="0">
+              <a:buNone/>
+              <a:defRPr sz="1600">
+                <a:solidFill>
+                  <a:schemeClr val="tx1">
+                    <a:tint val="75000"/>
+                  </a:schemeClr>
+                </a:solidFill>
+              </a:defRPr>
+            </a:lvl7pPr>
+            <a:lvl8pPr marL="3200400" indent="0">
+              <a:buNone/>
+              <a:defRPr sz="1600">
+                <a:solidFill>
+                  <a:schemeClr val="tx1">
+                    <a:tint val="75000"/>
+                  </a:schemeClr>
+                </a:solidFill>
+              </a:defRPr>
+            </a:lvl8pPr>
+            <a:lvl9pPr marL="3657600" indent="0">
+              <a:buNone/>
+              <a:defRPr sz="1600">
+                <a:solidFill>
+                  <a:schemeClr val="tx1">
+                    <a:tint val="75000"/>
+                  </a:schemeClr>
+                </a:solidFill>
+              </a:defRPr>
+            </a:lvl9pPr>
+          </a:lstStyle>
+          <a:p>
+            <a:pPr lvl="0"/>
+            <a:r>
+              <a:rPr lang="en-US"/>
+              <a:t>Edit Master text styles</a:t>
+            </a:r>
+          </a:p>
+        </p:txBody>
+      </p:sp>
+      <p:sp>
+        <p:nvSpPr>
+          <p:cNvPr id="4" name="Date Placeholder 3">
+            <a:extLst>
+              <a:ext uri="{FF2B5EF4-FFF2-40B4-BE49-F238E27FC236}">
+                <a16:creationId xmlns:a16="http://schemas.microsoft.com/office/drawing/2014/main" id="{747859EC-231B-401C-99FC-0C7F2B8432BE}"/>
+              </a:ext>
+            </a:extLst>
+          </p:cNvPr>
+          <p:cNvSpPr>
+            <a:spLocks noGrp="1"/>
+          </p:cNvSpPr>
+          <p:nvPr>
+            <p:ph type="dt" sz="half" idx="10"/>
+          </p:nvPr>
+        </p:nvSpPr>
+        <p:spPr/>
+        <p:txBody>
+          <a:bodyPr/>
+          <a:lstStyle/>
+          <a:p>
+            <a:fld id="{C6F822A4-8DA6-4447-9B1F-C5DB58435268}" type="datetimeFigureOut">
+              <a:rPr lang="en-US" smtClean="0"/>
+              <a:t>8/28/2025</a:t>
+            </a:fld>
+            <a:endParaRPr lang="en-US" dirty="0"/>
+          </a:p>
+        </p:txBody>
+      </p:sp>
+      <p:sp>
+        <p:nvSpPr>
+          <p:cNvPr id="5" name="Footer Placeholder 4">
+            <a:extLst>
+              <a:ext uri="{FF2B5EF4-FFF2-40B4-BE49-F238E27FC236}">
+                <a16:creationId xmlns:a16="http://schemas.microsoft.com/office/drawing/2014/main" id="{9E3015F2-B18A-452C-8C3F-FABC246596A0}"/>
+              </a:ext>
+            </a:extLst>
+          </p:cNvPr>
+          <p:cNvSpPr>
+            <a:spLocks noGrp="1"/>
+          </p:cNvSpPr>
+          <p:nvPr>
+            <p:ph type="ftr" sz="quarter" idx="11"/>
+          </p:nvPr>
+        </p:nvSpPr>
+        <p:spPr/>
+        <p:txBody>
+          <a:bodyPr/>
+          <a:lstStyle/>
+          <a:p>
+            <a:endParaRPr lang="en-US" dirty="0"/>
+          </a:p>
+        </p:txBody>
+      </p:sp>
+      <p:sp>
+        <p:nvSpPr>
+          <p:cNvPr id="6" name="Slide Number Placeholder 5">
+            <a:extLst>
+              <a:ext uri="{FF2B5EF4-FFF2-40B4-BE49-F238E27FC236}">
+                <a16:creationId xmlns:a16="http://schemas.microsoft.com/office/drawing/2014/main" id="{038DAB12-FB56-4257-BF79-0EA388DB368E}"/>
+              </a:ext>
+            </a:extLst>
+          </p:cNvPr>
+          <p:cNvSpPr>
+            <a:spLocks noGrp="1"/>
+          </p:cNvSpPr>
+          <p:nvPr>
+            <p:ph type="sldNum" sz="quarter" idx="12"/>
+          </p:nvPr>
+        </p:nvSpPr>
+        <p:spPr/>
+        <p:txBody>
+          <a:bodyPr/>
+          <a:lstStyle/>
+          <a:p>
+            <a:fld id="{4FAB73BC-B049-4115-A692-8D63A059BFB8}" type="slidenum">
+              <a:rPr lang="en-US" smtClean="0"/>
+              <a:pPr/>
+              <a:t>‹#›</a:t>
+            </a:fld>
+            <a:endParaRPr lang="en-US" dirty="0"/>
+          </a:p>
+        </p:txBody>
+      </p:sp>
+    </p:spTree>
+    <p:extLst>
+      <p:ext uri="{BB962C8B-B14F-4D97-AF65-F5344CB8AC3E}">
+        <p14:creationId xmlns:p14="http://schemas.microsoft.com/office/powerpoint/2010/main" val="1243166761"/>
+      </p:ext>
+    </p:extLst>
+  </p:cSld>
+  <p:clrMapOvr>
+    <a:masterClrMapping/>
+  </p:clrMapOvr>
+  <p:hf hdr="0" ftr="0" dt="0"/>
+</p:sldLayout>
+</file>
+
+<file path=ppt/slideLayouts/slideLayout21.xml><?xml version="1.0" encoding="utf-8"?>
+<p:sldLayout xmlns:a="http://schemas.openxmlformats.org/drawingml/2006/main" xmlns:r="http://schemas.openxmlformats.org/officeDocument/2006/relationships" xmlns:p="http://schemas.openxmlformats.org/presentationml/2006/main" type="twoObj" preserve="1">
+  <p:cSld name="Two Content">
+    <p:spTree>
+      <p:nvGrpSpPr>
+        <p:cNvPr id="1" name=""/>
+        <p:cNvGrpSpPr/>
+        <p:nvPr/>
+      </p:nvGrpSpPr>
+      <p:grpSpPr>
+        <a:xfrm>
+          <a:off x="0" y="0"/>
+          <a:ext cx="0" cy="0"/>
+          <a:chOff x="0" y="0"/>
+          <a:chExt cx="0" cy="0"/>
+        </a:xfrm>
+      </p:grpSpPr>
+      <p:sp>
+        <p:nvSpPr>
+          <p:cNvPr id="2" name="Title 1">
+            <a:extLst>
+              <a:ext uri="{FF2B5EF4-FFF2-40B4-BE49-F238E27FC236}">
+                <a16:creationId xmlns:a16="http://schemas.microsoft.com/office/drawing/2014/main" id="{C7BE40BF-95CF-4808-8C0A-F0DC4B4AA7FD}"/>
+              </a:ext>
+            </a:extLst>
+          </p:cNvPr>
+          <p:cNvSpPr>
+            <a:spLocks noGrp="1"/>
+          </p:cNvSpPr>
+          <p:nvPr>
+            <p:ph type="title"/>
+          </p:nvPr>
+        </p:nvSpPr>
+        <p:spPr/>
+        <p:txBody>
+          <a:bodyPr/>
+          <a:lstStyle/>
+          <a:p>
+            <a:r>
+              <a:rPr lang="en-US"/>
+              <a:t>Click to edit Master title style</a:t>
+            </a:r>
+            <a:endParaRPr lang="en-ZA"/>
+          </a:p>
+        </p:txBody>
+      </p:sp>
+      <p:sp>
+        <p:nvSpPr>
+          <p:cNvPr id="3" name="Content Placeholder 2">
+            <a:extLst>
+              <a:ext uri="{FF2B5EF4-FFF2-40B4-BE49-F238E27FC236}">
+                <a16:creationId xmlns:a16="http://schemas.microsoft.com/office/drawing/2014/main" id="{3A0B36AC-2BD7-4F09-85F4-BB858E780652}"/>
+              </a:ext>
+            </a:extLst>
+          </p:cNvPr>
+          <p:cNvSpPr>
+            <a:spLocks noGrp="1"/>
+          </p:cNvSpPr>
+          <p:nvPr>
+            <p:ph sz="half" idx="1"/>
+          </p:nvPr>
+        </p:nvSpPr>
+        <p:spPr>
+          <a:xfrm>
+            <a:off x="838200" y="1825625"/>
+            <a:ext cx="5181600" cy="4351338"/>
+          </a:xfrm>
+        </p:spPr>
+        <p:txBody>
+          <a:bodyPr/>
+          <a:lstStyle/>
+          <a:p>
+            <a:pPr lvl="0"/>
+            <a:r>
+              <a:rPr lang="en-US"/>
+              <a:t>Edit Master text styles</a:t>
+            </a:r>
+          </a:p>
+          <a:p>
+            <a:pPr lvl="1"/>
+            <a:r>
+              <a:rPr lang="en-US"/>
+              <a:t>Second level</a:t>
+            </a:r>
+          </a:p>
+          <a:p>
+            <a:pPr lvl="2"/>
+            <a:r>
+              <a:rPr lang="en-US"/>
+              <a:t>Third level</a:t>
+            </a:r>
+          </a:p>
+          <a:p>
+            <a:pPr lvl="3"/>
+            <a:r>
+              <a:rPr lang="en-US"/>
+              <a:t>Fourth level</a:t>
+            </a:r>
+          </a:p>
+          <a:p>
+            <a:pPr lvl="4"/>
+            <a:r>
+              <a:rPr lang="en-US"/>
+              <a:t>Fifth level</a:t>
+            </a:r>
+            <a:endParaRPr lang="en-ZA"/>
+          </a:p>
+        </p:txBody>
+      </p:sp>
+      <p:sp>
+        <p:nvSpPr>
+          <p:cNvPr id="4" name="Content Placeholder 3">
+            <a:extLst>
+              <a:ext uri="{FF2B5EF4-FFF2-40B4-BE49-F238E27FC236}">
+                <a16:creationId xmlns:a16="http://schemas.microsoft.com/office/drawing/2014/main" id="{3C67065A-7756-445F-9D27-180EA51DE152}"/>
+              </a:ext>
+            </a:extLst>
+          </p:cNvPr>
+          <p:cNvSpPr>
+            <a:spLocks noGrp="1"/>
+          </p:cNvSpPr>
+          <p:nvPr>
+            <p:ph sz="half" idx="2"/>
+          </p:nvPr>
+        </p:nvSpPr>
+        <p:spPr>
+          <a:xfrm>
+            <a:off x="6172200" y="1825625"/>
+            <a:ext cx="5181600" cy="4351338"/>
+          </a:xfrm>
+        </p:spPr>
+        <p:txBody>
+          <a:bodyPr/>
+          <a:lstStyle/>
+          <a:p>
+            <a:pPr lvl="0"/>
+            <a:r>
+              <a:rPr lang="en-US"/>
+              <a:t>Edit Master text styles</a:t>
+            </a:r>
+          </a:p>
+          <a:p>
+            <a:pPr lvl="1"/>
+            <a:r>
+              <a:rPr lang="en-US"/>
+              <a:t>Second level</a:t>
+            </a:r>
+          </a:p>
+          <a:p>
+            <a:pPr lvl="2"/>
+            <a:r>
+              <a:rPr lang="en-US"/>
+              <a:t>Third level</a:t>
+            </a:r>
+          </a:p>
+          <a:p>
+            <a:pPr lvl="3"/>
+            <a:r>
+              <a:rPr lang="en-US"/>
+              <a:t>Fourth level</a:t>
+            </a:r>
+          </a:p>
+          <a:p>
+            <a:pPr lvl="4"/>
+            <a:r>
+              <a:rPr lang="en-US"/>
+              <a:t>Fifth level</a:t>
+            </a:r>
+            <a:endParaRPr lang="en-ZA"/>
+          </a:p>
+        </p:txBody>
+      </p:sp>
+      <p:sp>
+        <p:nvSpPr>
+          <p:cNvPr id="5" name="Date Placeholder 4">
+            <a:extLst>
+              <a:ext uri="{FF2B5EF4-FFF2-40B4-BE49-F238E27FC236}">
+                <a16:creationId xmlns:a16="http://schemas.microsoft.com/office/drawing/2014/main" id="{E69B50C5-932A-4E2D-84EA-D08D4EB7D504}"/>
+              </a:ext>
+            </a:extLst>
+          </p:cNvPr>
+          <p:cNvSpPr>
+            <a:spLocks noGrp="1"/>
+          </p:cNvSpPr>
+          <p:nvPr>
+            <p:ph type="dt" sz="half" idx="10"/>
+          </p:nvPr>
+        </p:nvSpPr>
+        <p:spPr/>
+        <p:txBody>
+          <a:bodyPr/>
+          <a:lstStyle/>
+          <a:p>
+            <a:fld id="{8664C608-40B1-4030-A28D-5B74BC98ADCE}" type="datetimeFigureOut">
+              <a:rPr lang="en-US" smtClean="0"/>
+              <a:t>8/28/2025</a:t>
+            </a:fld>
+            <a:endParaRPr lang="en-US" dirty="0"/>
+          </a:p>
+        </p:txBody>
+      </p:sp>
+      <p:sp>
+        <p:nvSpPr>
+          <p:cNvPr id="6" name="Footer Placeholder 5">
+            <a:extLst>
+              <a:ext uri="{FF2B5EF4-FFF2-40B4-BE49-F238E27FC236}">
+                <a16:creationId xmlns:a16="http://schemas.microsoft.com/office/drawing/2014/main" id="{DAAB899C-8797-4793-BC14-AB66CBD35C12}"/>
+              </a:ext>
+            </a:extLst>
+          </p:cNvPr>
+          <p:cNvSpPr>
+            <a:spLocks noGrp="1"/>
+          </p:cNvSpPr>
+          <p:nvPr>
+            <p:ph type="ftr" sz="quarter" idx="11"/>
+          </p:nvPr>
+        </p:nvSpPr>
+        <p:spPr/>
+        <p:txBody>
+          <a:bodyPr/>
+          <a:lstStyle/>
+          <a:p>
+            <a:endParaRPr lang="en-US" dirty="0"/>
+          </a:p>
+        </p:txBody>
+      </p:sp>
+      <p:sp>
+        <p:nvSpPr>
+          <p:cNvPr id="7" name="Slide Number Placeholder 6">
+            <a:extLst>
+              <a:ext uri="{FF2B5EF4-FFF2-40B4-BE49-F238E27FC236}">
+                <a16:creationId xmlns:a16="http://schemas.microsoft.com/office/drawing/2014/main" id="{79B49C66-E8D6-4F36-B274-9A3A76489E15}"/>
+              </a:ext>
+            </a:extLst>
+          </p:cNvPr>
+          <p:cNvSpPr>
+            <a:spLocks noGrp="1"/>
+          </p:cNvSpPr>
+          <p:nvPr>
+            <p:ph type="sldNum" sz="quarter" idx="12"/>
+          </p:nvPr>
+        </p:nvSpPr>
+        <p:spPr/>
+        <p:txBody>
+          <a:bodyPr/>
+          <a:lstStyle/>
+          <a:p>
+            <a:fld id="{4FAB73BC-B049-4115-A692-8D63A059BFB8}" type="slidenum">
+              <a:rPr lang="en-US" smtClean="0"/>
+              <a:pPr/>
+              <a:t>‹#›</a:t>
+            </a:fld>
+            <a:endParaRPr lang="en-US" dirty="0"/>
+          </a:p>
+        </p:txBody>
+      </p:sp>
+    </p:spTree>
+    <p:extLst>
+      <p:ext uri="{BB962C8B-B14F-4D97-AF65-F5344CB8AC3E}">
+        <p14:creationId xmlns:p14="http://schemas.microsoft.com/office/powerpoint/2010/main" val="2092267570"/>
+      </p:ext>
+    </p:extLst>
+  </p:cSld>
+  <p:clrMapOvr>
+    <a:masterClrMapping/>
+  </p:clrMapOvr>
+  <p:hf hdr="0" ftr="0" dt="0"/>
+</p:sldLayout>
+</file>
+
+<file path=ppt/slideLayouts/slideLayout22.xml><?xml version="1.0" encoding="utf-8"?>
+<p:sldLayout xmlns:a="http://schemas.openxmlformats.org/drawingml/2006/main" xmlns:r="http://schemas.openxmlformats.org/officeDocument/2006/relationships" xmlns:p="http://schemas.openxmlformats.org/presentationml/2006/main" type="twoTxTwoObj" preserve="1">
+  <p:cSld name="Comparison">
+    <p:spTree>
+      <p:nvGrpSpPr>
+        <p:cNvPr id="1" name=""/>
+        <p:cNvGrpSpPr/>
+        <p:nvPr/>
+      </p:nvGrpSpPr>
+      <p:grpSpPr>
+        <a:xfrm>
+          <a:off x="0" y="0"/>
+          <a:ext cx="0" cy="0"/>
+          <a:chOff x="0" y="0"/>
+          <a:chExt cx="0" cy="0"/>
+        </a:xfrm>
+      </p:grpSpPr>
+      <p:sp>
+        <p:nvSpPr>
+          <p:cNvPr id="2" name="Title 1">
+            <a:extLst>
+              <a:ext uri="{FF2B5EF4-FFF2-40B4-BE49-F238E27FC236}">
+                <a16:creationId xmlns:a16="http://schemas.microsoft.com/office/drawing/2014/main" id="{9D2F8B21-5E03-4A35-A7DF-E585781C705A}"/>
+              </a:ext>
+            </a:extLst>
+          </p:cNvPr>
+          <p:cNvSpPr>
+            <a:spLocks noGrp="1"/>
+          </p:cNvSpPr>
+          <p:nvPr>
+            <p:ph type="title"/>
+          </p:nvPr>
+        </p:nvSpPr>
+        <p:spPr>
+          <a:xfrm>
+            <a:off x="839788" y="365125"/>
+            <a:ext cx="10515600" cy="1325563"/>
+          </a:xfrm>
+        </p:spPr>
+        <p:txBody>
+          <a:bodyPr/>
+          <a:lstStyle/>
+          <a:p>
+            <a:r>
+              <a:rPr lang="en-US"/>
+              <a:t>Click to edit Master title style</a:t>
+            </a:r>
+            <a:endParaRPr lang="en-ZA"/>
+          </a:p>
+        </p:txBody>
+      </p:sp>
+      <p:sp>
+        <p:nvSpPr>
+          <p:cNvPr id="3" name="Text Placeholder 2">
+            <a:extLst>
+              <a:ext uri="{FF2B5EF4-FFF2-40B4-BE49-F238E27FC236}">
+                <a16:creationId xmlns:a16="http://schemas.microsoft.com/office/drawing/2014/main" id="{43ED6D27-3661-47BC-8272-F6BB13A6167B}"/>
+              </a:ext>
+            </a:extLst>
+          </p:cNvPr>
+          <p:cNvSpPr>
+            <a:spLocks noGrp="1"/>
+          </p:cNvSpPr>
+          <p:nvPr>
+            <p:ph type="body" idx="1"/>
+          </p:nvPr>
+        </p:nvSpPr>
+        <p:spPr>
+          <a:xfrm>
+            <a:off x="839788" y="1681163"/>
+            <a:ext cx="5157787" cy="823912"/>
+          </a:xfrm>
+        </p:spPr>
+        <p:txBody>
+          <a:bodyPr anchor="b"/>
+          <a:lstStyle>
+            <a:lvl1pPr marL="0" indent="0">
+              <a:buNone/>
+              <a:defRPr sz="2400" b="1"/>
+            </a:lvl1pPr>
+            <a:lvl2pPr marL="457200" indent="0">
+              <a:buNone/>
+              <a:defRPr sz="2000" b="1"/>
+            </a:lvl2pPr>
+            <a:lvl3pPr marL="914400" indent="0">
+              <a:buNone/>
+              <a:defRPr sz="1800" b="1"/>
+            </a:lvl3pPr>
+            <a:lvl4pPr marL="1371600" indent="0">
+              <a:buNone/>
+              <a:defRPr sz="1600" b="1"/>
+            </a:lvl4pPr>
+            <a:lvl5pPr marL="1828800" indent="0">
+              <a:buNone/>
+              <a:defRPr sz="1600" b="1"/>
+            </a:lvl5pPr>
+            <a:lvl6pPr marL="2286000" indent="0">
+              <a:buNone/>
+              <a:defRPr sz="1600" b="1"/>
+            </a:lvl6pPr>
+            <a:lvl7pPr marL="2743200" indent="0">
+              <a:buNone/>
+              <a:defRPr sz="1600" b="1"/>
+            </a:lvl7pPr>
+            <a:lvl8pPr marL="3200400" indent="0">
+              <a:buNone/>
+              <a:defRPr sz="1600" b="1"/>
+            </a:lvl8pPr>
+            <a:lvl9pPr marL="3657600" indent="0">
+              <a:buNone/>
+              <a:defRPr sz="1600" b="1"/>
+            </a:lvl9pPr>
+          </a:lstStyle>
+          <a:p>
+            <a:pPr lvl="0"/>
+            <a:r>
+              <a:rPr lang="en-US"/>
+              <a:t>Edit Master text styles</a:t>
+            </a:r>
+          </a:p>
+        </p:txBody>
+      </p:sp>
+      <p:sp>
+        <p:nvSpPr>
+          <p:cNvPr id="4" name="Content Placeholder 3">
+            <a:extLst>
+              <a:ext uri="{FF2B5EF4-FFF2-40B4-BE49-F238E27FC236}">
+                <a16:creationId xmlns:a16="http://schemas.microsoft.com/office/drawing/2014/main" id="{61F989DC-3227-4DC9-943F-CCA65D9934E3}"/>
+              </a:ext>
+            </a:extLst>
+          </p:cNvPr>
+          <p:cNvSpPr>
+            <a:spLocks noGrp="1"/>
+          </p:cNvSpPr>
+          <p:nvPr>
+            <p:ph sz="half" idx="2"/>
+          </p:nvPr>
+        </p:nvSpPr>
+        <p:spPr>
+          <a:xfrm>
+            <a:off x="839788" y="2505075"/>
+            <a:ext cx="5157787" cy="3684588"/>
+          </a:xfrm>
+        </p:spPr>
+        <p:txBody>
+          <a:bodyPr/>
+          <a:lstStyle/>
+          <a:p>
+            <a:pPr lvl="0"/>
+            <a:r>
+              <a:rPr lang="en-US"/>
+              <a:t>Edit Master text styles</a:t>
+            </a:r>
+          </a:p>
+          <a:p>
+            <a:pPr lvl="1"/>
+            <a:r>
+              <a:rPr lang="en-US"/>
+              <a:t>Second level</a:t>
+            </a:r>
+          </a:p>
+          <a:p>
+            <a:pPr lvl="2"/>
+            <a:r>
+              <a:rPr lang="en-US"/>
+              <a:t>Third level</a:t>
+            </a:r>
+          </a:p>
+          <a:p>
+            <a:pPr lvl="3"/>
+            <a:r>
+              <a:rPr lang="en-US"/>
+              <a:t>Fourth level</a:t>
+            </a:r>
+          </a:p>
+          <a:p>
+            <a:pPr lvl="4"/>
+            <a:r>
+              <a:rPr lang="en-US"/>
+              <a:t>Fifth level</a:t>
+            </a:r>
+            <a:endParaRPr lang="en-ZA"/>
+          </a:p>
+        </p:txBody>
+      </p:sp>
+      <p:sp>
+        <p:nvSpPr>
+          <p:cNvPr id="5" name="Text Placeholder 4">
+            <a:extLst>
+              <a:ext uri="{FF2B5EF4-FFF2-40B4-BE49-F238E27FC236}">
+                <a16:creationId xmlns:a16="http://schemas.microsoft.com/office/drawing/2014/main" id="{987D1DAF-8F09-4CCB-B461-111C13AA467D}"/>
+              </a:ext>
+            </a:extLst>
+          </p:cNvPr>
+          <p:cNvSpPr>
+            <a:spLocks noGrp="1"/>
+          </p:cNvSpPr>
+          <p:nvPr>
+            <p:ph type="body" sz="quarter" idx="3"/>
+          </p:nvPr>
+        </p:nvSpPr>
+        <p:spPr>
+          <a:xfrm>
+            <a:off x="6172200" y="1681163"/>
+            <a:ext cx="5183188" cy="823912"/>
+          </a:xfrm>
+        </p:spPr>
+        <p:txBody>
+          <a:bodyPr anchor="b"/>
+          <a:lstStyle>
+            <a:lvl1pPr marL="0" indent="0">
+              <a:buNone/>
+              <a:defRPr sz="2400" b="1"/>
+            </a:lvl1pPr>
+            <a:lvl2pPr marL="457200" indent="0">
+              <a:buNone/>
+              <a:defRPr sz="2000" b="1"/>
+            </a:lvl2pPr>
+            <a:lvl3pPr marL="914400" indent="0">
+              <a:buNone/>
+              <a:defRPr sz="1800" b="1"/>
+            </a:lvl3pPr>
+            <a:lvl4pPr marL="1371600" indent="0">
+              <a:buNone/>
+              <a:defRPr sz="1600" b="1"/>
+            </a:lvl4pPr>
+            <a:lvl5pPr marL="1828800" indent="0">
+              <a:buNone/>
+              <a:defRPr sz="1600" b="1"/>
+            </a:lvl5pPr>
+            <a:lvl6pPr marL="2286000" indent="0">
+              <a:buNone/>
+              <a:defRPr sz="1600" b="1"/>
+            </a:lvl6pPr>
+            <a:lvl7pPr marL="2743200" indent="0">
+              <a:buNone/>
+              <a:defRPr sz="1600" b="1"/>
+            </a:lvl7pPr>
+            <a:lvl8pPr marL="3200400" indent="0">
+              <a:buNone/>
+              <a:defRPr sz="1600" b="1"/>
+            </a:lvl8pPr>
+            <a:lvl9pPr marL="3657600" indent="0">
+              <a:buNone/>
+              <a:defRPr sz="1600" b="1"/>
+            </a:lvl9pPr>
+          </a:lstStyle>
+          <a:p>
+            <a:pPr lvl="0"/>
+            <a:r>
+              <a:rPr lang="en-US"/>
+              <a:t>Edit Master text styles</a:t>
+            </a:r>
+          </a:p>
+        </p:txBody>
+      </p:sp>
+      <p:sp>
+        <p:nvSpPr>
+          <p:cNvPr id="6" name="Content Placeholder 5">
+            <a:extLst>
+              <a:ext uri="{FF2B5EF4-FFF2-40B4-BE49-F238E27FC236}">
+                <a16:creationId xmlns:a16="http://schemas.microsoft.com/office/drawing/2014/main" id="{3ECC217E-522C-48A1-92DA-6AF99B2BC27D}"/>
+              </a:ext>
+            </a:extLst>
+          </p:cNvPr>
+          <p:cNvSpPr>
+            <a:spLocks noGrp="1"/>
+          </p:cNvSpPr>
+          <p:nvPr>
+            <p:ph sz="quarter" idx="4"/>
+          </p:nvPr>
+        </p:nvSpPr>
+        <p:spPr>
+          <a:xfrm>
+            <a:off x="6172200" y="2505075"/>
+            <a:ext cx="5183188" cy="3684588"/>
+          </a:xfrm>
+        </p:spPr>
+        <p:txBody>
+          <a:bodyPr/>
+          <a:lstStyle/>
+          <a:p>
+            <a:pPr lvl="0"/>
+            <a:r>
+              <a:rPr lang="en-US"/>
+              <a:t>Edit Master text styles</a:t>
+            </a:r>
+          </a:p>
+          <a:p>
+            <a:pPr lvl="1"/>
+            <a:r>
+              <a:rPr lang="en-US"/>
+              <a:t>Second level</a:t>
+            </a:r>
+          </a:p>
+          <a:p>
+            <a:pPr lvl="2"/>
+            <a:r>
+              <a:rPr lang="en-US"/>
+              <a:t>Third level</a:t>
+            </a:r>
+          </a:p>
+          <a:p>
+            <a:pPr lvl="3"/>
+            <a:r>
+              <a:rPr lang="en-US"/>
+              <a:t>Fourth level</a:t>
+            </a:r>
+          </a:p>
+          <a:p>
+            <a:pPr lvl="4"/>
+            <a:r>
+              <a:rPr lang="en-US"/>
+              <a:t>Fifth level</a:t>
+            </a:r>
+            <a:endParaRPr lang="en-ZA"/>
+          </a:p>
+        </p:txBody>
+      </p:sp>
+      <p:sp>
+        <p:nvSpPr>
+          <p:cNvPr id="7" name="Date Placeholder 6">
+            <a:extLst>
+              <a:ext uri="{FF2B5EF4-FFF2-40B4-BE49-F238E27FC236}">
+                <a16:creationId xmlns:a16="http://schemas.microsoft.com/office/drawing/2014/main" id="{15AD6102-645C-4238-AB90-5C0FFB24E490}"/>
+              </a:ext>
+            </a:extLst>
+          </p:cNvPr>
+          <p:cNvSpPr>
+            <a:spLocks noGrp="1"/>
+          </p:cNvSpPr>
+          <p:nvPr>
+            <p:ph type="dt" sz="half" idx="10"/>
+          </p:nvPr>
+        </p:nvSpPr>
+        <p:spPr/>
+        <p:txBody>
+          <a:bodyPr/>
+          <a:lstStyle/>
+          <a:p>
+            <a:fld id="{8664C608-40B1-4030-A28D-5B74BC98ADCE}" type="datetimeFigureOut">
+              <a:rPr lang="en-US" smtClean="0"/>
+              <a:t>8/28/2025</a:t>
+            </a:fld>
+            <a:endParaRPr lang="en-US" dirty="0"/>
+          </a:p>
+        </p:txBody>
+      </p:sp>
+      <p:sp>
+        <p:nvSpPr>
+          <p:cNvPr id="8" name="Footer Placeholder 7">
+            <a:extLst>
+              <a:ext uri="{FF2B5EF4-FFF2-40B4-BE49-F238E27FC236}">
+                <a16:creationId xmlns:a16="http://schemas.microsoft.com/office/drawing/2014/main" id="{B70446C9-EE33-4D42-A5F4-43BC7FA2DEDF}"/>
+              </a:ext>
+            </a:extLst>
+          </p:cNvPr>
+          <p:cNvSpPr>
+            <a:spLocks noGrp="1"/>
+          </p:cNvSpPr>
+          <p:nvPr>
+            <p:ph type="ftr" sz="quarter" idx="11"/>
+          </p:nvPr>
+        </p:nvSpPr>
+        <p:spPr/>
+        <p:txBody>
+          <a:bodyPr/>
+          <a:lstStyle/>
+          <a:p>
+            <a:endParaRPr lang="en-US" dirty="0"/>
+          </a:p>
+        </p:txBody>
+      </p:sp>
+      <p:sp>
+        <p:nvSpPr>
+          <p:cNvPr id="9" name="Slide Number Placeholder 8">
+            <a:extLst>
+              <a:ext uri="{FF2B5EF4-FFF2-40B4-BE49-F238E27FC236}">
+                <a16:creationId xmlns:a16="http://schemas.microsoft.com/office/drawing/2014/main" id="{02DE5402-98A9-4A76-9080-44A771BE8579}"/>
+              </a:ext>
+            </a:extLst>
+          </p:cNvPr>
+          <p:cNvSpPr>
+            <a:spLocks noGrp="1"/>
+          </p:cNvSpPr>
+          <p:nvPr>
+            <p:ph type="sldNum" sz="quarter" idx="12"/>
+          </p:nvPr>
+        </p:nvSpPr>
+        <p:spPr/>
+        <p:txBody>
+          <a:bodyPr/>
+          <a:lstStyle/>
+          <a:p>
+            <a:fld id="{4FAB73BC-B049-4115-A692-8D63A059BFB8}" type="slidenum">
+              <a:rPr lang="en-US" smtClean="0"/>
+              <a:pPr/>
+              <a:t>‹#›</a:t>
+            </a:fld>
+            <a:endParaRPr lang="en-US" dirty="0"/>
+          </a:p>
+        </p:txBody>
+      </p:sp>
+    </p:spTree>
+    <p:extLst>
+      <p:ext uri="{BB962C8B-B14F-4D97-AF65-F5344CB8AC3E}">
+        <p14:creationId xmlns:p14="http://schemas.microsoft.com/office/powerpoint/2010/main" val="3509123475"/>
+      </p:ext>
+    </p:extLst>
+  </p:cSld>
+  <p:clrMapOvr>
+    <a:masterClrMapping/>
+  </p:clrMapOvr>
+  <p:hf hdr="0" ftr="0" dt="0"/>
+</p:sldLayout>
+</file>
+
+<file path=ppt/slideLayouts/slideLayout23.xml><?xml version="1.0" encoding="utf-8"?>
+<p:sldLayout xmlns:a="http://schemas.openxmlformats.org/drawingml/2006/main" xmlns:r="http://schemas.openxmlformats.org/officeDocument/2006/relationships" xmlns:p="http://schemas.openxmlformats.org/presentationml/2006/main" type="titleOnly" preserve="1">
+  <p:cSld name="Title Only">
+    <p:spTree>
+      <p:nvGrpSpPr>
+        <p:cNvPr id="1" name=""/>
+        <p:cNvGrpSpPr/>
+        <p:nvPr/>
+      </p:nvGrpSpPr>
+      <p:grpSpPr>
+        <a:xfrm>
+          <a:off x="0" y="0"/>
+          <a:ext cx="0" cy="0"/>
+          <a:chOff x="0" y="0"/>
+          <a:chExt cx="0" cy="0"/>
+        </a:xfrm>
+      </p:grpSpPr>
+      <p:sp>
+        <p:nvSpPr>
+          <p:cNvPr id="2" name="Title 1">
+            <a:extLst>
+              <a:ext uri="{FF2B5EF4-FFF2-40B4-BE49-F238E27FC236}">
+                <a16:creationId xmlns:a16="http://schemas.microsoft.com/office/drawing/2014/main" id="{375BF0D6-5387-43A5-AC0C-4D0EF5EA0173}"/>
+              </a:ext>
+            </a:extLst>
+          </p:cNvPr>
+          <p:cNvSpPr>
+            <a:spLocks noGrp="1"/>
+          </p:cNvSpPr>
+          <p:nvPr>
+            <p:ph type="title"/>
+          </p:nvPr>
+        </p:nvSpPr>
+        <p:spPr/>
+        <p:txBody>
+          <a:bodyPr/>
+          <a:lstStyle/>
+          <a:p>
+            <a:r>
+              <a:rPr lang="en-US"/>
+              <a:t>Click to edit Master title style</a:t>
+            </a:r>
+            <a:endParaRPr lang="en-ZA"/>
+          </a:p>
+        </p:txBody>
+      </p:sp>
+      <p:sp>
+        <p:nvSpPr>
+          <p:cNvPr id="3" name="Date Placeholder 2">
+            <a:extLst>
+              <a:ext uri="{FF2B5EF4-FFF2-40B4-BE49-F238E27FC236}">
+                <a16:creationId xmlns:a16="http://schemas.microsoft.com/office/drawing/2014/main" id="{598F014D-266C-4C83-8841-AD680B2CD090}"/>
+              </a:ext>
+            </a:extLst>
+          </p:cNvPr>
+          <p:cNvSpPr>
+            <a:spLocks noGrp="1"/>
+          </p:cNvSpPr>
+          <p:nvPr>
+            <p:ph type="dt" sz="half" idx="10"/>
+          </p:nvPr>
+        </p:nvSpPr>
+        <p:spPr/>
+        <p:txBody>
+          <a:bodyPr/>
+          <a:lstStyle/>
+          <a:p>
+            <a:fld id="{677919A6-33EB-49BD-A62F-1FA56B9F9712}" type="datetimeFigureOut">
+              <a:rPr lang="en-US" smtClean="0"/>
+              <a:t>8/28/2025</a:t>
+            </a:fld>
+            <a:endParaRPr lang="en-US" dirty="0"/>
+          </a:p>
+        </p:txBody>
+      </p:sp>
+      <p:sp>
+        <p:nvSpPr>
+          <p:cNvPr id="4" name="Footer Placeholder 3">
+            <a:extLst>
+              <a:ext uri="{FF2B5EF4-FFF2-40B4-BE49-F238E27FC236}">
+                <a16:creationId xmlns:a16="http://schemas.microsoft.com/office/drawing/2014/main" id="{3F692F26-D7AF-4C8F-BFFA-3CFE92121356}"/>
+              </a:ext>
+            </a:extLst>
+          </p:cNvPr>
+          <p:cNvSpPr>
+            <a:spLocks noGrp="1"/>
+          </p:cNvSpPr>
+          <p:nvPr>
+            <p:ph type="ftr" sz="quarter" idx="11"/>
+          </p:nvPr>
+        </p:nvSpPr>
+        <p:spPr/>
+        <p:txBody>
+          <a:bodyPr/>
+          <a:lstStyle/>
+          <a:p>
+            <a:endParaRPr lang="en-US" dirty="0"/>
+          </a:p>
+        </p:txBody>
+      </p:sp>
+      <p:sp>
+        <p:nvSpPr>
+          <p:cNvPr id="5" name="Slide Number Placeholder 4">
+            <a:extLst>
+              <a:ext uri="{FF2B5EF4-FFF2-40B4-BE49-F238E27FC236}">
+                <a16:creationId xmlns:a16="http://schemas.microsoft.com/office/drawing/2014/main" id="{550D59A4-6834-487A-97C5-8E0AA2D1F779}"/>
+              </a:ext>
+            </a:extLst>
+          </p:cNvPr>
+          <p:cNvSpPr>
+            <a:spLocks noGrp="1"/>
+          </p:cNvSpPr>
+          <p:nvPr>
+            <p:ph type="sldNum" sz="quarter" idx="12"/>
+          </p:nvPr>
+        </p:nvSpPr>
+        <p:spPr/>
+        <p:txBody>
+          <a:bodyPr/>
+          <a:lstStyle/>
+          <a:p>
+            <a:fld id="{4FAB73BC-B049-4115-A692-8D63A059BFB8}" type="slidenum">
+              <a:rPr lang="en-US" smtClean="0"/>
+              <a:t>‹#›</a:t>
+            </a:fld>
+            <a:endParaRPr lang="en-US" dirty="0"/>
+          </a:p>
+        </p:txBody>
+      </p:sp>
+    </p:spTree>
+    <p:extLst>
+      <p:ext uri="{BB962C8B-B14F-4D97-AF65-F5344CB8AC3E}">
+        <p14:creationId xmlns:p14="http://schemas.microsoft.com/office/powerpoint/2010/main" val="520147820"/>
+      </p:ext>
+    </p:extLst>
+  </p:cSld>
+  <p:clrMapOvr>
+    <a:masterClrMapping/>
+  </p:clrMapOvr>
+  <p:hf hdr="0" ftr="0" dt="0"/>
+</p:sldLayout>
+</file>
+
+<file path=ppt/slideLayouts/slideLayout24.xml><?xml version="1.0" encoding="utf-8"?>
+<p:sldLayout xmlns:a="http://schemas.openxmlformats.org/drawingml/2006/main" xmlns:r="http://schemas.openxmlformats.org/officeDocument/2006/relationships" xmlns:p="http://schemas.openxmlformats.org/presentationml/2006/main" type="blank" preserve="1">
+  <p:cSld name="Blank">
+    <p:spTree>
+      <p:nvGrpSpPr>
+        <p:cNvPr id="1" name=""/>
+        <p:cNvGrpSpPr/>
+        <p:nvPr/>
+      </p:nvGrpSpPr>
+      <p:grpSpPr>
+        <a:xfrm>
+          <a:off x="0" y="0"/>
+          <a:ext cx="0" cy="0"/>
+          <a:chOff x="0" y="0"/>
+          <a:chExt cx="0" cy="0"/>
+        </a:xfrm>
+      </p:grpSpPr>
+      <p:sp>
+        <p:nvSpPr>
+          <p:cNvPr id="2" name="Date Placeholder 1">
+            <a:extLst>
+              <a:ext uri="{FF2B5EF4-FFF2-40B4-BE49-F238E27FC236}">
+                <a16:creationId xmlns:a16="http://schemas.microsoft.com/office/drawing/2014/main" id="{AE1261F5-0A08-4EB3-8DE7-7B45390C8D3A}"/>
+              </a:ext>
+            </a:extLst>
+          </p:cNvPr>
+          <p:cNvSpPr>
+            <a:spLocks noGrp="1"/>
+          </p:cNvSpPr>
+          <p:nvPr>
+            <p:ph type="dt" sz="half" idx="10"/>
+          </p:nvPr>
+        </p:nvSpPr>
+        <p:spPr/>
+        <p:txBody>
+          <a:bodyPr/>
+          <a:lstStyle/>
+          <a:p>
+            <a:fld id="{1367EAD2-4295-4B11-92C4-1069E38AB133}" type="datetime1">
+              <a:rPr lang="en-US" smtClean="0"/>
+              <a:t>8/28/2025</a:t>
+            </a:fld>
+            <a:endParaRPr lang="en-US"/>
+          </a:p>
+        </p:txBody>
+      </p:sp>
+      <p:sp>
+        <p:nvSpPr>
+          <p:cNvPr id="3" name="Footer Placeholder 2">
+            <a:extLst>
+              <a:ext uri="{FF2B5EF4-FFF2-40B4-BE49-F238E27FC236}">
+                <a16:creationId xmlns:a16="http://schemas.microsoft.com/office/drawing/2014/main" id="{DAB93BB1-ABDD-46B8-992A-E326FC0AB7A1}"/>
+              </a:ext>
+            </a:extLst>
+          </p:cNvPr>
+          <p:cNvSpPr>
+            <a:spLocks noGrp="1"/>
+          </p:cNvSpPr>
+          <p:nvPr>
+            <p:ph type="ftr" sz="quarter" idx="11"/>
+          </p:nvPr>
+        </p:nvSpPr>
+        <p:spPr/>
+        <p:txBody>
+          <a:bodyPr/>
+          <a:lstStyle/>
+          <a:p>
+            <a:r>
+              <a:rPr lang="en-US"/>
+              <a:t>Computational Biology Division (CBIO), UCT</a:t>
+            </a:r>
+          </a:p>
+        </p:txBody>
+      </p:sp>
+      <p:sp>
+        <p:nvSpPr>
+          <p:cNvPr id="4" name="Slide Number Placeholder 3">
+            <a:extLst>
+              <a:ext uri="{FF2B5EF4-FFF2-40B4-BE49-F238E27FC236}">
+                <a16:creationId xmlns:a16="http://schemas.microsoft.com/office/drawing/2014/main" id="{A521CEA2-DBCB-4ED6-BC11-839E948B6463}"/>
+              </a:ext>
+            </a:extLst>
+          </p:cNvPr>
+          <p:cNvSpPr>
+            <a:spLocks noGrp="1"/>
+          </p:cNvSpPr>
+          <p:nvPr>
+            <p:ph type="sldNum" sz="quarter" idx="12"/>
+          </p:nvPr>
+        </p:nvSpPr>
+        <p:spPr/>
+        <p:txBody>
+          <a:bodyPr/>
+          <a:lstStyle/>
+          <a:p>
+            <a:fld id="{96ED8120-2729-4EA6-A26C-F7FBA51D6EF6}" type="slidenum">
+              <a:rPr lang="en-US" smtClean="0"/>
+              <a:t>‹#›</a:t>
+            </a:fld>
+            <a:endParaRPr lang="en-US"/>
+          </a:p>
+        </p:txBody>
+      </p:sp>
+    </p:spTree>
+    <p:extLst>
+      <p:ext uri="{BB962C8B-B14F-4D97-AF65-F5344CB8AC3E}">
+        <p14:creationId xmlns:p14="http://schemas.microsoft.com/office/powerpoint/2010/main" val="2911762143"/>
+      </p:ext>
+    </p:extLst>
+  </p:cSld>
+  <p:clrMapOvr>
+    <a:masterClrMapping/>
+  </p:clrMapOvr>
+  <p:extLst>
+    <p:ext uri="{DCECCB84-F9BA-43D5-87BE-67443E8EF086}">
+      <p15:sldGuideLst xmlns:p15="http://schemas.microsoft.com/office/powerpoint/2012/main"/>
+    </p:ext>
+  </p:extLst>
+</p:sldLayout>
+</file>
+
+<file path=ppt/slideLayouts/slideLayout25.xml><?xml version="1.0" encoding="utf-8"?>
+<p:sldLayout xmlns:a="http://schemas.openxmlformats.org/drawingml/2006/main" xmlns:r="http://schemas.openxmlformats.org/officeDocument/2006/relationships" xmlns:p="http://schemas.openxmlformats.org/presentationml/2006/main" type="objTx" preserve="1">
+  <p:cSld name="Content with Caption">
+    <p:spTree>
+      <p:nvGrpSpPr>
+        <p:cNvPr id="1" name=""/>
+        <p:cNvGrpSpPr/>
+        <p:nvPr/>
+      </p:nvGrpSpPr>
+      <p:grpSpPr>
+        <a:xfrm>
+          <a:off x="0" y="0"/>
+          <a:ext cx="0" cy="0"/>
+          <a:chOff x="0" y="0"/>
+          <a:chExt cx="0" cy="0"/>
+        </a:xfrm>
+      </p:grpSpPr>
+      <p:sp>
+        <p:nvSpPr>
+          <p:cNvPr id="2" name="Title 1">
+            <a:extLst>
+              <a:ext uri="{FF2B5EF4-FFF2-40B4-BE49-F238E27FC236}">
+                <a16:creationId xmlns:a16="http://schemas.microsoft.com/office/drawing/2014/main" id="{539D2EFF-E765-4404-AEE9-0071865998A7}"/>
+              </a:ext>
+            </a:extLst>
+          </p:cNvPr>
+          <p:cNvSpPr>
+            <a:spLocks noGrp="1"/>
+          </p:cNvSpPr>
+          <p:nvPr>
+            <p:ph type="title"/>
+          </p:nvPr>
+        </p:nvSpPr>
+        <p:spPr>
+          <a:xfrm>
+            <a:off x="839788" y="457200"/>
+            <a:ext cx="3932237" cy="1600200"/>
+          </a:xfrm>
+        </p:spPr>
+        <p:txBody>
+          <a:bodyPr anchor="b"/>
+          <a:lstStyle>
+            <a:lvl1pPr>
+              <a:defRPr sz="3200"/>
+            </a:lvl1pPr>
+          </a:lstStyle>
+          <a:p>
+            <a:r>
+              <a:rPr lang="en-US"/>
+              <a:t>Click to edit Master title style</a:t>
+            </a:r>
+            <a:endParaRPr lang="en-ZA"/>
+          </a:p>
+        </p:txBody>
+      </p:sp>
+      <p:sp>
+        <p:nvSpPr>
+          <p:cNvPr id="3" name="Content Placeholder 2">
+            <a:extLst>
+              <a:ext uri="{FF2B5EF4-FFF2-40B4-BE49-F238E27FC236}">
+                <a16:creationId xmlns:a16="http://schemas.microsoft.com/office/drawing/2014/main" id="{57A696F2-A119-460B-BCB8-CA92AE113912}"/>
+              </a:ext>
+            </a:extLst>
+          </p:cNvPr>
+          <p:cNvSpPr>
+            <a:spLocks noGrp="1"/>
+          </p:cNvSpPr>
+          <p:nvPr>
+            <p:ph idx="1"/>
+          </p:nvPr>
+        </p:nvSpPr>
+        <p:spPr>
+          <a:xfrm>
+            <a:off x="5183188" y="987425"/>
+            <a:ext cx="6172200" cy="4873625"/>
+          </a:xfrm>
+        </p:spPr>
+        <p:txBody>
+          <a:bodyPr/>
+          <a:lstStyle>
+            <a:lvl1pPr>
+              <a:defRPr sz="3200"/>
+            </a:lvl1pPr>
+            <a:lvl2pPr>
+              <a:defRPr sz="2800"/>
+            </a:lvl2pPr>
+            <a:lvl3pPr>
+              <a:defRPr sz="2400"/>
+            </a:lvl3pPr>
+            <a:lvl4pPr>
+              <a:defRPr sz="2000"/>
+            </a:lvl4pPr>
+            <a:lvl5pPr>
+              <a:defRPr sz="2000"/>
+            </a:lvl5pPr>
+            <a:lvl6pPr>
+              <a:defRPr sz="2000"/>
+            </a:lvl6pPr>
+            <a:lvl7pPr>
+              <a:defRPr sz="2000"/>
+            </a:lvl7pPr>
+            <a:lvl8pPr>
+              <a:defRPr sz="2000"/>
+            </a:lvl8pPr>
+            <a:lvl9pPr>
+              <a:defRPr sz="2000"/>
+            </a:lvl9pPr>
+          </a:lstStyle>
+          <a:p>
+            <a:pPr lvl="0"/>
+            <a:r>
+              <a:rPr lang="en-US"/>
+              <a:t>Edit Master text styles</a:t>
+            </a:r>
+          </a:p>
+          <a:p>
+            <a:pPr lvl="1"/>
+            <a:r>
+              <a:rPr lang="en-US"/>
+              <a:t>Second level</a:t>
+            </a:r>
+          </a:p>
+          <a:p>
+            <a:pPr lvl="2"/>
+            <a:r>
+              <a:rPr lang="en-US"/>
+              <a:t>Third level</a:t>
+            </a:r>
+          </a:p>
+          <a:p>
+            <a:pPr lvl="3"/>
+            <a:r>
+              <a:rPr lang="en-US"/>
+              <a:t>Fourth level</a:t>
+            </a:r>
+          </a:p>
+          <a:p>
+            <a:pPr lvl="4"/>
+            <a:r>
+              <a:rPr lang="en-US"/>
+              <a:t>Fifth level</a:t>
+            </a:r>
+            <a:endParaRPr lang="en-ZA"/>
+          </a:p>
+        </p:txBody>
+      </p:sp>
+      <p:sp>
+        <p:nvSpPr>
+          <p:cNvPr id="4" name="Text Placeholder 3">
+            <a:extLst>
+              <a:ext uri="{FF2B5EF4-FFF2-40B4-BE49-F238E27FC236}">
+                <a16:creationId xmlns:a16="http://schemas.microsoft.com/office/drawing/2014/main" id="{B1E0CA91-3E51-432D-B2D7-26AC7E51C4CF}"/>
+              </a:ext>
+            </a:extLst>
+          </p:cNvPr>
+          <p:cNvSpPr>
+            <a:spLocks noGrp="1"/>
+          </p:cNvSpPr>
+          <p:nvPr>
+            <p:ph type="body" sz="half" idx="2"/>
+          </p:nvPr>
+        </p:nvSpPr>
+        <p:spPr>
+          <a:xfrm>
+            <a:off x="839788" y="2057400"/>
+            <a:ext cx="3932237" cy="3811588"/>
+          </a:xfrm>
+        </p:spPr>
+        <p:txBody>
+          <a:bodyPr/>
+          <a:lstStyle>
+            <a:lvl1pPr marL="0" indent="0">
+              <a:buNone/>
+              <a:defRPr sz="1600"/>
+            </a:lvl1pPr>
+            <a:lvl2pPr marL="457200" indent="0">
+              <a:buNone/>
+              <a:defRPr sz="1400"/>
+            </a:lvl2pPr>
+            <a:lvl3pPr marL="914400" indent="0">
+              <a:buNone/>
+              <a:defRPr sz="1200"/>
+            </a:lvl3pPr>
+            <a:lvl4pPr marL="1371600" indent="0">
+              <a:buNone/>
+              <a:defRPr sz="1000"/>
+            </a:lvl4pPr>
+            <a:lvl5pPr marL="1828800" indent="0">
+              <a:buNone/>
+              <a:defRPr sz="1000"/>
+            </a:lvl5pPr>
+            <a:lvl6pPr marL="2286000" indent="0">
+              <a:buNone/>
+              <a:defRPr sz="1000"/>
+            </a:lvl6pPr>
+            <a:lvl7pPr marL="2743200" indent="0">
+              <a:buNone/>
+              <a:defRPr sz="1000"/>
+            </a:lvl7pPr>
+            <a:lvl8pPr marL="3200400" indent="0">
+              <a:buNone/>
+              <a:defRPr sz="1000"/>
+            </a:lvl8pPr>
+            <a:lvl9pPr marL="3657600" indent="0">
+              <a:buNone/>
+              <a:defRPr sz="1000"/>
+            </a:lvl9pPr>
+          </a:lstStyle>
+          <a:p>
+            <a:pPr lvl="0"/>
+            <a:r>
+              <a:rPr lang="en-US"/>
+              <a:t>Edit Master text styles</a:t>
+            </a:r>
+          </a:p>
+        </p:txBody>
+      </p:sp>
+      <p:sp>
+        <p:nvSpPr>
+          <p:cNvPr id="5" name="Date Placeholder 4">
+            <a:extLst>
+              <a:ext uri="{FF2B5EF4-FFF2-40B4-BE49-F238E27FC236}">
+                <a16:creationId xmlns:a16="http://schemas.microsoft.com/office/drawing/2014/main" id="{3BC93FD2-6C6B-4DDC-860C-160434DC6379}"/>
+              </a:ext>
+            </a:extLst>
+          </p:cNvPr>
+          <p:cNvSpPr>
+            <a:spLocks noGrp="1"/>
+          </p:cNvSpPr>
+          <p:nvPr>
+            <p:ph type="dt" sz="half" idx="10"/>
+          </p:nvPr>
+        </p:nvSpPr>
+        <p:spPr/>
+        <p:txBody>
+          <a:bodyPr/>
+          <a:lstStyle/>
+          <a:p>
+            <a:fld id="{8664C608-40B1-4030-A28D-5B74BC98ADCE}" type="datetimeFigureOut">
+              <a:rPr lang="en-US" smtClean="0"/>
+              <a:t>8/28/2025</a:t>
+            </a:fld>
+            <a:endParaRPr lang="en-US" dirty="0"/>
+          </a:p>
+        </p:txBody>
+      </p:sp>
+      <p:sp>
+        <p:nvSpPr>
+          <p:cNvPr id="6" name="Footer Placeholder 5">
+            <a:extLst>
+              <a:ext uri="{FF2B5EF4-FFF2-40B4-BE49-F238E27FC236}">
+                <a16:creationId xmlns:a16="http://schemas.microsoft.com/office/drawing/2014/main" id="{947F0B5F-2750-4C9C-B651-24222AEEBC17}"/>
+              </a:ext>
+            </a:extLst>
+          </p:cNvPr>
+          <p:cNvSpPr>
+            <a:spLocks noGrp="1"/>
+          </p:cNvSpPr>
+          <p:nvPr>
+            <p:ph type="ftr" sz="quarter" idx="11"/>
+          </p:nvPr>
+        </p:nvSpPr>
+        <p:spPr/>
+        <p:txBody>
+          <a:bodyPr/>
+          <a:lstStyle/>
+          <a:p>
+            <a:endParaRPr lang="en-US" dirty="0"/>
+          </a:p>
+        </p:txBody>
+      </p:sp>
+      <p:sp>
+        <p:nvSpPr>
+          <p:cNvPr id="7" name="Slide Number Placeholder 6">
+            <a:extLst>
+              <a:ext uri="{FF2B5EF4-FFF2-40B4-BE49-F238E27FC236}">
+                <a16:creationId xmlns:a16="http://schemas.microsoft.com/office/drawing/2014/main" id="{58C8F0F1-39BF-48D9-BAA5-3AFC64E18906}"/>
+              </a:ext>
+            </a:extLst>
+          </p:cNvPr>
+          <p:cNvSpPr>
+            <a:spLocks noGrp="1"/>
+          </p:cNvSpPr>
+          <p:nvPr>
+            <p:ph type="sldNum" sz="quarter" idx="12"/>
+          </p:nvPr>
+        </p:nvSpPr>
+        <p:spPr/>
+        <p:txBody>
+          <a:bodyPr/>
+          <a:lstStyle/>
+          <a:p>
+            <a:fld id="{4FAB73BC-B049-4115-A692-8D63A059BFB8}" type="slidenum">
+              <a:rPr lang="en-US" smtClean="0"/>
+              <a:pPr/>
+              <a:t>‹#›</a:t>
+            </a:fld>
+            <a:endParaRPr lang="en-US" dirty="0"/>
+          </a:p>
+        </p:txBody>
+      </p:sp>
+    </p:spTree>
+    <p:extLst>
+      <p:ext uri="{BB962C8B-B14F-4D97-AF65-F5344CB8AC3E}">
+        <p14:creationId xmlns:p14="http://schemas.microsoft.com/office/powerpoint/2010/main" val="2590013304"/>
+      </p:ext>
+    </p:extLst>
+  </p:cSld>
+  <p:clrMapOvr>
+    <a:masterClrMapping/>
+  </p:clrMapOvr>
+  <p:hf hdr="0" ftr="0" dt="0"/>
+</p:sldLayout>
+</file>
+
+<file path=ppt/slideLayouts/slideLayout26.xml><?xml version="1.0" encoding="utf-8"?>
+<p:sldLayout xmlns:a="http://schemas.openxmlformats.org/drawingml/2006/main" xmlns:r="http://schemas.openxmlformats.org/officeDocument/2006/relationships" xmlns:p="http://schemas.openxmlformats.org/presentationml/2006/main" type="picTx" preserve="1">
+  <p:cSld name="Picture with Caption">
+    <p:spTree>
+      <p:nvGrpSpPr>
+        <p:cNvPr id="1" name=""/>
+        <p:cNvGrpSpPr/>
+        <p:nvPr/>
+      </p:nvGrpSpPr>
+      <p:grpSpPr>
+        <a:xfrm>
+          <a:off x="0" y="0"/>
+          <a:ext cx="0" cy="0"/>
+          <a:chOff x="0" y="0"/>
+          <a:chExt cx="0" cy="0"/>
+        </a:xfrm>
+      </p:grpSpPr>
+      <p:sp>
+        <p:nvSpPr>
+          <p:cNvPr id="2" name="Title 1">
+            <a:extLst>
+              <a:ext uri="{FF2B5EF4-FFF2-40B4-BE49-F238E27FC236}">
+                <a16:creationId xmlns:a16="http://schemas.microsoft.com/office/drawing/2014/main" id="{64FB48B4-6D60-483D-8592-E604799F5E85}"/>
+              </a:ext>
+            </a:extLst>
+          </p:cNvPr>
+          <p:cNvSpPr>
+            <a:spLocks noGrp="1"/>
+          </p:cNvSpPr>
+          <p:nvPr>
+            <p:ph type="title"/>
+          </p:nvPr>
+        </p:nvSpPr>
+        <p:spPr>
+          <a:xfrm>
+            <a:off x="839788" y="457200"/>
+            <a:ext cx="3932237" cy="1600200"/>
+          </a:xfrm>
+        </p:spPr>
+        <p:txBody>
+          <a:bodyPr anchor="b"/>
+          <a:lstStyle>
+            <a:lvl1pPr>
+              <a:defRPr sz="3200"/>
+            </a:lvl1pPr>
+          </a:lstStyle>
+          <a:p>
+            <a:r>
+              <a:rPr lang="en-US"/>
+              <a:t>Click to edit Master title style</a:t>
+            </a:r>
+            <a:endParaRPr lang="en-ZA"/>
+          </a:p>
+        </p:txBody>
+      </p:sp>
+      <p:sp>
+        <p:nvSpPr>
+          <p:cNvPr id="3" name="Picture Placeholder 2">
+            <a:extLst>
+              <a:ext uri="{FF2B5EF4-FFF2-40B4-BE49-F238E27FC236}">
+                <a16:creationId xmlns:a16="http://schemas.microsoft.com/office/drawing/2014/main" id="{0C830196-DA50-45CF-B61A-D77CEA41DE8E}"/>
+              </a:ext>
+            </a:extLst>
+          </p:cNvPr>
+          <p:cNvSpPr>
+            <a:spLocks noGrp="1"/>
+          </p:cNvSpPr>
+          <p:nvPr>
+            <p:ph type="pic" idx="1"/>
+          </p:nvPr>
+        </p:nvSpPr>
+        <p:spPr>
+          <a:xfrm>
+            <a:off x="5183188" y="987425"/>
+            <a:ext cx="6172200" cy="4873625"/>
+          </a:xfrm>
+        </p:spPr>
+        <p:txBody>
+          <a:bodyPr/>
+          <a:lstStyle>
+            <a:lvl1pPr marL="0" indent="0">
+              <a:buNone/>
+              <a:defRPr sz="3200"/>
+            </a:lvl1pPr>
+            <a:lvl2pPr marL="457200" indent="0">
+              <a:buNone/>
+              <a:defRPr sz="2800"/>
+            </a:lvl2pPr>
+            <a:lvl3pPr marL="914400" indent="0">
+              <a:buNone/>
+              <a:defRPr sz="2400"/>
+            </a:lvl3pPr>
+            <a:lvl4pPr marL="1371600" indent="0">
+              <a:buNone/>
+              <a:defRPr sz="2000"/>
+            </a:lvl4pPr>
+            <a:lvl5pPr marL="1828800" indent="0">
+              <a:buNone/>
+              <a:defRPr sz="2000"/>
+            </a:lvl5pPr>
+            <a:lvl6pPr marL="2286000" indent="0">
+              <a:buNone/>
+              <a:defRPr sz="2000"/>
+            </a:lvl6pPr>
+            <a:lvl7pPr marL="2743200" indent="0">
+              <a:buNone/>
+              <a:defRPr sz="2000"/>
+            </a:lvl7pPr>
+            <a:lvl8pPr marL="3200400" indent="0">
+              <a:buNone/>
+              <a:defRPr sz="2000"/>
+            </a:lvl8pPr>
+            <a:lvl9pPr marL="3657600" indent="0">
+              <a:buNone/>
+              <a:defRPr sz="2000"/>
+            </a:lvl9pPr>
+          </a:lstStyle>
+          <a:p>
+            <a:endParaRPr lang="en-ZA"/>
+          </a:p>
+        </p:txBody>
+      </p:sp>
+      <p:sp>
+        <p:nvSpPr>
+          <p:cNvPr id="4" name="Text Placeholder 3">
+            <a:extLst>
+              <a:ext uri="{FF2B5EF4-FFF2-40B4-BE49-F238E27FC236}">
+                <a16:creationId xmlns:a16="http://schemas.microsoft.com/office/drawing/2014/main" id="{9F257EF8-A780-45FE-AF90-B36029BF1178}"/>
+              </a:ext>
+            </a:extLst>
+          </p:cNvPr>
+          <p:cNvSpPr>
+            <a:spLocks noGrp="1"/>
+          </p:cNvSpPr>
+          <p:nvPr>
+            <p:ph type="body" sz="half" idx="2"/>
+          </p:nvPr>
+        </p:nvSpPr>
+        <p:spPr>
+          <a:xfrm>
+            <a:off x="839788" y="2057400"/>
+            <a:ext cx="3932237" cy="3811588"/>
+          </a:xfrm>
+        </p:spPr>
+        <p:txBody>
+          <a:bodyPr/>
+          <a:lstStyle>
+            <a:lvl1pPr marL="0" indent="0">
+              <a:buNone/>
+              <a:defRPr sz="1600"/>
+            </a:lvl1pPr>
+            <a:lvl2pPr marL="457200" indent="0">
+              <a:buNone/>
+              <a:defRPr sz="1400"/>
+            </a:lvl2pPr>
+            <a:lvl3pPr marL="914400" indent="0">
+              <a:buNone/>
+              <a:defRPr sz="1200"/>
+            </a:lvl3pPr>
+            <a:lvl4pPr marL="1371600" indent="0">
+              <a:buNone/>
+              <a:defRPr sz="1000"/>
+            </a:lvl4pPr>
+            <a:lvl5pPr marL="1828800" indent="0">
+              <a:buNone/>
+              <a:defRPr sz="1000"/>
+            </a:lvl5pPr>
+            <a:lvl6pPr marL="2286000" indent="0">
+              <a:buNone/>
+              <a:defRPr sz="1000"/>
+            </a:lvl6pPr>
+            <a:lvl7pPr marL="2743200" indent="0">
+              <a:buNone/>
+              <a:defRPr sz="1000"/>
+            </a:lvl7pPr>
+            <a:lvl8pPr marL="3200400" indent="0">
+              <a:buNone/>
+              <a:defRPr sz="1000"/>
+            </a:lvl8pPr>
+            <a:lvl9pPr marL="3657600" indent="0">
+              <a:buNone/>
+              <a:defRPr sz="1000"/>
+            </a:lvl9pPr>
+          </a:lstStyle>
+          <a:p>
+            <a:pPr lvl="0"/>
+            <a:r>
+              <a:rPr lang="en-US"/>
+              <a:t>Edit Master text styles</a:t>
+            </a:r>
+          </a:p>
+        </p:txBody>
+      </p:sp>
+      <p:sp>
+        <p:nvSpPr>
+          <p:cNvPr id="5" name="Date Placeholder 4">
+            <a:extLst>
+              <a:ext uri="{FF2B5EF4-FFF2-40B4-BE49-F238E27FC236}">
+                <a16:creationId xmlns:a16="http://schemas.microsoft.com/office/drawing/2014/main" id="{D7EBE517-4982-4427-8860-53EEFFC62E3B}"/>
+              </a:ext>
+            </a:extLst>
+          </p:cNvPr>
+          <p:cNvSpPr>
+            <a:spLocks noGrp="1"/>
+          </p:cNvSpPr>
+          <p:nvPr>
+            <p:ph type="dt" sz="half" idx="10"/>
+          </p:nvPr>
+        </p:nvSpPr>
+        <p:spPr/>
+        <p:txBody>
+          <a:bodyPr/>
+          <a:lstStyle/>
+          <a:p>
+            <a:fld id="{3772C379-9A7C-4C87-A116-CBE9F58B04C5}" type="datetimeFigureOut">
+              <a:rPr lang="en-US" smtClean="0"/>
+              <a:t>8/28/2025</a:t>
+            </a:fld>
+            <a:endParaRPr lang="en-US" dirty="0"/>
+          </a:p>
+        </p:txBody>
+      </p:sp>
+      <p:sp>
+        <p:nvSpPr>
+          <p:cNvPr id="6" name="Footer Placeholder 5">
+            <a:extLst>
+              <a:ext uri="{FF2B5EF4-FFF2-40B4-BE49-F238E27FC236}">
+                <a16:creationId xmlns:a16="http://schemas.microsoft.com/office/drawing/2014/main" id="{5E1908D6-4B8C-449D-BB29-719DCB1C2152}"/>
+              </a:ext>
+            </a:extLst>
+          </p:cNvPr>
+          <p:cNvSpPr>
+            <a:spLocks noGrp="1"/>
+          </p:cNvSpPr>
+          <p:nvPr>
+            <p:ph type="ftr" sz="quarter" idx="11"/>
+          </p:nvPr>
+        </p:nvSpPr>
+        <p:spPr/>
+        <p:txBody>
+          <a:bodyPr/>
+          <a:lstStyle/>
+          <a:p>
+            <a:endParaRPr lang="en-US" dirty="0"/>
+          </a:p>
+        </p:txBody>
+      </p:sp>
+      <p:sp>
+        <p:nvSpPr>
+          <p:cNvPr id="7" name="Slide Number Placeholder 6">
+            <a:extLst>
+              <a:ext uri="{FF2B5EF4-FFF2-40B4-BE49-F238E27FC236}">
+                <a16:creationId xmlns:a16="http://schemas.microsoft.com/office/drawing/2014/main" id="{2381AA73-DAB9-4D7E-B518-F7C34791CEB2}"/>
+              </a:ext>
+            </a:extLst>
+          </p:cNvPr>
+          <p:cNvSpPr>
+            <a:spLocks noGrp="1"/>
+          </p:cNvSpPr>
+          <p:nvPr>
+            <p:ph type="sldNum" sz="quarter" idx="12"/>
+          </p:nvPr>
+        </p:nvSpPr>
+        <p:spPr/>
+        <p:txBody>
+          <a:bodyPr/>
+          <a:lstStyle/>
+          <a:p>
+            <a:fld id="{4FAB73BC-B049-4115-A692-8D63A059BFB8}" type="slidenum">
+              <a:rPr lang="en-US" smtClean="0"/>
+              <a:t>‹#›</a:t>
+            </a:fld>
+            <a:endParaRPr lang="en-US" dirty="0"/>
+          </a:p>
+        </p:txBody>
+      </p:sp>
+    </p:spTree>
+    <p:extLst>
+      <p:ext uri="{BB962C8B-B14F-4D97-AF65-F5344CB8AC3E}">
+        <p14:creationId xmlns:p14="http://schemas.microsoft.com/office/powerpoint/2010/main" val="3412942703"/>
+      </p:ext>
+    </p:extLst>
+  </p:cSld>
+  <p:clrMapOvr>
+    <a:masterClrMapping/>
+  </p:clrMapOvr>
+  <p:hf hdr="0" ftr="0" dt="0"/>
+</p:sldLayout>
+</file>
+
+<file path=ppt/slideLayouts/slideLayout27.xml><?xml version="1.0" encoding="utf-8"?>
+<p:sldLayout xmlns:a="http://schemas.openxmlformats.org/drawingml/2006/main" xmlns:r="http://schemas.openxmlformats.org/officeDocument/2006/relationships" xmlns:p="http://schemas.openxmlformats.org/presentationml/2006/main" type="vertTx" preserve="1">
+  <p:cSld name="Title and Vertical Text">
+    <p:spTree>
+      <p:nvGrpSpPr>
+        <p:cNvPr id="1" name=""/>
+        <p:cNvGrpSpPr/>
+        <p:nvPr/>
+      </p:nvGrpSpPr>
+      <p:grpSpPr>
+        <a:xfrm>
+          <a:off x="0" y="0"/>
+          <a:ext cx="0" cy="0"/>
+          <a:chOff x="0" y="0"/>
+          <a:chExt cx="0" cy="0"/>
+        </a:xfrm>
+      </p:grpSpPr>
+      <p:sp>
+        <p:nvSpPr>
+          <p:cNvPr id="2" name="Title 1">
+            <a:extLst>
+              <a:ext uri="{FF2B5EF4-FFF2-40B4-BE49-F238E27FC236}">
+                <a16:creationId xmlns:a16="http://schemas.microsoft.com/office/drawing/2014/main" id="{252F4EFD-99E9-4270-81CA-542E8C2C79A0}"/>
+              </a:ext>
+            </a:extLst>
+          </p:cNvPr>
+          <p:cNvSpPr>
+            <a:spLocks noGrp="1"/>
+          </p:cNvSpPr>
+          <p:nvPr>
+            <p:ph type="title"/>
+          </p:nvPr>
+        </p:nvSpPr>
+        <p:spPr/>
+        <p:txBody>
+          <a:bodyPr/>
+          <a:lstStyle/>
+          <a:p>
+            <a:r>
+              <a:rPr lang="en-US"/>
+              <a:t>Click to edit Master title style</a:t>
+            </a:r>
+            <a:endParaRPr lang="en-ZA"/>
+          </a:p>
+        </p:txBody>
+      </p:sp>
+      <p:sp>
+        <p:nvSpPr>
+          <p:cNvPr id="3" name="Vertical Text Placeholder 2">
+            <a:extLst>
+              <a:ext uri="{FF2B5EF4-FFF2-40B4-BE49-F238E27FC236}">
+                <a16:creationId xmlns:a16="http://schemas.microsoft.com/office/drawing/2014/main" id="{04B139DE-3F1B-4191-A1ED-156D828780F4}"/>
+              </a:ext>
+            </a:extLst>
+          </p:cNvPr>
+          <p:cNvSpPr>
+            <a:spLocks noGrp="1"/>
+          </p:cNvSpPr>
+          <p:nvPr>
+            <p:ph type="body" orient="vert" idx="1"/>
+          </p:nvPr>
+        </p:nvSpPr>
+        <p:spPr/>
+        <p:txBody>
+          <a:bodyPr vert="eaVert"/>
+          <a:lstStyle/>
+          <a:p>
+            <a:pPr lvl="0"/>
+            <a:r>
+              <a:rPr lang="en-US"/>
+              <a:t>Edit Master text styles</a:t>
+            </a:r>
+          </a:p>
+          <a:p>
+            <a:pPr lvl="1"/>
+            <a:r>
+              <a:rPr lang="en-US"/>
+              <a:t>Second level</a:t>
+            </a:r>
+          </a:p>
+          <a:p>
+            <a:pPr lvl="2"/>
+            <a:r>
+              <a:rPr lang="en-US"/>
+              <a:t>Third level</a:t>
+            </a:r>
+          </a:p>
+          <a:p>
+            <a:pPr lvl="3"/>
+            <a:r>
+              <a:rPr lang="en-US"/>
+              <a:t>Fourth level</a:t>
+            </a:r>
+          </a:p>
+          <a:p>
+            <a:pPr lvl="4"/>
+            <a:r>
+              <a:rPr lang="en-US"/>
+              <a:t>Fifth level</a:t>
+            </a:r>
+            <a:endParaRPr lang="en-ZA"/>
+          </a:p>
+        </p:txBody>
+      </p:sp>
+      <p:sp>
+        <p:nvSpPr>
+          <p:cNvPr id="4" name="Date Placeholder 3">
+            <a:extLst>
+              <a:ext uri="{FF2B5EF4-FFF2-40B4-BE49-F238E27FC236}">
+                <a16:creationId xmlns:a16="http://schemas.microsoft.com/office/drawing/2014/main" id="{D6485844-02BB-4EC5-94D1-E9E01E1703AC}"/>
+              </a:ext>
+            </a:extLst>
+          </p:cNvPr>
+          <p:cNvSpPr>
+            <a:spLocks noGrp="1"/>
+          </p:cNvSpPr>
+          <p:nvPr>
+            <p:ph type="dt" sz="half" idx="10"/>
+          </p:nvPr>
+        </p:nvSpPr>
+        <p:spPr/>
+        <p:txBody>
+          <a:bodyPr/>
+          <a:lstStyle/>
+          <a:p>
+            <a:fld id="{8664C608-40B1-4030-A28D-5B74BC98ADCE}" type="datetimeFigureOut">
+              <a:rPr lang="en-US" smtClean="0"/>
+              <a:t>8/28/2025</a:t>
+            </a:fld>
+            <a:endParaRPr lang="en-US" dirty="0"/>
+          </a:p>
+        </p:txBody>
+      </p:sp>
+      <p:sp>
+        <p:nvSpPr>
+          <p:cNvPr id="5" name="Footer Placeholder 4">
+            <a:extLst>
+              <a:ext uri="{FF2B5EF4-FFF2-40B4-BE49-F238E27FC236}">
+                <a16:creationId xmlns:a16="http://schemas.microsoft.com/office/drawing/2014/main" id="{59586E0C-CCA8-4B1A-84E1-3BE8E83E9856}"/>
+              </a:ext>
+            </a:extLst>
+          </p:cNvPr>
+          <p:cNvSpPr>
+            <a:spLocks noGrp="1"/>
+          </p:cNvSpPr>
+          <p:nvPr>
+            <p:ph type="ftr" sz="quarter" idx="11"/>
+          </p:nvPr>
+        </p:nvSpPr>
+        <p:spPr/>
+        <p:txBody>
+          <a:bodyPr/>
+          <a:lstStyle/>
+          <a:p>
+            <a:endParaRPr lang="en-US" dirty="0"/>
+          </a:p>
+        </p:txBody>
+      </p:sp>
+      <p:sp>
+        <p:nvSpPr>
+          <p:cNvPr id="6" name="Slide Number Placeholder 5">
+            <a:extLst>
+              <a:ext uri="{FF2B5EF4-FFF2-40B4-BE49-F238E27FC236}">
+                <a16:creationId xmlns:a16="http://schemas.microsoft.com/office/drawing/2014/main" id="{DF0901AB-FC59-4CB6-864C-95C206F1351A}"/>
+              </a:ext>
+            </a:extLst>
+          </p:cNvPr>
+          <p:cNvSpPr>
+            <a:spLocks noGrp="1"/>
+          </p:cNvSpPr>
+          <p:nvPr>
+            <p:ph type="sldNum" sz="quarter" idx="12"/>
+          </p:nvPr>
+        </p:nvSpPr>
+        <p:spPr/>
+        <p:txBody>
+          <a:bodyPr/>
+          <a:lstStyle/>
+          <a:p>
+            <a:fld id="{4FAB73BC-B049-4115-A692-8D63A059BFB8}" type="slidenum">
+              <a:rPr lang="en-US" smtClean="0"/>
+              <a:pPr/>
+              <a:t>‹#›</a:t>
+            </a:fld>
+            <a:endParaRPr lang="en-US" dirty="0"/>
+          </a:p>
+        </p:txBody>
+      </p:sp>
+    </p:spTree>
+    <p:extLst>
+      <p:ext uri="{BB962C8B-B14F-4D97-AF65-F5344CB8AC3E}">
+        <p14:creationId xmlns:p14="http://schemas.microsoft.com/office/powerpoint/2010/main" val="992333745"/>
+      </p:ext>
+    </p:extLst>
+  </p:cSld>
+  <p:clrMapOvr>
+    <a:masterClrMapping/>
+  </p:clrMapOvr>
+  <p:hf hdr="0" ftr="0" dt="0"/>
+</p:sldLayout>
+</file>
+
+<file path=ppt/slideLayouts/slideLayout28.xml><?xml version="1.0" encoding="utf-8"?>
+<p:sldLayout xmlns:a="http://schemas.openxmlformats.org/drawingml/2006/main" xmlns:r="http://schemas.openxmlformats.org/officeDocument/2006/relationships" xmlns:p="http://schemas.openxmlformats.org/presentationml/2006/main" type="vertTitleAndTx" preserve="1">
+  <p:cSld name="Vertical Title and Text">
+    <p:spTree>
+      <p:nvGrpSpPr>
+        <p:cNvPr id="1" name=""/>
+        <p:cNvGrpSpPr/>
+        <p:nvPr/>
+      </p:nvGrpSpPr>
+      <p:grpSpPr>
+        <a:xfrm>
+          <a:off x="0" y="0"/>
+          <a:ext cx="0" cy="0"/>
+          <a:chOff x="0" y="0"/>
+          <a:chExt cx="0" cy="0"/>
+        </a:xfrm>
+      </p:grpSpPr>
+      <p:sp>
+        <p:nvSpPr>
+          <p:cNvPr id="2" name="Vertical Title 1">
+            <a:extLst>
+              <a:ext uri="{FF2B5EF4-FFF2-40B4-BE49-F238E27FC236}">
+                <a16:creationId xmlns:a16="http://schemas.microsoft.com/office/drawing/2014/main" id="{738AA887-087E-4640-9FFE-25672515D4E6}"/>
+              </a:ext>
+            </a:extLst>
+          </p:cNvPr>
+          <p:cNvSpPr>
+            <a:spLocks noGrp="1"/>
+          </p:cNvSpPr>
+          <p:nvPr>
+            <p:ph type="title" orient="vert"/>
+          </p:nvPr>
+        </p:nvSpPr>
+        <p:spPr>
+          <a:xfrm>
+            <a:off x="8724900" y="365125"/>
+            <a:ext cx="2628900" cy="5811838"/>
+          </a:xfrm>
+        </p:spPr>
+        <p:txBody>
+          <a:bodyPr vert="eaVert"/>
+          <a:lstStyle/>
+          <a:p>
+            <a:r>
+              <a:rPr lang="en-US"/>
+              <a:t>Click to edit Master title style</a:t>
+            </a:r>
+            <a:endParaRPr lang="en-ZA"/>
+          </a:p>
+        </p:txBody>
+      </p:sp>
+      <p:sp>
+        <p:nvSpPr>
+          <p:cNvPr id="3" name="Vertical Text Placeholder 2">
+            <a:extLst>
+              <a:ext uri="{FF2B5EF4-FFF2-40B4-BE49-F238E27FC236}">
+                <a16:creationId xmlns:a16="http://schemas.microsoft.com/office/drawing/2014/main" id="{2067206B-432A-45E2-881F-BACC624C231F}"/>
+              </a:ext>
+            </a:extLst>
+          </p:cNvPr>
+          <p:cNvSpPr>
+            <a:spLocks noGrp="1"/>
+          </p:cNvSpPr>
+          <p:nvPr>
+            <p:ph type="body" orient="vert" idx="1"/>
+          </p:nvPr>
+        </p:nvSpPr>
+        <p:spPr>
+          <a:xfrm>
+            <a:off x="838200" y="365125"/>
+            <a:ext cx="7734300" cy="5811838"/>
+          </a:xfrm>
+        </p:spPr>
+        <p:txBody>
+          <a:bodyPr vert="eaVert"/>
+          <a:lstStyle/>
+          <a:p>
+            <a:pPr lvl="0"/>
+            <a:r>
+              <a:rPr lang="en-US"/>
+              <a:t>Edit Master text styles</a:t>
+            </a:r>
+          </a:p>
+          <a:p>
+            <a:pPr lvl="1"/>
+            <a:r>
+              <a:rPr lang="en-US"/>
+              <a:t>Second level</a:t>
+            </a:r>
+          </a:p>
+          <a:p>
+            <a:pPr lvl="2"/>
+            <a:r>
+              <a:rPr lang="en-US"/>
+              <a:t>Third level</a:t>
+            </a:r>
+          </a:p>
+          <a:p>
+            <a:pPr lvl="3"/>
+            <a:r>
+              <a:rPr lang="en-US"/>
+              <a:t>Fourth level</a:t>
+            </a:r>
+          </a:p>
+          <a:p>
+            <a:pPr lvl="4"/>
+            <a:r>
+              <a:rPr lang="en-US"/>
+              <a:t>Fifth level</a:t>
+            </a:r>
+            <a:endParaRPr lang="en-ZA"/>
+          </a:p>
+        </p:txBody>
+      </p:sp>
+      <p:sp>
+        <p:nvSpPr>
+          <p:cNvPr id="4" name="Date Placeholder 3">
+            <a:extLst>
+              <a:ext uri="{FF2B5EF4-FFF2-40B4-BE49-F238E27FC236}">
+                <a16:creationId xmlns:a16="http://schemas.microsoft.com/office/drawing/2014/main" id="{3AA90924-9BA1-454F-A395-32D7EFD6A7A5}"/>
+              </a:ext>
+            </a:extLst>
+          </p:cNvPr>
+          <p:cNvSpPr>
+            <a:spLocks noGrp="1"/>
+          </p:cNvSpPr>
+          <p:nvPr>
+            <p:ph type="dt" sz="half" idx="10"/>
+          </p:nvPr>
+        </p:nvSpPr>
+        <p:spPr/>
+        <p:txBody>
+          <a:bodyPr/>
+          <a:lstStyle/>
+          <a:p>
+            <a:fld id="{8664C608-40B1-4030-A28D-5B74BC98ADCE}" type="datetimeFigureOut">
+              <a:rPr lang="en-US" smtClean="0"/>
+              <a:t>8/28/2025</a:t>
+            </a:fld>
+            <a:endParaRPr lang="en-US" dirty="0"/>
+          </a:p>
+        </p:txBody>
+      </p:sp>
+      <p:sp>
+        <p:nvSpPr>
+          <p:cNvPr id="5" name="Footer Placeholder 4">
+            <a:extLst>
+              <a:ext uri="{FF2B5EF4-FFF2-40B4-BE49-F238E27FC236}">
+                <a16:creationId xmlns:a16="http://schemas.microsoft.com/office/drawing/2014/main" id="{EC793973-DB05-44D8-9B24-A465AB92BC0F}"/>
+              </a:ext>
+            </a:extLst>
+          </p:cNvPr>
+          <p:cNvSpPr>
+            <a:spLocks noGrp="1"/>
+          </p:cNvSpPr>
+          <p:nvPr>
+            <p:ph type="ftr" sz="quarter" idx="11"/>
+          </p:nvPr>
+        </p:nvSpPr>
+        <p:spPr/>
+        <p:txBody>
+          <a:bodyPr/>
+          <a:lstStyle/>
+          <a:p>
+            <a:endParaRPr lang="en-US" dirty="0"/>
+          </a:p>
+        </p:txBody>
+      </p:sp>
+      <p:sp>
+        <p:nvSpPr>
+          <p:cNvPr id="6" name="Slide Number Placeholder 5">
+            <a:extLst>
+              <a:ext uri="{FF2B5EF4-FFF2-40B4-BE49-F238E27FC236}">
+                <a16:creationId xmlns:a16="http://schemas.microsoft.com/office/drawing/2014/main" id="{6593FD0F-96E2-4710-856F-EFB9D8980645}"/>
+              </a:ext>
+            </a:extLst>
+          </p:cNvPr>
+          <p:cNvSpPr>
+            <a:spLocks noGrp="1"/>
+          </p:cNvSpPr>
+          <p:nvPr>
+            <p:ph type="sldNum" sz="quarter" idx="12"/>
+          </p:nvPr>
+        </p:nvSpPr>
+        <p:spPr/>
+        <p:txBody>
+          <a:bodyPr/>
+          <a:lstStyle/>
+          <a:p>
+            <a:fld id="{4FAB73BC-B049-4115-A692-8D63A059BFB8}" type="slidenum">
+              <a:rPr lang="en-US" smtClean="0"/>
+              <a:pPr/>
+              <a:t>‹#›</a:t>
+            </a:fld>
+            <a:endParaRPr lang="en-US" dirty="0"/>
+          </a:p>
+        </p:txBody>
+      </p:sp>
+    </p:spTree>
+    <p:extLst>
+      <p:ext uri="{BB962C8B-B14F-4D97-AF65-F5344CB8AC3E}">
+        <p14:creationId xmlns:p14="http://schemas.microsoft.com/office/powerpoint/2010/main" val="2064811830"/>
+      </p:ext>
+    </p:extLst>
+  </p:cSld>
+  <p:clrMapOvr>
+    <a:masterClrMapping/>
+  </p:clrMapOvr>
+  <p:hf hdr="0" ftr="0" dt="0"/>
+</p:sldLayout>
+</file>
+
+<file path=ppt/slideLayouts/slideLayout29.xml><?xml version="1.0" encoding="utf-8"?>
+<p:sldLayout xmlns:a="http://schemas.openxmlformats.org/drawingml/2006/main" xmlns:r="http://schemas.openxmlformats.org/officeDocument/2006/relationships" xmlns:p="http://schemas.openxmlformats.org/presentationml/2006/main" matchingName="Background 1">
+  <p:cSld name="Background 1">
+    <p:spTree>
+      <p:nvGrpSpPr>
+        <p:cNvPr id="1" name="Shape 276"/>
+        <p:cNvGrpSpPr/>
+        <p:nvPr/>
+      </p:nvGrpSpPr>
+      <p:grpSpPr>
+        <a:xfrm>
+          <a:off x="0" y="0"/>
+          <a:ext cx="0" cy="0"/>
+          <a:chOff x="0" y="0"/>
+          <a:chExt cx="0" cy="0"/>
+        </a:xfrm>
+      </p:grpSpPr>
+    </p:spTree>
+    <p:extLst>
+      <p:ext uri="{BB962C8B-B14F-4D97-AF65-F5344CB8AC3E}">
+        <p14:creationId xmlns:p14="http://schemas.microsoft.com/office/powerpoint/2010/main" val="1613890138"/>
       </p:ext>
     </p:extLst>
   </p:cSld>
@@ -23078,7 +25788,7 @@
           <a:p>
             <a:fld id="{E80C50CD-E178-4744-9B35-B2F624D6C5E9}" type="datetimeFigureOut">
               <a:rPr lang="en-US" smtClean="0"/>
-              <a:t>8/27/2025</a:t>
+              <a:t>8/28/2025</a:t>
             </a:fld>
             <a:endParaRPr lang="en-US"/>
           </a:p>
@@ -23345,7 +26055,7 @@
             <a:fld id="{E80C50CD-E178-4744-9B35-B2F624D6C5E9}" type="datetimeFigureOut">
               <a:rPr lang="en-US" smtClean="0"/>
               <a:pPr/>
-              <a:t>8/27/2025</a:t>
+              <a:t>8/28/2025</a:t>
             </a:fld>
             <a:endParaRPr lang="en-US"/>
           </a:p>
@@ -23721,7 +26431,7 @@
             <a:fld id="{E80C50CD-E178-4744-9B35-B2F624D6C5E9}" type="datetimeFigureOut">
               <a:rPr lang="en-US" smtClean="0"/>
               <a:pPr/>
-              <a:t>8/27/2025</a:t>
+              <a:t>8/28/2025</a:t>
             </a:fld>
             <a:endParaRPr lang="en-US"/>
           </a:p>
@@ -23870,7 +26580,7 @@
           <a:p>
             <a:fld id="{E80C50CD-E178-4744-9B35-B2F624D6C5E9}" type="datetimeFigureOut">
               <a:rPr lang="en-US" smtClean="0"/>
-              <a:t>8/27/2025</a:t>
+              <a:t>8/28/2025</a:t>
             </a:fld>
             <a:endParaRPr lang="en-US"/>
           </a:p>
@@ -23995,7 +26705,7 @@
           <a:p>
             <a:fld id="{E80C50CD-E178-4744-9B35-B2F624D6C5E9}" type="datetimeFigureOut">
               <a:rPr lang="en-US" smtClean="0"/>
-              <a:t>8/27/2025</a:t>
+              <a:t>8/28/2025</a:t>
             </a:fld>
             <a:endParaRPr lang="en-US"/>
           </a:p>
@@ -24281,7 +26991,7 @@
             <a:fld id="{E80C50CD-E178-4744-9B35-B2F624D6C5E9}" type="datetimeFigureOut">
               <a:rPr lang="en-US" smtClean="0"/>
               <a:pPr/>
-              <a:t>8/27/2025</a:t>
+              <a:t>8/28/2025</a:t>
             </a:fld>
             <a:endParaRPr lang="en-US"/>
           </a:p>
@@ -24606,7 +27316,7 @@
           <a:p>
             <a:fld id="{E80C50CD-E178-4744-9B35-B2F624D6C5E9}" type="datetimeFigureOut">
               <a:rPr lang="en-US" smtClean="0"/>
-              <a:t>8/27/2025</a:t>
+              <a:t>8/28/2025</a:t>
             </a:fld>
             <a:endParaRPr lang="en-US"/>
           </a:p>
@@ -24821,7 +27531,7 @@
             <a:fld id="{E80C50CD-E178-4744-9B35-B2F624D6C5E9}" type="datetimeFigureOut">
               <a:rPr lang="en-US" smtClean="0"/>
               <a:pPr/>
-              <a:t>8/27/2025</a:t>
+              <a:t>8/28/2025</a:t>
             </a:fld>
             <a:endParaRPr lang="en-US"/>
           </a:p>
@@ -25318,6 +28028,579 @@
 </p:sldMaster>
 </file>
 
+<file path=ppt/slideMasters/slideMaster2.xml><?xml version="1.0" encoding="utf-8"?>
+<p:sldMaster xmlns:a="http://schemas.openxmlformats.org/drawingml/2006/main" xmlns:r="http://schemas.openxmlformats.org/officeDocument/2006/relationships" xmlns:p="http://schemas.openxmlformats.org/presentationml/2006/main">
+  <p:cSld>
+    <p:bg>
+      <p:bgRef idx="1001">
+        <a:schemeClr val="bg1"/>
+      </p:bgRef>
+    </p:bg>
+    <p:spTree>
+      <p:nvGrpSpPr>
+        <p:cNvPr id="1" name=""/>
+        <p:cNvGrpSpPr/>
+        <p:nvPr/>
+      </p:nvGrpSpPr>
+      <p:grpSpPr>
+        <a:xfrm>
+          <a:off x="0" y="0"/>
+          <a:ext cx="0" cy="0"/>
+          <a:chOff x="0" y="0"/>
+          <a:chExt cx="0" cy="0"/>
+        </a:xfrm>
+      </p:grpSpPr>
+      <p:sp>
+        <p:nvSpPr>
+          <p:cNvPr id="2" name="Title Placeholder 1">
+            <a:extLst>
+              <a:ext uri="{FF2B5EF4-FFF2-40B4-BE49-F238E27FC236}">
+                <a16:creationId xmlns:a16="http://schemas.microsoft.com/office/drawing/2014/main" id="{5BC1F546-AA97-4B31-8436-C3EFA3D0629B}"/>
+              </a:ext>
+            </a:extLst>
+          </p:cNvPr>
+          <p:cNvSpPr>
+            <a:spLocks noGrp="1"/>
+          </p:cNvSpPr>
+          <p:nvPr>
+            <p:ph type="title"/>
+          </p:nvPr>
+        </p:nvSpPr>
+        <p:spPr>
+          <a:xfrm>
+            <a:off x="838200" y="365125"/>
+            <a:ext cx="10515600" cy="1325563"/>
+          </a:xfrm>
+          <a:prstGeom prst="rect">
+            <a:avLst/>
+          </a:prstGeom>
+        </p:spPr>
+        <p:txBody>
+          <a:bodyPr vert="horz" lIns="91440" tIns="45720" rIns="91440" bIns="45720" rtlCol="0" anchor="ctr">
+            <a:normAutofit/>
+          </a:bodyPr>
+          <a:lstStyle/>
+          <a:p>
+            <a:r>
+              <a:rPr lang="en-US"/>
+              <a:t>Click to edit Master title style</a:t>
+            </a:r>
+            <a:endParaRPr lang="en-ZA"/>
+          </a:p>
+        </p:txBody>
+      </p:sp>
+      <p:sp>
+        <p:nvSpPr>
+          <p:cNvPr id="3" name="Text Placeholder 2">
+            <a:extLst>
+              <a:ext uri="{FF2B5EF4-FFF2-40B4-BE49-F238E27FC236}">
+                <a16:creationId xmlns:a16="http://schemas.microsoft.com/office/drawing/2014/main" id="{EE3E6438-3F11-4FE1-9169-85DD92D473EE}"/>
+              </a:ext>
+            </a:extLst>
+          </p:cNvPr>
+          <p:cNvSpPr>
+            <a:spLocks noGrp="1"/>
+          </p:cNvSpPr>
+          <p:nvPr>
+            <p:ph type="body" idx="1"/>
+          </p:nvPr>
+        </p:nvSpPr>
+        <p:spPr>
+          <a:xfrm>
+            <a:off x="838200" y="1825625"/>
+            <a:ext cx="10515600" cy="4351338"/>
+          </a:xfrm>
+          <a:prstGeom prst="rect">
+            <a:avLst/>
+          </a:prstGeom>
+        </p:spPr>
+        <p:txBody>
+          <a:bodyPr vert="horz" lIns="91440" tIns="45720" rIns="91440" bIns="45720" rtlCol="0">
+            <a:normAutofit/>
+          </a:bodyPr>
+          <a:lstStyle/>
+          <a:p>
+            <a:pPr lvl="0"/>
+            <a:r>
+              <a:rPr lang="en-US"/>
+              <a:t>Edit Master text styles</a:t>
+            </a:r>
+          </a:p>
+          <a:p>
+            <a:pPr lvl="1"/>
+            <a:r>
+              <a:rPr lang="en-US"/>
+              <a:t>Second level</a:t>
+            </a:r>
+          </a:p>
+          <a:p>
+            <a:pPr lvl="2"/>
+            <a:r>
+              <a:rPr lang="en-US"/>
+              <a:t>Third level</a:t>
+            </a:r>
+          </a:p>
+          <a:p>
+            <a:pPr lvl="3"/>
+            <a:r>
+              <a:rPr lang="en-US"/>
+              <a:t>Fourth level</a:t>
+            </a:r>
+          </a:p>
+          <a:p>
+            <a:pPr lvl="4"/>
+            <a:r>
+              <a:rPr lang="en-US"/>
+              <a:t>Fifth level</a:t>
+            </a:r>
+            <a:endParaRPr lang="en-ZA"/>
+          </a:p>
+        </p:txBody>
+      </p:sp>
+      <p:sp>
+        <p:nvSpPr>
+          <p:cNvPr id="4" name="Date Placeholder 3">
+            <a:extLst>
+              <a:ext uri="{FF2B5EF4-FFF2-40B4-BE49-F238E27FC236}">
+                <a16:creationId xmlns:a16="http://schemas.microsoft.com/office/drawing/2014/main" id="{32EFA4C9-FB35-4B39-87A6-5E317F776FA3}"/>
+              </a:ext>
+            </a:extLst>
+          </p:cNvPr>
+          <p:cNvSpPr>
+            <a:spLocks noGrp="1"/>
+          </p:cNvSpPr>
+          <p:nvPr>
+            <p:ph type="dt" sz="half" idx="2"/>
+          </p:nvPr>
+        </p:nvSpPr>
+        <p:spPr>
+          <a:xfrm>
+            <a:off x="838200" y="6356350"/>
+            <a:ext cx="2743200" cy="365125"/>
+          </a:xfrm>
+          <a:prstGeom prst="rect">
+            <a:avLst/>
+          </a:prstGeom>
+        </p:spPr>
+        <p:txBody>
+          <a:bodyPr vert="horz" lIns="91440" tIns="45720" rIns="91440" bIns="45720" rtlCol="0" anchor="ctr"/>
+          <a:lstStyle>
+            <a:lvl1pPr algn="l">
+              <a:defRPr sz="1200">
+                <a:solidFill>
+                  <a:schemeClr val="tx1">
+                    <a:tint val="75000"/>
+                  </a:schemeClr>
+                </a:solidFill>
+              </a:defRPr>
+            </a:lvl1pPr>
+          </a:lstStyle>
+          <a:p>
+            <a:fld id="{8664C608-40B1-4030-A28D-5B74BC98ADCE}" type="datetimeFigureOut">
+              <a:rPr lang="en-US" smtClean="0"/>
+              <a:t>8/28/2025</a:t>
+            </a:fld>
+            <a:endParaRPr lang="en-US" dirty="0"/>
+          </a:p>
+        </p:txBody>
+      </p:sp>
+      <p:sp>
+        <p:nvSpPr>
+          <p:cNvPr id="5" name="Footer Placeholder 4">
+            <a:extLst>
+              <a:ext uri="{FF2B5EF4-FFF2-40B4-BE49-F238E27FC236}">
+                <a16:creationId xmlns:a16="http://schemas.microsoft.com/office/drawing/2014/main" id="{A10DBC32-C9FC-44D5-B87E-9BAF7926BAE1}"/>
+              </a:ext>
+            </a:extLst>
+          </p:cNvPr>
+          <p:cNvSpPr>
+            <a:spLocks noGrp="1"/>
+          </p:cNvSpPr>
+          <p:nvPr>
+            <p:ph type="ftr" sz="quarter" idx="3"/>
+          </p:nvPr>
+        </p:nvSpPr>
+        <p:spPr>
+          <a:xfrm>
+            <a:off x="4038600" y="6356350"/>
+            <a:ext cx="4114800" cy="365125"/>
+          </a:xfrm>
+          <a:prstGeom prst="rect">
+            <a:avLst/>
+          </a:prstGeom>
+        </p:spPr>
+        <p:txBody>
+          <a:bodyPr vert="horz" lIns="91440" tIns="45720" rIns="91440" bIns="45720" rtlCol="0" anchor="ctr"/>
+          <a:lstStyle>
+            <a:lvl1pPr algn="ctr">
+              <a:defRPr sz="1200">
+                <a:solidFill>
+                  <a:schemeClr val="tx1">
+                    <a:tint val="75000"/>
+                  </a:schemeClr>
+                </a:solidFill>
+              </a:defRPr>
+            </a:lvl1pPr>
+          </a:lstStyle>
+          <a:p>
+            <a:endParaRPr lang="en-US" dirty="0"/>
+          </a:p>
+        </p:txBody>
+      </p:sp>
+      <p:sp>
+        <p:nvSpPr>
+          <p:cNvPr id="6" name="Slide Number Placeholder 5">
+            <a:extLst>
+              <a:ext uri="{FF2B5EF4-FFF2-40B4-BE49-F238E27FC236}">
+                <a16:creationId xmlns:a16="http://schemas.microsoft.com/office/drawing/2014/main" id="{E0C8DAA6-329A-4EB7-AFB5-E5F27DA62EE9}"/>
+              </a:ext>
+            </a:extLst>
+          </p:cNvPr>
+          <p:cNvSpPr>
+            <a:spLocks noGrp="1"/>
+          </p:cNvSpPr>
+          <p:nvPr>
+            <p:ph type="sldNum" sz="quarter" idx="4"/>
+          </p:nvPr>
+        </p:nvSpPr>
+        <p:spPr>
+          <a:xfrm>
+            <a:off x="8610600" y="6356350"/>
+            <a:ext cx="2743200" cy="365125"/>
+          </a:xfrm>
+          <a:prstGeom prst="rect">
+            <a:avLst/>
+          </a:prstGeom>
+        </p:spPr>
+        <p:txBody>
+          <a:bodyPr vert="horz" lIns="91440" tIns="45720" rIns="91440" bIns="45720" rtlCol="0" anchor="ctr"/>
+          <a:lstStyle>
+            <a:lvl1pPr algn="r">
+              <a:defRPr sz="1200">
+                <a:solidFill>
+                  <a:schemeClr val="tx1">
+                    <a:tint val="75000"/>
+                  </a:schemeClr>
+                </a:solidFill>
+              </a:defRPr>
+            </a:lvl1pPr>
+          </a:lstStyle>
+          <a:p>
+            <a:fld id="{4FAB73BC-B049-4115-A692-8D63A059BFB8}" type="slidenum">
+              <a:rPr lang="en-US" smtClean="0"/>
+              <a:pPr/>
+              <a:t>‹#›</a:t>
+            </a:fld>
+            <a:endParaRPr lang="en-US" dirty="0"/>
+          </a:p>
+        </p:txBody>
+      </p:sp>
+    </p:spTree>
+    <p:extLst>
+      <p:ext uri="{BB962C8B-B14F-4D97-AF65-F5344CB8AC3E}">
+        <p14:creationId xmlns:p14="http://schemas.microsoft.com/office/powerpoint/2010/main" val="3708509210"/>
+      </p:ext>
+    </p:extLst>
+  </p:cSld>
+  <p:clrMap bg1="lt1" tx1="dk1" bg2="lt2" tx2="dk2" accent1="accent1" accent2="accent2" accent3="accent3" accent4="accent4" accent5="accent5" accent6="accent6" hlink="hlink" folHlink="folHlink"/>
+  <p:sldLayoutIdLst>
+    <p:sldLayoutId id="2147483799" r:id="rId1"/>
+    <p:sldLayoutId id="2147483800" r:id="rId2"/>
+    <p:sldLayoutId id="2147483801" r:id="rId3"/>
+    <p:sldLayoutId id="2147483802" r:id="rId4"/>
+    <p:sldLayoutId id="2147483803" r:id="rId5"/>
+    <p:sldLayoutId id="2147483804" r:id="rId6"/>
+    <p:sldLayoutId id="2147483805" r:id="rId7"/>
+    <p:sldLayoutId id="2147483806" r:id="rId8"/>
+    <p:sldLayoutId id="2147483807" r:id="rId9"/>
+    <p:sldLayoutId id="2147483808" r:id="rId10"/>
+    <p:sldLayoutId id="2147483809" r:id="rId11"/>
+    <p:sldLayoutId id="2147483810" r:id="rId12"/>
+  </p:sldLayoutIdLst>
+  <p:hf hdr="0" ftr="0" dt="0"/>
+  <p:txStyles>
+    <p:titleStyle>
+      <a:lvl1pPr algn="l" defTabSz="914400" rtl="0" eaLnBrk="1" latinLnBrk="0" hangingPunct="1">
+        <a:lnSpc>
+          <a:spcPct val="90000"/>
+        </a:lnSpc>
+        <a:spcBef>
+          <a:spcPct val="0"/>
+        </a:spcBef>
+        <a:buNone/>
+        <a:defRPr sz="4400" kern="1200">
+          <a:solidFill>
+            <a:schemeClr val="tx1"/>
+          </a:solidFill>
+          <a:latin typeface="+mj-lt"/>
+          <a:ea typeface="+mj-ea"/>
+          <a:cs typeface="+mj-cs"/>
+        </a:defRPr>
+      </a:lvl1pPr>
+    </p:titleStyle>
+    <p:bodyStyle>
+      <a:lvl1pPr marL="228600" indent="-228600" algn="l" defTabSz="914400" rtl="0" eaLnBrk="1" latinLnBrk="0" hangingPunct="1">
+        <a:lnSpc>
+          <a:spcPct val="90000"/>
+        </a:lnSpc>
+        <a:spcBef>
+          <a:spcPts val="1000"/>
+        </a:spcBef>
+        <a:buFont typeface="Arial" panose="020B0604020202020204" pitchFamily="34" charset="0"/>
+        <a:buChar char="•"/>
+        <a:defRPr sz="2800" kern="1200">
+          <a:solidFill>
+            <a:schemeClr val="tx1"/>
+          </a:solidFill>
+          <a:latin typeface="+mn-lt"/>
+          <a:ea typeface="+mn-ea"/>
+          <a:cs typeface="+mn-cs"/>
+        </a:defRPr>
+      </a:lvl1pPr>
+      <a:lvl2pPr marL="685800" indent="-228600" algn="l" defTabSz="914400" rtl="0" eaLnBrk="1" latinLnBrk="0" hangingPunct="1">
+        <a:lnSpc>
+          <a:spcPct val="90000"/>
+        </a:lnSpc>
+        <a:spcBef>
+          <a:spcPts val="500"/>
+        </a:spcBef>
+        <a:buFont typeface="Arial" panose="020B0604020202020204" pitchFamily="34" charset="0"/>
+        <a:buChar char="•"/>
+        <a:defRPr sz="2400" kern="1200">
+          <a:solidFill>
+            <a:schemeClr val="tx1"/>
+          </a:solidFill>
+          <a:latin typeface="+mn-lt"/>
+          <a:ea typeface="+mn-ea"/>
+          <a:cs typeface="+mn-cs"/>
+        </a:defRPr>
+      </a:lvl2pPr>
+      <a:lvl3pPr marL="1143000" indent="-228600" algn="l" defTabSz="914400" rtl="0" eaLnBrk="1" latinLnBrk="0" hangingPunct="1">
+        <a:lnSpc>
+          <a:spcPct val="90000"/>
+        </a:lnSpc>
+        <a:spcBef>
+          <a:spcPts val="500"/>
+        </a:spcBef>
+        <a:buFont typeface="Arial" panose="020B0604020202020204" pitchFamily="34" charset="0"/>
+        <a:buChar char="•"/>
+        <a:defRPr sz="2000" kern="1200">
+          <a:solidFill>
+            <a:schemeClr val="tx1"/>
+          </a:solidFill>
+          <a:latin typeface="+mn-lt"/>
+          <a:ea typeface="+mn-ea"/>
+          <a:cs typeface="+mn-cs"/>
+        </a:defRPr>
+      </a:lvl3pPr>
+      <a:lvl4pPr marL="1600200" indent="-228600" algn="l" defTabSz="914400" rtl="0" eaLnBrk="1" latinLnBrk="0" hangingPunct="1">
+        <a:lnSpc>
+          <a:spcPct val="90000"/>
+        </a:lnSpc>
+        <a:spcBef>
+          <a:spcPts val="500"/>
+        </a:spcBef>
+        <a:buFont typeface="Arial" panose="020B0604020202020204" pitchFamily="34" charset="0"/>
+        <a:buChar char="•"/>
+        <a:defRPr sz="1800" kern="1200">
+          <a:solidFill>
+            <a:schemeClr val="tx1"/>
+          </a:solidFill>
+          <a:latin typeface="+mn-lt"/>
+          <a:ea typeface="+mn-ea"/>
+          <a:cs typeface="+mn-cs"/>
+        </a:defRPr>
+      </a:lvl4pPr>
+      <a:lvl5pPr marL="2057400" indent="-228600" algn="l" defTabSz="914400" rtl="0" eaLnBrk="1" latinLnBrk="0" hangingPunct="1">
+        <a:lnSpc>
+          <a:spcPct val="90000"/>
+        </a:lnSpc>
+        <a:spcBef>
+          <a:spcPts val="500"/>
+        </a:spcBef>
+        <a:buFont typeface="Arial" panose="020B0604020202020204" pitchFamily="34" charset="0"/>
+        <a:buChar char="•"/>
+        <a:defRPr sz="1800" kern="1200">
+          <a:solidFill>
+            <a:schemeClr val="tx1"/>
+          </a:solidFill>
+          <a:latin typeface="+mn-lt"/>
+          <a:ea typeface="+mn-ea"/>
+          <a:cs typeface="+mn-cs"/>
+        </a:defRPr>
+      </a:lvl5pPr>
+      <a:lvl6pPr marL="2514600" indent="-228600" algn="l" defTabSz="914400" rtl="0" eaLnBrk="1" latinLnBrk="0" hangingPunct="1">
+        <a:lnSpc>
+          <a:spcPct val="90000"/>
+        </a:lnSpc>
+        <a:spcBef>
+          <a:spcPts val="500"/>
+        </a:spcBef>
+        <a:buFont typeface="Arial" panose="020B0604020202020204" pitchFamily="34" charset="0"/>
+        <a:buChar char="•"/>
+        <a:defRPr sz="1800" kern="1200">
+          <a:solidFill>
+            <a:schemeClr val="tx1"/>
+          </a:solidFill>
+          <a:latin typeface="+mn-lt"/>
+          <a:ea typeface="+mn-ea"/>
+          <a:cs typeface="+mn-cs"/>
+        </a:defRPr>
+      </a:lvl6pPr>
+      <a:lvl7pPr marL="2971800" indent="-228600" algn="l" defTabSz="914400" rtl="0" eaLnBrk="1" latinLnBrk="0" hangingPunct="1">
+        <a:lnSpc>
+          <a:spcPct val="90000"/>
+        </a:lnSpc>
+        <a:spcBef>
+          <a:spcPts val="500"/>
+        </a:spcBef>
+        <a:buFont typeface="Arial" panose="020B0604020202020204" pitchFamily="34" charset="0"/>
+        <a:buChar char="•"/>
+        <a:defRPr sz="1800" kern="1200">
+          <a:solidFill>
+            <a:schemeClr val="tx1"/>
+          </a:solidFill>
+          <a:latin typeface="+mn-lt"/>
+          <a:ea typeface="+mn-ea"/>
+          <a:cs typeface="+mn-cs"/>
+        </a:defRPr>
+      </a:lvl7pPr>
+      <a:lvl8pPr marL="3429000" indent="-228600" algn="l" defTabSz="914400" rtl="0" eaLnBrk="1" latinLnBrk="0" hangingPunct="1">
+        <a:lnSpc>
+          <a:spcPct val="90000"/>
+        </a:lnSpc>
+        <a:spcBef>
+          <a:spcPts val="500"/>
+        </a:spcBef>
+        <a:buFont typeface="Arial" panose="020B0604020202020204" pitchFamily="34" charset="0"/>
+        <a:buChar char="•"/>
+        <a:defRPr sz="1800" kern="1200">
+          <a:solidFill>
+            <a:schemeClr val="tx1"/>
+          </a:solidFill>
+          <a:latin typeface="+mn-lt"/>
+          <a:ea typeface="+mn-ea"/>
+          <a:cs typeface="+mn-cs"/>
+        </a:defRPr>
+      </a:lvl8pPr>
+      <a:lvl9pPr marL="3886200" indent="-228600" algn="l" defTabSz="914400" rtl="0" eaLnBrk="1" latinLnBrk="0" hangingPunct="1">
+        <a:lnSpc>
+          <a:spcPct val="90000"/>
+        </a:lnSpc>
+        <a:spcBef>
+          <a:spcPts val="500"/>
+        </a:spcBef>
+        <a:buFont typeface="Arial" panose="020B0604020202020204" pitchFamily="34" charset="0"/>
+        <a:buChar char="•"/>
+        <a:defRPr sz="1800" kern="1200">
+          <a:solidFill>
+            <a:schemeClr val="tx1"/>
+          </a:solidFill>
+          <a:latin typeface="+mn-lt"/>
+          <a:ea typeface="+mn-ea"/>
+          <a:cs typeface="+mn-cs"/>
+        </a:defRPr>
+      </a:lvl9pPr>
+    </p:bodyStyle>
+    <p:otherStyle>
+      <a:defPPr>
+        <a:defRPr lang="en-US"/>
+      </a:defPPr>
+      <a:lvl1pPr marL="0" algn="l" defTabSz="914400" rtl="0" eaLnBrk="1" latinLnBrk="0" hangingPunct="1">
+        <a:defRPr sz="1800" kern="1200">
+          <a:solidFill>
+            <a:schemeClr val="tx1"/>
+          </a:solidFill>
+          <a:latin typeface="+mn-lt"/>
+          <a:ea typeface="+mn-ea"/>
+          <a:cs typeface="+mn-cs"/>
+        </a:defRPr>
+      </a:lvl1pPr>
+      <a:lvl2pPr marL="457200" algn="l" defTabSz="914400" rtl="0" eaLnBrk="1" latinLnBrk="0" hangingPunct="1">
+        <a:defRPr sz="1800" kern="1200">
+          <a:solidFill>
+            <a:schemeClr val="tx1"/>
+          </a:solidFill>
+          <a:latin typeface="+mn-lt"/>
+          <a:ea typeface="+mn-ea"/>
+          <a:cs typeface="+mn-cs"/>
+        </a:defRPr>
+      </a:lvl2pPr>
+      <a:lvl3pPr marL="914400" algn="l" defTabSz="914400" rtl="0" eaLnBrk="1" latinLnBrk="0" hangingPunct="1">
+        <a:defRPr sz="1800" kern="1200">
+          <a:solidFill>
+            <a:schemeClr val="tx1"/>
+          </a:solidFill>
+          <a:latin typeface="+mn-lt"/>
+          <a:ea typeface="+mn-ea"/>
+          <a:cs typeface="+mn-cs"/>
+        </a:defRPr>
+      </a:lvl3pPr>
+      <a:lvl4pPr marL="1371600" algn="l" defTabSz="914400" rtl="0" eaLnBrk="1" latinLnBrk="0" hangingPunct="1">
+        <a:defRPr sz="1800" kern="1200">
+          <a:solidFill>
+            <a:schemeClr val="tx1"/>
+          </a:solidFill>
+          <a:latin typeface="+mn-lt"/>
+          <a:ea typeface="+mn-ea"/>
+          <a:cs typeface="+mn-cs"/>
+        </a:defRPr>
+      </a:lvl4pPr>
+      <a:lvl5pPr marL="1828800" algn="l" defTabSz="914400" rtl="0" eaLnBrk="1" latinLnBrk="0" hangingPunct="1">
+        <a:defRPr sz="1800" kern="1200">
+          <a:solidFill>
+            <a:schemeClr val="tx1"/>
+          </a:solidFill>
+          <a:latin typeface="+mn-lt"/>
+          <a:ea typeface="+mn-ea"/>
+          <a:cs typeface="+mn-cs"/>
+        </a:defRPr>
+      </a:lvl5pPr>
+      <a:lvl6pPr marL="2286000" algn="l" defTabSz="914400" rtl="0" eaLnBrk="1" latinLnBrk="0" hangingPunct="1">
+        <a:defRPr sz="1800" kern="1200">
+          <a:solidFill>
+            <a:schemeClr val="tx1"/>
+          </a:solidFill>
+          <a:latin typeface="+mn-lt"/>
+          <a:ea typeface="+mn-ea"/>
+          <a:cs typeface="+mn-cs"/>
+        </a:defRPr>
+      </a:lvl6pPr>
+      <a:lvl7pPr marL="2743200" algn="l" defTabSz="914400" rtl="0" eaLnBrk="1" latinLnBrk="0" hangingPunct="1">
+        <a:defRPr sz="1800" kern="1200">
+          <a:solidFill>
+            <a:schemeClr val="tx1"/>
+          </a:solidFill>
+          <a:latin typeface="+mn-lt"/>
+          <a:ea typeface="+mn-ea"/>
+          <a:cs typeface="+mn-cs"/>
+        </a:defRPr>
+      </a:lvl7pPr>
+      <a:lvl8pPr marL="3200400" algn="l" defTabSz="914400" rtl="0" eaLnBrk="1" latinLnBrk="0" hangingPunct="1">
+        <a:defRPr sz="1800" kern="1200">
+          <a:solidFill>
+            <a:schemeClr val="tx1"/>
+          </a:solidFill>
+          <a:latin typeface="+mn-lt"/>
+          <a:ea typeface="+mn-ea"/>
+          <a:cs typeface="+mn-cs"/>
+        </a:defRPr>
+      </a:lvl8pPr>
+      <a:lvl9pPr marL="3657600" algn="l" defTabSz="914400" rtl="0" eaLnBrk="1" latinLnBrk="0" hangingPunct="1">
+        <a:defRPr sz="1800" kern="1200">
+          <a:solidFill>
+            <a:schemeClr val="tx1"/>
+          </a:solidFill>
+          <a:latin typeface="+mn-lt"/>
+          <a:ea typeface="+mn-ea"/>
+          <a:cs typeface="+mn-cs"/>
+        </a:defRPr>
+      </a:lvl9pPr>
+    </p:otherStyle>
+  </p:txStyles>
+</p:sldMaster>
+</file>
+
 <file path=ppt/slides/slide1.xml><?xml version="1.0" encoding="utf-8"?>
 <p:sld xmlns:a="http://schemas.openxmlformats.org/drawingml/2006/main" xmlns:r="http://schemas.openxmlformats.org/officeDocument/2006/relationships" xmlns:p="http://schemas.openxmlformats.org/presentationml/2006/main">
   <p:cSld>
@@ -25631,6 +28914,286 @@
           <p:cNvPr id="2" name="Title 1">
             <a:extLst>
               <a:ext uri="{FF2B5EF4-FFF2-40B4-BE49-F238E27FC236}">
+                <a16:creationId xmlns:a16="http://schemas.microsoft.com/office/drawing/2014/main" id="{817CFE8C-8D83-2DCD-2707-4F015385C2EA}"/>
+              </a:ext>
+            </a:extLst>
+          </p:cNvPr>
+          <p:cNvSpPr>
+            <a:spLocks noGrp="1"/>
+          </p:cNvSpPr>
+          <p:nvPr>
+            <p:ph type="title"/>
+          </p:nvPr>
+        </p:nvSpPr>
+        <p:spPr>
+          <a:xfrm>
+            <a:off x="685802" y="609600"/>
+            <a:ext cx="6282266" cy="1456267"/>
+          </a:xfrm>
+        </p:spPr>
+        <p:txBody>
+          <a:bodyPr>
+            <a:normAutofit/>
+          </a:bodyPr>
+          <a:lstStyle/>
+          <a:p>
+            <a:r>
+              <a:rPr lang="en-US" b="1" dirty="0"/>
+              <a:t>Post-trimming Quality Check</a:t>
+            </a:r>
+            <a:br>
+              <a:rPr lang="en-US" b="1" dirty="0"/>
+            </a:br>
+            <a:endParaRPr lang="en-US" dirty="0"/>
+          </a:p>
+        </p:txBody>
+      </p:sp>
+      <p:sp>
+        <p:nvSpPr>
+          <p:cNvPr id="3" name="Content Placeholder 2">
+            <a:extLst>
+              <a:ext uri="{FF2B5EF4-FFF2-40B4-BE49-F238E27FC236}">
+                <a16:creationId xmlns:a16="http://schemas.microsoft.com/office/drawing/2014/main" id="{F8468B65-639C-BAEC-D10D-BC6FAA994DE9}"/>
+              </a:ext>
+            </a:extLst>
+          </p:cNvPr>
+          <p:cNvSpPr>
+            <a:spLocks noGrp="1"/>
+          </p:cNvSpPr>
+          <p:nvPr>
+            <p:ph idx="1"/>
+          </p:nvPr>
+        </p:nvSpPr>
+        <p:spPr>
+          <a:xfrm>
+            <a:off x="685802" y="2142067"/>
+            <a:ext cx="6282266" cy="3649133"/>
+          </a:xfrm>
+        </p:spPr>
+        <p:txBody>
+          <a:bodyPr>
+            <a:normAutofit/>
+          </a:bodyPr>
+          <a:lstStyle/>
+          <a:p>
+            <a:pPr marL="0" indent="0">
+              <a:buNone/>
+            </a:pPr>
+            <a:br>
+              <a:rPr lang="en-US" sz="1700" dirty="0"/>
+            </a:br>
+            <a:r>
+              <a:rPr lang="en-US" sz="1700" b="1" dirty="0"/>
+              <a:t>Re-run </a:t>
+            </a:r>
+            <a:r>
+              <a:rPr lang="en-US" sz="1700" b="1" dirty="0" err="1"/>
+              <a:t>FastQC</a:t>
+            </a:r>
+            <a:r>
+              <a:rPr lang="en-US" sz="1700" b="1" dirty="0"/>
+              <a:t>:</a:t>
+            </a:r>
+            <a:r>
+              <a:rPr lang="en-US" sz="1700" dirty="0"/>
+              <a:t> After cleaning, it’s good practice to run </a:t>
+            </a:r>
+            <a:r>
+              <a:rPr lang="en-US" sz="1700" dirty="0" err="1"/>
+              <a:t>FastQC</a:t>
+            </a:r>
+            <a:r>
+              <a:rPr lang="en-US" sz="1700" dirty="0"/>
+              <a:t> on your trimmed files to verify improvements. You may notice reads are shorter now  but with a better quality. This is expected because low-quality ends and adapter sequences were removed. </a:t>
+            </a:r>
+            <a:r>
+              <a:rPr lang="en-US" sz="1700" dirty="0" err="1"/>
+              <a:t>FastQC</a:t>
+            </a:r>
+            <a:r>
+              <a:rPr lang="en-US" sz="1700" dirty="0"/>
+              <a:t> might flag “</a:t>
+            </a:r>
+            <a:r>
+              <a:rPr lang="en-US" sz="1700" b="1" dirty="0"/>
+              <a:t>Sequence Length</a:t>
+            </a:r>
+            <a:r>
+              <a:rPr lang="en-US" sz="1700" dirty="0"/>
+              <a:t>” as varying (a warning) – that’s normal after trimming.</a:t>
+            </a:r>
+          </a:p>
+          <a:p>
+            <a:pPr marL="0" indent="0">
+              <a:buNone/>
+            </a:pPr>
+            <a:r>
+              <a:rPr lang="en-US" sz="1700" dirty="0">
+                <a:hlinkClick r:id="rId3"/>
+              </a:rPr>
+              <a:t>Sometimes all you need is to cut adapters</a:t>
+            </a:r>
+            <a:endParaRPr lang="en-US" sz="1700" dirty="0"/>
+          </a:p>
+          <a:p>
+            <a:pPr marL="0" indent="0">
+              <a:buNone/>
+            </a:pPr>
+            <a:br>
+              <a:rPr lang="en-US" sz="1700" dirty="0"/>
+            </a:br>
+            <a:r>
+              <a:rPr lang="en-US" sz="1700" b="1" dirty="0"/>
+              <a:t>Re-run </a:t>
+            </a:r>
+            <a:r>
+              <a:rPr lang="en-US" sz="1700" b="1" dirty="0" err="1"/>
+              <a:t>MultiQC</a:t>
+            </a:r>
+            <a:r>
+              <a:rPr lang="en-US" sz="1700" b="1" dirty="0"/>
+              <a:t>:</a:t>
+            </a:r>
+            <a:r>
+              <a:rPr lang="en-US" sz="1700" dirty="0"/>
+              <a:t> If you processed many samples, generate a new </a:t>
+            </a:r>
+            <a:r>
+              <a:rPr lang="en-US" sz="1700" dirty="0" err="1"/>
+              <a:t>MultiQC</a:t>
+            </a:r>
+            <a:r>
+              <a:rPr lang="en-US" sz="1700" dirty="0"/>
+              <a:t> report on the trimmed </a:t>
+            </a:r>
+            <a:r>
+              <a:rPr lang="en-US" sz="1700" dirty="0" err="1"/>
+              <a:t>FastQC</a:t>
+            </a:r>
+            <a:r>
+              <a:rPr lang="en-US" sz="1700" dirty="0"/>
+              <a:t> outputs. This will let you confirm all samples improved and identify any that still have issues. </a:t>
+            </a:r>
+          </a:p>
+          <a:p>
+            <a:pPr marL="0" indent="0">
+              <a:buNone/>
+            </a:pPr>
+            <a:endParaRPr lang="en-US" sz="1700" dirty="0"/>
+          </a:p>
+        </p:txBody>
+      </p:sp>
+      <p:pic>
+        <p:nvPicPr>
+          <p:cNvPr id="7" name="Graphic 6" descr="Mop and bucket">
+            <a:extLst>
+              <a:ext uri="{FF2B5EF4-FFF2-40B4-BE49-F238E27FC236}">
+                <a16:creationId xmlns:a16="http://schemas.microsoft.com/office/drawing/2014/main" id="{8ABB82F9-7DDE-5FCD-82DC-38856E1B419E}"/>
+              </a:ext>
+            </a:extLst>
+          </p:cNvPr>
+          <p:cNvPicPr>
+            <a:picLocks noChangeAspect="1"/>
+          </p:cNvPicPr>
+          <p:nvPr/>
+        </p:nvPicPr>
+        <p:blipFill>
+          <a:blip r:embed="rId4">
+            <a:extLst>
+              <a:ext uri="{28A0092B-C50C-407E-A947-70E740481C1C}">
+                <a14:useLocalDpi xmlns:a14="http://schemas.microsoft.com/office/drawing/2010/main" val="0"/>
+              </a:ext>
+              <a:ext uri="{96DAC541-7B7A-43D3-8B79-37D633B846F1}">
+                <asvg:svgBlip xmlns:asvg="http://schemas.microsoft.com/office/drawing/2016/SVG/main" r:embed="rId5"/>
+              </a:ext>
+            </a:extLst>
+          </a:blip>
+          <a:stretch>
+            <a:fillRect/>
+          </a:stretch>
+        </p:blipFill>
+        <p:spPr>
+          <a:xfrm>
+            <a:off x="7590936" y="1668042"/>
+            <a:ext cx="3445714" cy="3445714"/>
+          </a:xfrm>
+          <a:prstGeom prst="roundRect">
+            <a:avLst>
+              <a:gd name="adj" fmla="val 4380"/>
+            </a:avLst>
+          </a:prstGeom>
+          <a:ln w="50800" cap="sq" cmpd="dbl">
+            <a:gradFill flip="none" rotWithShape="1">
+              <a:gsLst>
+                <a:gs pos="0">
+                  <a:srgbClr val="FFFFFF"/>
+                </a:gs>
+                <a:gs pos="100000">
+                  <a:schemeClr val="tx1">
+                    <a:alpha val="0"/>
+                  </a:schemeClr>
+                </a:gs>
+              </a:gsLst>
+              <a:path path="circle">
+                <a:fillToRect l="50000" t="50000" r="50000" b="50000"/>
+              </a:path>
+              <a:tileRect/>
+            </a:gradFill>
+            <a:miter lim="800000"/>
+          </a:ln>
+          <a:effectLst>
+            <a:outerShdw blurRad="254000" algn="tl" rotWithShape="0">
+              <a:srgbClr val="000000">
+                <a:alpha val="43000"/>
+              </a:srgbClr>
+            </a:outerShdw>
+          </a:effectLst>
+        </p:spPr>
+      </p:pic>
+    </p:spTree>
+    <p:extLst>
+      <p:ext uri="{BB962C8B-B14F-4D97-AF65-F5344CB8AC3E}">
+        <p14:creationId xmlns:p14="http://schemas.microsoft.com/office/powerpoint/2010/main" val="3530764645"/>
+      </p:ext>
+    </p:extLst>
+  </p:cSld>
+  <p:clrMapOvr>
+    <a:masterClrMapping/>
+  </p:clrMapOvr>
+</p:sld>
+</file>
+
+<file path=ppt/slides/slide11.xml><?xml version="1.0" encoding="utf-8"?>
+<p:sld xmlns:a="http://schemas.openxmlformats.org/drawingml/2006/main" xmlns:r="http://schemas.openxmlformats.org/officeDocument/2006/relationships" xmlns:p="http://schemas.openxmlformats.org/presentationml/2006/main">
+  <p:cSld>
+    <p:bg>
+      <p:bgPr>
+        <a:blipFill>
+          <a:blip r:embed="rId2"/>
+          <a:stretch/>
+        </a:blipFill>
+        <a:effectLst/>
+      </p:bgPr>
+    </p:bg>
+    <p:spTree>
+      <p:nvGrpSpPr>
+        <p:cNvPr id="1" name=""/>
+        <p:cNvGrpSpPr/>
+        <p:nvPr/>
+      </p:nvGrpSpPr>
+      <p:grpSpPr>
+        <a:xfrm>
+          <a:off x="0" y="0"/>
+          <a:ext cx="0" cy="0"/>
+          <a:chOff x="0" y="0"/>
+          <a:chExt cx="0" cy="0"/>
+        </a:xfrm>
+      </p:grpSpPr>
+      <p:sp>
+        <p:nvSpPr>
+          <p:cNvPr id="2" name="Title 1">
+            <a:extLst>
+              <a:ext uri="{FF2B5EF4-FFF2-40B4-BE49-F238E27FC236}">
                 <a16:creationId xmlns:a16="http://schemas.microsoft.com/office/drawing/2014/main" id="{4A5AFFF4-ED2F-E549-F334-08EABE9CF52D}"/>
               </a:ext>
             </a:extLst>
@@ -25848,206 +29411,6 @@
     <p:extLst>
       <p:ext uri="{BB962C8B-B14F-4D97-AF65-F5344CB8AC3E}">
         <p14:creationId xmlns:p14="http://schemas.microsoft.com/office/powerpoint/2010/main" val="1148481996"/>
-      </p:ext>
-    </p:extLst>
-  </p:cSld>
-  <p:clrMapOvr>
-    <a:masterClrMapping/>
-  </p:clrMapOvr>
-</p:sld>
-</file>
-
-<file path=ppt/slides/slide11.xml><?xml version="1.0" encoding="utf-8"?>
-<p:sld xmlns:a="http://schemas.openxmlformats.org/drawingml/2006/main" xmlns:r="http://schemas.openxmlformats.org/officeDocument/2006/relationships" xmlns:p="http://schemas.openxmlformats.org/presentationml/2006/main">
-  <p:cSld>
-    <p:spTree>
-      <p:nvGrpSpPr>
-        <p:cNvPr id="1" name=""/>
-        <p:cNvGrpSpPr/>
-        <p:nvPr/>
-      </p:nvGrpSpPr>
-      <p:grpSpPr>
-        <a:xfrm>
-          <a:off x="0" y="0"/>
-          <a:ext cx="0" cy="0"/>
-          <a:chOff x="0" y="0"/>
-          <a:chExt cx="0" cy="0"/>
-        </a:xfrm>
-      </p:grpSpPr>
-      <p:sp>
-        <p:nvSpPr>
-          <p:cNvPr id="2" name="Title 1">
-            <a:extLst>
-              <a:ext uri="{FF2B5EF4-FFF2-40B4-BE49-F238E27FC236}">
-                <a16:creationId xmlns:a16="http://schemas.microsoft.com/office/drawing/2014/main" id="{C03CABA8-7E1E-E2A8-ED41-CC3E0B501562}"/>
-              </a:ext>
-            </a:extLst>
-          </p:cNvPr>
-          <p:cNvSpPr>
-            <a:spLocks noGrp="1"/>
-          </p:cNvSpPr>
-          <p:nvPr>
-            <p:ph type="title"/>
-          </p:nvPr>
-        </p:nvSpPr>
-        <p:spPr/>
-        <p:txBody>
-          <a:bodyPr/>
-          <a:lstStyle/>
-          <a:p>
-            <a:r>
-              <a:rPr lang="en-US" dirty="0" err="1"/>
-              <a:t>KmerFinder</a:t>
-            </a:r>
-            <a:r>
-              <a:rPr lang="en-US" dirty="0"/>
-              <a:t> – Fast Species Identification</a:t>
-            </a:r>
-          </a:p>
-        </p:txBody>
-      </p:sp>
-      <p:sp>
-        <p:nvSpPr>
-          <p:cNvPr id="3" name="Content Placeholder 2">
-            <a:extLst>
-              <a:ext uri="{FF2B5EF4-FFF2-40B4-BE49-F238E27FC236}">
-                <a16:creationId xmlns:a16="http://schemas.microsoft.com/office/drawing/2014/main" id="{E6C3FDE2-00AA-4261-3D7F-73B1E69DF85F}"/>
-              </a:ext>
-            </a:extLst>
-          </p:cNvPr>
-          <p:cNvSpPr>
-            <a:spLocks noGrp="1"/>
-          </p:cNvSpPr>
-          <p:nvPr>
-            <p:ph idx="1"/>
-          </p:nvPr>
-        </p:nvSpPr>
-        <p:spPr/>
-        <p:txBody>
-          <a:bodyPr>
-            <a:normAutofit/>
-          </a:bodyPr>
-          <a:lstStyle/>
-          <a:p>
-            <a:r>
-              <a:rPr lang="en-US" b="1" dirty="0"/>
-              <a:t>What is </a:t>
-            </a:r>
-            <a:r>
-              <a:rPr lang="en-US" b="1" dirty="0" err="1"/>
-              <a:t>KmerFinder</a:t>
-            </a:r>
-            <a:r>
-              <a:rPr lang="en-US" b="1" dirty="0"/>
-              <a:t>?</a:t>
-            </a:r>
-            <a:endParaRPr lang="en-US" dirty="0"/>
-          </a:p>
-          <a:p>
-            <a:pPr lvl="1"/>
-            <a:r>
-              <a:rPr lang="en-US" dirty="0"/>
-              <a:t>A lightweight tool for </a:t>
-            </a:r>
-            <a:r>
-              <a:rPr lang="en-US" b="1" dirty="0"/>
-              <a:t>bacterial species identification</a:t>
-            </a:r>
-            <a:r>
-              <a:rPr lang="en-US" dirty="0"/>
-              <a:t> from raw sequencing reads.</a:t>
-            </a:r>
-          </a:p>
-          <a:p>
-            <a:pPr lvl="1"/>
-            <a:r>
-              <a:rPr lang="en-US" dirty="0"/>
-              <a:t>Developed by the </a:t>
-            </a:r>
-            <a:r>
-              <a:rPr lang="en-US" b="1" dirty="0"/>
-              <a:t>Center for Genomic Epidemiology (DTU, Denmark)</a:t>
-            </a:r>
-            <a:r>
-              <a:rPr lang="en-US" dirty="0"/>
-              <a:t>.</a:t>
-            </a:r>
-          </a:p>
-          <a:p>
-            <a:pPr lvl="1"/>
-            <a:r>
-              <a:rPr lang="en-US" dirty="0"/>
-              <a:t>Matches </a:t>
-            </a:r>
-            <a:r>
-              <a:rPr lang="en-US" b="1" dirty="0"/>
-              <a:t>k-</a:t>
-            </a:r>
-            <a:r>
-              <a:rPr lang="en-US" b="1" dirty="0" err="1"/>
-              <a:t>mers</a:t>
-            </a:r>
-            <a:r>
-              <a:rPr lang="en-US" dirty="0"/>
-              <a:t> (short DNA words) from your reads to a reference database.</a:t>
-            </a:r>
-          </a:p>
-          <a:p>
-            <a:r>
-              <a:rPr lang="en-US" b="1" dirty="0"/>
-              <a:t>Key Features</a:t>
-            </a:r>
-            <a:endParaRPr lang="en-US" dirty="0"/>
-          </a:p>
-          <a:p>
-            <a:pPr lvl="1"/>
-            <a:r>
-              <a:rPr lang="en-US" dirty="0"/>
-              <a:t>Input: Illumina reads (FASTQ) or assembled genomes (FASTA).</a:t>
-            </a:r>
-          </a:p>
-          <a:p>
-            <a:pPr lvl="1"/>
-            <a:r>
-              <a:rPr lang="en-US" dirty="0"/>
-              <a:t>Output: Top hits with species name, match score, and genome coverage.</a:t>
-            </a:r>
-          </a:p>
-          <a:p>
-            <a:pPr lvl="1"/>
-            <a:r>
-              <a:rPr lang="en-US" b="1" dirty="0"/>
-              <a:t>Fast and memory-efficient</a:t>
-            </a:r>
-            <a:r>
-              <a:rPr lang="en-US" dirty="0"/>
-              <a:t> → runs on laptops and small VMs.</a:t>
-            </a:r>
-          </a:p>
-          <a:p>
-            <a:pPr lvl="1"/>
-            <a:r>
-              <a:rPr lang="en-US" dirty="0"/>
-              <a:t>Accessible via </a:t>
-            </a:r>
-            <a:r>
-              <a:rPr lang="en-US" b="1" dirty="0"/>
-              <a:t>web service</a:t>
-            </a:r>
-            <a:r>
-              <a:rPr lang="en-US" dirty="0"/>
-              <a:t> or command line.</a:t>
-            </a:r>
-          </a:p>
-          <a:p>
-            <a:endParaRPr lang="en-US" dirty="0"/>
-          </a:p>
-        </p:txBody>
-      </p:sp>
-    </p:spTree>
-    <p:extLst>
-      <p:ext uri="{BB962C8B-B14F-4D97-AF65-F5344CB8AC3E}">
-        <p14:creationId xmlns:p14="http://schemas.microsoft.com/office/powerpoint/2010/main" val="2107561056"/>
       </p:ext>
     </p:extLst>
   </p:cSld>
@@ -28291,6 +31654,1031 @@
           <a:chExt cx="0" cy="0"/>
         </a:xfrm>
       </p:grpSpPr>
+      <p:sp>
+        <p:nvSpPr>
+          <p:cNvPr id="3" name="TextBox 2">
+            <a:extLst>
+              <a:ext uri="{FF2B5EF4-FFF2-40B4-BE49-F238E27FC236}">
+                <a16:creationId xmlns:a16="http://schemas.microsoft.com/office/drawing/2014/main" id="{B83967C2-8768-ED93-8A8A-C767C4392EB6}"/>
+              </a:ext>
+            </a:extLst>
+          </p:cNvPr>
+          <p:cNvSpPr txBox="1"/>
+          <p:nvPr/>
+        </p:nvSpPr>
+        <p:spPr>
+          <a:xfrm>
+            <a:off x="25455" y="0"/>
+            <a:ext cx="12215446" cy="5360851"/>
+          </a:xfrm>
+          <a:prstGeom prst="rect">
+            <a:avLst/>
+          </a:prstGeom>
+        </p:spPr>
+        <p:txBody>
+          <a:bodyPr vert="horz" lIns="91440" tIns="45720" rIns="91440" bIns="45720" rtlCol="0" anchor="t">
+            <a:normAutofit/>
+          </a:bodyPr>
+          <a:lstStyle/>
+          <a:p>
+            <a:pPr marL="0" marR="0" lvl="0" indent="0" algn="l" defTabSz="457200" rtl="0" eaLnBrk="1" fontAlgn="auto" latinLnBrk="0" hangingPunct="1">
+              <a:lnSpc>
+                <a:spcPct val="100000"/>
+              </a:lnSpc>
+              <a:spcBef>
+                <a:spcPts val="0"/>
+              </a:spcBef>
+              <a:spcAft>
+                <a:spcPts val="0"/>
+              </a:spcAft>
+              <a:buClrTx/>
+              <a:buSzTx/>
+              <a:buFontTx/>
+              <a:buNone/>
+              <a:tabLst/>
+              <a:defRPr/>
+            </a:pPr>
+            <a:r>
+              <a:rPr kumimoji="0" lang="en-US" b="1" i="0" u="none" strike="noStrike" kern="1200" cap="none" spc="0" normalizeH="0" baseline="0" noProof="0" dirty="0">
+                <a:ln>
+                  <a:noFill/>
+                </a:ln>
+                <a:solidFill>
+                  <a:prstClr val="black"/>
+                </a:solidFill>
+                <a:effectLst/>
+                <a:highlight>
+                  <a:srgbClr val="FFFFFF"/>
+                </a:highlight>
+                <a:uLnTx/>
+                <a:uFillTx/>
+                <a:latin typeface="Calibri" panose="020F0502020204030204"/>
+                <a:ea typeface="+mn-ea"/>
+                <a:cs typeface="+mn-cs"/>
+              </a:rPr>
+              <a:t>What are sequencing adaptors and barcodes?</a:t>
+            </a:r>
+          </a:p>
+          <a:p>
+            <a:pPr marL="0" marR="0" lvl="0" indent="0" algn="l" defTabSz="457200" rtl="0" eaLnBrk="1" fontAlgn="auto" latinLnBrk="0" hangingPunct="1">
+              <a:lnSpc>
+                <a:spcPct val="100000"/>
+              </a:lnSpc>
+              <a:spcBef>
+                <a:spcPts val="0"/>
+              </a:spcBef>
+              <a:spcAft>
+                <a:spcPts val="0"/>
+              </a:spcAft>
+              <a:buClrTx/>
+              <a:buSzTx/>
+              <a:buFontTx/>
+              <a:buNone/>
+              <a:tabLst/>
+              <a:defRPr/>
+            </a:pPr>
+            <a:endParaRPr kumimoji="0" lang="en-US" sz="1800" b="1" i="0" u="none" strike="noStrike" kern="1200" cap="none" spc="0" normalizeH="0" baseline="0" noProof="0" dirty="0">
+              <a:ln>
+                <a:noFill/>
+              </a:ln>
+              <a:solidFill>
+                <a:prstClr val="black"/>
+              </a:solidFill>
+              <a:effectLst/>
+              <a:highlight>
+                <a:srgbClr val="FFFFFF"/>
+              </a:highlight>
+              <a:uLnTx/>
+              <a:uFillTx/>
+              <a:latin typeface="Calibri" panose="020F0502020204030204"/>
+              <a:ea typeface="+mn-ea"/>
+              <a:cs typeface="+mn-cs"/>
+            </a:endParaRPr>
+          </a:p>
+          <a:p>
+            <a:pPr marL="285750" marR="0" lvl="0" indent="-285750" algn="l" defTabSz="457200" rtl="0" eaLnBrk="1" fontAlgn="auto" latinLnBrk="0" hangingPunct="1">
+              <a:lnSpc>
+                <a:spcPct val="100000"/>
+              </a:lnSpc>
+              <a:spcBef>
+                <a:spcPts val="0"/>
+              </a:spcBef>
+              <a:spcAft>
+                <a:spcPts val="0"/>
+              </a:spcAft>
+              <a:buClrTx/>
+              <a:buSzTx/>
+              <a:buFont typeface="Wingdings" panose="05000000000000000000" pitchFamily="2" charset="2"/>
+              <a:buChar char="q"/>
+              <a:tabLst/>
+              <a:defRPr/>
+            </a:pPr>
+            <a:r>
+              <a:rPr kumimoji="0" lang="en-US" sz="1600" b="1" i="0" u="none" strike="noStrike" kern="1200" cap="none" spc="0" normalizeH="0" baseline="0" noProof="0" dirty="0">
+                <a:ln>
+                  <a:noFill/>
+                </a:ln>
+                <a:solidFill>
+                  <a:prstClr val="black"/>
+                </a:solidFill>
+                <a:effectLst/>
+                <a:highlight>
+                  <a:srgbClr val="FFFFFF"/>
+                </a:highlight>
+                <a:uLnTx/>
+                <a:uFillTx/>
+                <a:latin typeface="Calibri" panose="020F0502020204030204"/>
+                <a:ea typeface="+mn-ea"/>
+                <a:cs typeface="+mn-cs"/>
+              </a:rPr>
+              <a:t>Insert (Blue):</a:t>
+            </a:r>
+            <a:endParaRPr kumimoji="0" lang="en-US" sz="1600" b="0" i="0" u="none" strike="noStrike" kern="1200" cap="none" spc="0" normalizeH="0" baseline="0" noProof="0" dirty="0">
+              <a:ln>
+                <a:noFill/>
+              </a:ln>
+              <a:solidFill>
+                <a:prstClr val="black"/>
+              </a:solidFill>
+              <a:effectLst/>
+              <a:highlight>
+                <a:srgbClr val="FFFFFF"/>
+              </a:highlight>
+              <a:uLnTx/>
+              <a:uFillTx/>
+              <a:latin typeface="Calibri" panose="020F0502020204030204"/>
+              <a:ea typeface="+mn-ea"/>
+              <a:cs typeface="+mn-cs"/>
+            </a:endParaRPr>
+          </a:p>
+          <a:p>
+            <a:pPr marL="742950" marR="0" lvl="1" indent="-285750" algn="l" defTabSz="457200" rtl="0" eaLnBrk="1" fontAlgn="auto" latinLnBrk="0" hangingPunct="1">
+              <a:lnSpc>
+                <a:spcPct val="100000"/>
+              </a:lnSpc>
+              <a:spcBef>
+                <a:spcPts val="0"/>
+              </a:spcBef>
+              <a:spcAft>
+                <a:spcPts val="0"/>
+              </a:spcAft>
+              <a:buClrTx/>
+              <a:buSzTx/>
+              <a:buFont typeface="Wingdings" panose="05000000000000000000" pitchFamily="2" charset="2"/>
+              <a:buChar char="ü"/>
+              <a:tabLst/>
+              <a:defRPr/>
+            </a:pPr>
+            <a:r>
+              <a:rPr kumimoji="0" lang="en-US" sz="1600" b="0" i="0" u="none" strike="noStrike" kern="1200" cap="none" spc="0" normalizeH="0" baseline="0" noProof="0" dirty="0">
+                <a:ln>
+                  <a:noFill/>
+                </a:ln>
+                <a:solidFill>
+                  <a:prstClr val="black"/>
+                </a:solidFill>
+                <a:effectLst/>
+                <a:highlight>
+                  <a:srgbClr val="FFFFFF"/>
+                </a:highlight>
+                <a:uLnTx/>
+                <a:uFillTx/>
+                <a:latin typeface="Calibri" panose="020F0502020204030204"/>
+                <a:ea typeface="+mn-ea"/>
+                <a:cs typeface="+mn-cs"/>
+              </a:rPr>
+              <a:t>This is the segment of the DNA/RNA to be sequenced. </a:t>
+            </a:r>
+          </a:p>
+          <a:p>
+            <a:pPr marL="285750" marR="0" lvl="0" indent="-285750" algn="l" defTabSz="457200" rtl="0" eaLnBrk="1" fontAlgn="auto" latinLnBrk="0" hangingPunct="1">
+              <a:lnSpc>
+                <a:spcPct val="100000"/>
+              </a:lnSpc>
+              <a:spcBef>
+                <a:spcPts val="0"/>
+              </a:spcBef>
+              <a:spcAft>
+                <a:spcPts val="0"/>
+              </a:spcAft>
+              <a:buClrTx/>
+              <a:buSzTx/>
+              <a:buFont typeface="Wingdings" panose="05000000000000000000" pitchFamily="2" charset="2"/>
+              <a:buChar char="q"/>
+              <a:tabLst/>
+              <a:defRPr/>
+            </a:pPr>
+            <a:r>
+              <a:rPr kumimoji="0" lang="en-US" sz="1600" b="1" i="0" u="none" strike="noStrike" kern="1200" cap="none" spc="0" normalizeH="0" baseline="0" noProof="0" dirty="0">
+                <a:ln>
+                  <a:noFill/>
+                </a:ln>
+                <a:solidFill>
+                  <a:prstClr val="black"/>
+                </a:solidFill>
+                <a:effectLst/>
+                <a:highlight>
+                  <a:srgbClr val="FFFFFF"/>
+                </a:highlight>
+                <a:uLnTx/>
+                <a:uFillTx/>
+                <a:latin typeface="Calibri" panose="020F0502020204030204"/>
+                <a:ea typeface="+mn-ea"/>
+                <a:cs typeface="+mn-cs"/>
+              </a:rPr>
+              <a:t>Adaptors (Green):</a:t>
+            </a:r>
+            <a:endParaRPr kumimoji="0" lang="en-US" sz="1600" b="0" i="0" u="none" strike="noStrike" kern="1200" cap="none" spc="0" normalizeH="0" baseline="0" noProof="0" dirty="0">
+              <a:ln>
+                <a:noFill/>
+              </a:ln>
+              <a:solidFill>
+                <a:prstClr val="black"/>
+              </a:solidFill>
+              <a:effectLst/>
+              <a:highlight>
+                <a:srgbClr val="FFFFFF"/>
+              </a:highlight>
+              <a:uLnTx/>
+              <a:uFillTx/>
+              <a:latin typeface="Calibri" panose="020F0502020204030204"/>
+              <a:ea typeface="+mn-ea"/>
+              <a:cs typeface="+mn-cs"/>
+            </a:endParaRPr>
+          </a:p>
+          <a:p>
+            <a:pPr marL="742950" marR="0" lvl="1" indent="-285750" algn="l" defTabSz="457200" rtl="0" eaLnBrk="1" fontAlgn="auto" latinLnBrk="0" hangingPunct="1">
+              <a:lnSpc>
+                <a:spcPct val="100000"/>
+              </a:lnSpc>
+              <a:spcBef>
+                <a:spcPts val="0"/>
+              </a:spcBef>
+              <a:spcAft>
+                <a:spcPts val="0"/>
+              </a:spcAft>
+              <a:buClrTx/>
+              <a:buSzTx/>
+              <a:buFont typeface="Wingdings" panose="05000000000000000000" pitchFamily="2" charset="2"/>
+              <a:buChar char="Ø"/>
+              <a:tabLst/>
+              <a:defRPr/>
+            </a:pPr>
+            <a:r>
+              <a:rPr kumimoji="0" lang="en-US" sz="1600" b="1" i="0" u="none" strike="noStrike" kern="1200" cap="none" spc="0" normalizeH="0" baseline="0" noProof="0" dirty="0">
+                <a:ln>
+                  <a:noFill/>
+                </a:ln>
+                <a:solidFill>
+                  <a:prstClr val="black"/>
+                </a:solidFill>
+                <a:effectLst/>
+                <a:highlight>
+                  <a:srgbClr val="FFFFFF"/>
+                </a:highlight>
+                <a:uLnTx/>
+                <a:uFillTx/>
+                <a:latin typeface="Calibri" panose="020F0502020204030204"/>
+                <a:ea typeface="+mn-ea"/>
+                <a:cs typeface="+mn-cs"/>
+              </a:rPr>
+              <a:t>Function:</a:t>
+            </a:r>
+            <a:r>
+              <a:rPr kumimoji="0" lang="en-US" sz="1600" b="0" i="0" u="none" strike="noStrike" kern="1200" cap="none" spc="0" normalizeH="0" baseline="0" noProof="0" dirty="0">
+                <a:ln>
+                  <a:noFill/>
+                </a:ln>
+                <a:solidFill>
+                  <a:prstClr val="black"/>
+                </a:solidFill>
+                <a:effectLst/>
+                <a:highlight>
+                  <a:srgbClr val="FFFFFF"/>
+                </a:highlight>
+                <a:uLnTx/>
+                <a:uFillTx/>
+                <a:latin typeface="Calibri" panose="020F0502020204030204"/>
+                <a:ea typeface="+mn-ea"/>
+                <a:cs typeface="+mn-cs"/>
+              </a:rPr>
+              <a:t> Adaptors are synthetic DNA sequences added to the ends of the insert. They serve crucial purposes:</a:t>
+            </a:r>
+          </a:p>
+          <a:p>
+            <a:pPr marL="1200150" lvl="2" indent="-285750">
+              <a:buFont typeface="Wingdings" panose="05000000000000000000" pitchFamily="2" charset="2"/>
+              <a:buChar char="ü"/>
+              <a:defRPr/>
+            </a:pPr>
+            <a:r>
+              <a:rPr kumimoji="0" lang="en-US" sz="1600" b="1" i="0" u="none" strike="noStrike" kern="1200" cap="none" spc="0" normalizeH="0" baseline="0" noProof="0" dirty="0">
+                <a:ln>
+                  <a:noFill/>
+                </a:ln>
+                <a:solidFill>
+                  <a:prstClr val="black"/>
+                </a:solidFill>
+                <a:effectLst/>
+                <a:highlight>
+                  <a:srgbClr val="FFFFFF"/>
+                </a:highlight>
+                <a:uLnTx/>
+                <a:uFillTx/>
+                <a:latin typeface="Calibri" panose="020F0502020204030204"/>
+                <a:ea typeface="+mn-ea"/>
+                <a:cs typeface="+mn-cs"/>
+              </a:rPr>
+              <a:t>Binding to the Sequencing Platform:</a:t>
+            </a:r>
+            <a:r>
+              <a:rPr kumimoji="0" lang="en-US" sz="1600" b="0" i="0" u="none" strike="noStrike" kern="1200" cap="none" spc="0" normalizeH="0" baseline="0" noProof="0" dirty="0">
+                <a:ln>
+                  <a:noFill/>
+                </a:ln>
+                <a:solidFill>
+                  <a:prstClr val="black"/>
+                </a:solidFill>
+                <a:effectLst/>
+                <a:highlight>
+                  <a:srgbClr val="FFFFFF"/>
+                </a:highlight>
+                <a:uLnTx/>
+                <a:uFillTx/>
+                <a:latin typeface="Calibri" panose="020F0502020204030204"/>
+                <a:ea typeface="+mn-ea"/>
+                <a:cs typeface="+mn-cs"/>
+              </a:rPr>
+              <a:t> Adaptors contain sequences that are complementary to the oligonucleotides (oligos) present on the sequencing flow cell. This allows the DNA fragments to attach to the sequencing machine.</a:t>
+            </a:r>
+          </a:p>
+          <a:p>
+            <a:pPr marL="1200150" marR="0" lvl="2" indent="-285750" algn="l" defTabSz="457200" rtl="0" eaLnBrk="1" fontAlgn="auto" latinLnBrk="0" hangingPunct="1">
+              <a:lnSpc>
+                <a:spcPct val="100000"/>
+              </a:lnSpc>
+              <a:spcBef>
+                <a:spcPts val="0"/>
+              </a:spcBef>
+              <a:spcAft>
+                <a:spcPts val="0"/>
+              </a:spcAft>
+              <a:buClrTx/>
+              <a:buSzTx/>
+              <a:buFont typeface="Wingdings" panose="05000000000000000000" pitchFamily="2" charset="2"/>
+              <a:buChar char="ü"/>
+              <a:tabLst/>
+              <a:defRPr/>
+            </a:pPr>
+            <a:r>
+              <a:rPr kumimoji="0" lang="en-US" sz="1600" b="1" i="0" u="none" strike="noStrike" kern="1200" cap="none" spc="0" normalizeH="0" baseline="0" noProof="0" dirty="0">
+                <a:ln>
+                  <a:noFill/>
+                </a:ln>
+                <a:solidFill>
+                  <a:prstClr val="black"/>
+                </a:solidFill>
+                <a:effectLst/>
+                <a:highlight>
+                  <a:srgbClr val="FFFFFF"/>
+                </a:highlight>
+                <a:uLnTx/>
+                <a:uFillTx/>
+                <a:latin typeface="Calibri" panose="020F0502020204030204"/>
+                <a:ea typeface="+mn-ea"/>
+                <a:cs typeface="+mn-cs"/>
+              </a:rPr>
+              <a:t>Priming Sites:</a:t>
+            </a:r>
+            <a:r>
+              <a:rPr kumimoji="0" lang="en-US" sz="1600" b="0" i="0" u="none" strike="noStrike" kern="1200" cap="none" spc="0" normalizeH="0" baseline="0" noProof="0" dirty="0">
+                <a:ln>
+                  <a:noFill/>
+                </a:ln>
+                <a:solidFill>
+                  <a:prstClr val="black"/>
+                </a:solidFill>
+                <a:effectLst/>
+                <a:highlight>
+                  <a:srgbClr val="FFFFFF"/>
+                </a:highlight>
+                <a:uLnTx/>
+                <a:uFillTx/>
+                <a:latin typeface="Calibri" panose="020F0502020204030204"/>
+                <a:ea typeface="+mn-ea"/>
+                <a:cs typeface="+mn-cs"/>
+              </a:rPr>
+              <a:t> They provide priming sites for the sequencing primers, enabling the initiation of the sequencing reaction.</a:t>
+            </a:r>
+          </a:p>
+          <a:p>
+            <a:pPr marL="742950" marR="0" lvl="1" indent="-285750" algn="l" defTabSz="457200" rtl="0" eaLnBrk="1" fontAlgn="auto" latinLnBrk="0" hangingPunct="1">
+              <a:lnSpc>
+                <a:spcPct val="100000"/>
+              </a:lnSpc>
+              <a:spcBef>
+                <a:spcPts val="0"/>
+              </a:spcBef>
+              <a:spcAft>
+                <a:spcPts val="0"/>
+              </a:spcAft>
+              <a:buClrTx/>
+              <a:buSzTx/>
+              <a:buFont typeface="Wingdings" panose="05000000000000000000" pitchFamily="2" charset="2"/>
+              <a:buChar char="Ø"/>
+              <a:tabLst/>
+              <a:defRPr/>
+            </a:pPr>
+            <a:r>
+              <a:rPr kumimoji="0" lang="en-US" sz="1600" b="1" i="0" u="none" strike="noStrike" kern="1200" cap="none" spc="0" normalizeH="0" baseline="0" noProof="0" dirty="0">
+                <a:ln>
+                  <a:noFill/>
+                </a:ln>
+                <a:solidFill>
+                  <a:prstClr val="black"/>
+                </a:solidFill>
+                <a:effectLst/>
+                <a:highlight>
+                  <a:srgbClr val="FFFFFF"/>
+                </a:highlight>
+                <a:uLnTx/>
+                <a:uFillTx/>
+                <a:latin typeface="Calibri" panose="020F0502020204030204"/>
+                <a:ea typeface="+mn-ea"/>
+                <a:cs typeface="+mn-cs"/>
+              </a:rPr>
+              <a:t>Structure:</a:t>
+            </a:r>
+            <a:r>
+              <a:rPr kumimoji="0" lang="en-US" sz="1600" b="0" i="0" u="none" strike="noStrike" kern="1200" cap="none" spc="0" normalizeH="0" baseline="0" noProof="0" dirty="0">
+                <a:ln>
+                  <a:noFill/>
+                </a:ln>
+                <a:solidFill>
+                  <a:prstClr val="black"/>
+                </a:solidFill>
+                <a:effectLst/>
+                <a:highlight>
+                  <a:srgbClr val="FFFFFF"/>
+                </a:highlight>
+                <a:uLnTx/>
+                <a:uFillTx/>
+                <a:latin typeface="Calibri" panose="020F0502020204030204"/>
+                <a:ea typeface="+mn-ea"/>
+                <a:cs typeface="+mn-cs"/>
+              </a:rPr>
+              <a:t> Typically, adaptors have a structure that includes the following components:</a:t>
+            </a:r>
+          </a:p>
+          <a:p>
+            <a:pPr marL="1200150" marR="0" lvl="2" indent="-285750" algn="l" defTabSz="457200" rtl="0" eaLnBrk="1" fontAlgn="auto" latinLnBrk="0" hangingPunct="1">
+              <a:lnSpc>
+                <a:spcPct val="100000"/>
+              </a:lnSpc>
+              <a:spcBef>
+                <a:spcPts val="0"/>
+              </a:spcBef>
+              <a:spcAft>
+                <a:spcPts val="0"/>
+              </a:spcAft>
+              <a:buClrTx/>
+              <a:buSzTx/>
+              <a:buFont typeface="Wingdings" panose="05000000000000000000" pitchFamily="2" charset="2"/>
+              <a:buChar char="ü"/>
+              <a:tabLst/>
+              <a:defRPr/>
+            </a:pPr>
+            <a:r>
+              <a:rPr kumimoji="0" lang="en-US" sz="1600" b="1" i="0" u="none" strike="noStrike" kern="1200" cap="none" spc="0" normalizeH="0" baseline="0" noProof="0" dirty="0">
+                <a:ln>
+                  <a:noFill/>
+                </a:ln>
+                <a:solidFill>
+                  <a:prstClr val="black"/>
+                </a:solidFill>
+                <a:effectLst/>
+                <a:highlight>
+                  <a:srgbClr val="FFFFFF"/>
+                </a:highlight>
+                <a:uLnTx/>
+                <a:uFillTx/>
+                <a:latin typeface="Calibri" panose="020F0502020204030204"/>
+                <a:ea typeface="+mn-ea"/>
+                <a:cs typeface="+mn-cs"/>
+              </a:rPr>
+              <a:t>Binding Region:</a:t>
+            </a:r>
+            <a:r>
+              <a:rPr kumimoji="0" lang="en-US" sz="1600" b="0" i="0" u="none" strike="noStrike" kern="1200" cap="none" spc="0" normalizeH="0" baseline="0" noProof="0" dirty="0">
+                <a:ln>
+                  <a:noFill/>
+                </a:ln>
+                <a:solidFill>
+                  <a:prstClr val="black"/>
+                </a:solidFill>
+                <a:effectLst/>
+                <a:highlight>
+                  <a:srgbClr val="FFFFFF"/>
+                </a:highlight>
+                <a:uLnTx/>
+                <a:uFillTx/>
+                <a:latin typeface="Calibri" panose="020F0502020204030204"/>
+                <a:ea typeface="+mn-ea"/>
+                <a:cs typeface="+mn-cs"/>
+              </a:rPr>
+              <a:t> Sequences that hybridize with the oligos on the flow cell of the sequencing machine.</a:t>
+            </a:r>
+          </a:p>
+          <a:p>
+            <a:pPr marL="1200150" marR="0" lvl="2" indent="-285750" algn="l" defTabSz="457200" rtl="0" eaLnBrk="1" fontAlgn="auto" latinLnBrk="0" hangingPunct="1">
+              <a:lnSpc>
+                <a:spcPct val="100000"/>
+              </a:lnSpc>
+              <a:spcBef>
+                <a:spcPts val="0"/>
+              </a:spcBef>
+              <a:spcAft>
+                <a:spcPts val="0"/>
+              </a:spcAft>
+              <a:buClrTx/>
+              <a:buSzTx/>
+              <a:buFont typeface="Wingdings" panose="05000000000000000000" pitchFamily="2" charset="2"/>
+              <a:buChar char="ü"/>
+              <a:tabLst/>
+              <a:defRPr/>
+            </a:pPr>
+            <a:r>
+              <a:rPr kumimoji="0" lang="en-US" sz="1600" b="1" i="0" u="none" strike="noStrike" kern="1200" cap="none" spc="0" normalizeH="0" baseline="0" noProof="0" dirty="0">
+                <a:ln>
+                  <a:noFill/>
+                </a:ln>
+                <a:solidFill>
+                  <a:prstClr val="black"/>
+                </a:solidFill>
+                <a:effectLst/>
+                <a:highlight>
+                  <a:srgbClr val="FFFFFF"/>
+                </a:highlight>
+                <a:uLnTx/>
+                <a:uFillTx/>
+                <a:latin typeface="Calibri" panose="020F0502020204030204"/>
+                <a:ea typeface="+mn-ea"/>
+                <a:cs typeface="+mn-cs"/>
+              </a:rPr>
+              <a:t>Index or Barcode Region:</a:t>
+            </a:r>
+            <a:r>
+              <a:rPr kumimoji="0" lang="en-US" sz="1600" b="0" i="0" u="none" strike="noStrike" kern="1200" cap="none" spc="0" normalizeH="0" baseline="0" noProof="0" dirty="0">
+                <a:ln>
+                  <a:noFill/>
+                </a:ln>
+                <a:solidFill>
+                  <a:prstClr val="black"/>
+                </a:solidFill>
+                <a:effectLst/>
+                <a:highlight>
+                  <a:srgbClr val="FFFFFF"/>
+                </a:highlight>
+                <a:uLnTx/>
+                <a:uFillTx/>
+                <a:latin typeface="Calibri" panose="020F0502020204030204"/>
+                <a:ea typeface="+mn-ea"/>
+                <a:cs typeface="+mn-cs"/>
+              </a:rPr>
+              <a:t> Unique sequences that differentiate between different samples.</a:t>
+            </a:r>
+          </a:p>
+          <a:p>
+            <a:pPr marL="914400" marR="0" lvl="2" indent="0" algn="l" defTabSz="457200" rtl="0" eaLnBrk="1" fontAlgn="auto" latinLnBrk="0" hangingPunct="1">
+              <a:lnSpc>
+                <a:spcPct val="100000"/>
+              </a:lnSpc>
+              <a:spcBef>
+                <a:spcPts val="0"/>
+              </a:spcBef>
+              <a:spcAft>
+                <a:spcPts val="0"/>
+              </a:spcAft>
+              <a:buClrTx/>
+              <a:buSzTx/>
+              <a:buFontTx/>
+              <a:buNone/>
+              <a:tabLst/>
+              <a:defRPr/>
+            </a:pPr>
+            <a:endParaRPr kumimoji="0" lang="en-US" sz="1600" b="0" i="0" u="none" strike="noStrike" kern="1200" cap="none" spc="0" normalizeH="0" baseline="0" noProof="0" dirty="0">
+              <a:ln>
+                <a:noFill/>
+              </a:ln>
+              <a:solidFill>
+                <a:prstClr val="black"/>
+              </a:solidFill>
+              <a:effectLst/>
+              <a:highlight>
+                <a:srgbClr val="FFFFFF"/>
+              </a:highlight>
+              <a:uLnTx/>
+              <a:uFillTx/>
+              <a:latin typeface="Calibri" panose="020F0502020204030204"/>
+              <a:ea typeface="+mn-ea"/>
+              <a:cs typeface="+mn-cs"/>
+            </a:endParaRPr>
+          </a:p>
+          <a:p>
+            <a:pPr marL="0" marR="0" lvl="0" indent="0" algn="l" defTabSz="457200" rtl="0" eaLnBrk="1" fontAlgn="auto" latinLnBrk="0" hangingPunct="1">
+              <a:lnSpc>
+                <a:spcPct val="100000"/>
+              </a:lnSpc>
+              <a:spcBef>
+                <a:spcPts val="0"/>
+              </a:spcBef>
+              <a:spcAft>
+                <a:spcPts val="0"/>
+              </a:spcAft>
+              <a:buClrTx/>
+              <a:buSzTx/>
+              <a:buFontTx/>
+              <a:buNone/>
+              <a:tabLst/>
+              <a:defRPr/>
+            </a:pPr>
+            <a:r>
+              <a:rPr kumimoji="0" lang="en-US" sz="1600" b="0" i="0" u="none" strike="noStrike" kern="1200" cap="none" spc="0" normalizeH="0" baseline="0" noProof="0" dirty="0">
+                <a:ln>
+                  <a:noFill/>
+                </a:ln>
+                <a:solidFill>
+                  <a:prstClr val="black"/>
+                </a:solidFill>
+                <a:effectLst/>
+                <a:highlight>
+                  <a:srgbClr val="FFFFFF"/>
+                </a:highlight>
+                <a:uLnTx/>
+                <a:uFillTx/>
+                <a:latin typeface="Calibri" panose="020F0502020204030204"/>
+                <a:ea typeface="+mn-ea"/>
+                <a:cs typeface="+mn-cs"/>
+              </a:rPr>
+              <a:t>In DNA sequencing, multiplexing puts DNA fragments from different samples together for sequencing, and de-multiplexing sorts out the sequenced DNA reads back into their original samples for analysis. Index or barcodes are used for multiplexing and de-multiplexing.</a:t>
+            </a:r>
+          </a:p>
+        </p:txBody>
+      </p:sp>
+      <p:grpSp>
+        <p:nvGrpSpPr>
+          <p:cNvPr id="14" name="Group 13">
+            <a:extLst>
+              <a:ext uri="{FF2B5EF4-FFF2-40B4-BE49-F238E27FC236}">
+                <a16:creationId xmlns:a16="http://schemas.microsoft.com/office/drawing/2014/main" id="{1FD67D68-9B83-C338-8342-3348D8F22347}"/>
+              </a:ext>
+              <a:ext uri="{C183D7F6-B498-43B3-948B-1728B52AA6E4}">
+                <adec:decorative xmlns:adec="http://schemas.microsoft.com/office/drawing/2017/decorative" val="1"/>
+              </a:ext>
+            </a:extLst>
+          </p:cNvPr>
+          <p:cNvGrpSpPr>
+            <a:grpSpLocks noGrp="1" noUngrp="1" noRot="1" noChangeAspect="1" noMove="1" noResize="1"/>
+          </p:cNvGrpSpPr>
+          <p:nvPr>
+            <p:extLst>
+              <p:ext uri="{386F3935-93C4-4BCD-93E2-E3B085C9AB24}">
+                <p16:designElem xmlns:p16="http://schemas.microsoft.com/office/powerpoint/2015/main" val="1"/>
+              </p:ext>
+            </p:extLst>
+          </p:nvPr>
+        </p:nvGrpSpPr>
+        <p:grpSpPr>
+          <a:xfrm>
+            <a:off x="-5025" y="6737718"/>
+            <a:ext cx="12207200" cy="123363"/>
+            <a:chOff x="-5025" y="6737718"/>
+            <a:chExt cx="12207200" cy="123363"/>
+          </a:xfrm>
+        </p:grpSpPr>
+        <p:sp>
+          <p:nvSpPr>
+            <p:cNvPr id="15" name="Rectangle 14">
+              <a:extLst>
+                <a:ext uri="{FF2B5EF4-FFF2-40B4-BE49-F238E27FC236}">
+                  <a16:creationId xmlns:a16="http://schemas.microsoft.com/office/drawing/2014/main" id="{1E397F34-6B84-0D3B-0F29-B1D134B3B885}"/>
+                </a:ext>
+                <a:ext uri="{C183D7F6-B498-43B3-948B-1728B52AA6E4}">
+                  <adec:decorative xmlns:adec="http://schemas.microsoft.com/office/drawing/2017/decorative" val="1"/>
+                </a:ext>
+              </a:extLst>
+            </p:cNvPr>
+            <p:cNvSpPr/>
+            <p:nvPr>
+              <p:extLst>
+                <p:ext uri="{386F3935-93C4-4BCD-93E2-E3B085C9AB24}">
+                  <p16:designElem xmlns:p16="http://schemas.microsoft.com/office/powerpoint/2015/main" val="1"/>
+                </p:ext>
+              </p:extLst>
+            </p:nvPr>
+          </p:nvSpPr>
+          <p:spPr>
+            <a:xfrm rot="5400000" flipH="1">
+              <a:off x="6036894" y="695800"/>
+              <a:ext cx="123362" cy="12207199"/>
+            </a:xfrm>
+            <a:prstGeom prst="rect">
+              <a:avLst/>
+            </a:prstGeom>
+            <a:gradFill>
+              <a:gsLst>
+                <a:gs pos="0">
+                  <a:schemeClr val="accent5"/>
+                </a:gs>
+                <a:gs pos="100000">
+                  <a:schemeClr val="accent2"/>
+                </a:gs>
+              </a:gsLst>
+              <a:lin ang="1800000" scaled="0"/>
+            </a:gradFill>
+            <a:ln>
+              <a:noFill/>
+            </a:ln>
+          </p:spPr>
+          <p:style>
+            <a:lnRef idx="2">
+              <a:schemeClr val="accent1">
+                <a:shade val="50000"/>
+              </a:schemeClr>
+            </a:lnRef>
+            <a:fillRef idx="1">
+              <a:schemeClr val="accent1"/>
+            </a:fillRef>
+            <a:effectRef idx="0">
+              <a:schemeClr val="accent1"/>
+            </a:effectRef>
+            <a:fontRef idx="minor">
+              <a:schemeClr val="lt1"/>
+            </a:fontRef>
+          </p:style>
+          <p:txBody>
+            <a:bodyPr rtlCol="0" anchor="ctr"/>
+            <a:lstStyle/>
+            <a:p>
+              <a:pPr marL="0" marR="0" lvl="0" indent="0" algn="ctr" defTabSz="457200" rtl="0" eaLnBrk="1" fontAlgn="auto" latinLnBrk="0" hangingPunct="1">
+                <a:lnSpc>
+                  <a:spcPct val="100000"/>
+                </a:lnSpc>
+                <a:spcBef>
+                  <a:spcPts val="0"/>
+                </a:spcBef>
+                <a:spcAft>
+                  <a:spcPts val="0"/>
+                </a:spcAft>
+                <a:buClrTx/>
+                <a:buSzTx/>
+                <a:buFontTx/>
+                <a:buNone/>
+                <a:tabLst/>
+                <a:defRPr/>
+              </a:pPr>
+              <a:endParaRPr kumimoji="0" lang="en-US" sz="1800" b="0" i="0" u="none" strike="noStrike" kern="1200" cap="none" spc="0" normalizeH="0" baseline="0" noProof="0">
+                <a:ln>
+                  <a:noFill/>
+                </a:ln>
+                <a:solidFill>
+                  <a:prstClr val="white"/>
+                </a:solidFill>
+                <a:effectLst/>
+                <a:uLnTx/>
+                <a:uFillTx/>
+                <a:latin typeface="Calibri" panose="020F0502020204030204"/>
+                <a:ea typeface="+mn-ea"/>
+                <a:cs typeface="+mn-cs"/>
+              </a:endParaRPr>
+            </a:p>
+          </p:txBody>
+        </p:sp>
+        <p:sp>
+          <p:nvSpPr>
+            <p:cNvPr id="16" name="Rectangle 15">
+              <a:extLst>
+                <a:ext uri="{FF2B5EF4-FFF2-40B4-BE49-F238E27FC236}">
+                  <a16:creationId xmlns:a16="http://schemas.microsoft.com/office/drawing/2014/main" id="{9BD98075-BFC1-BE9C-7FB7-23FE55E43393}"/>
+                </a:ext>
+                <a:ext uri="{C183D7F6-B498-43B3-948B-1728B52AA6E4}">
+                  <adec:decorative xmlns:adec="http://schemas.microsoft.com/office/drawing/2017/decorative" val="1"/>
+                </a:ext>
+              </a:extLst>
+            </p:cNvPr>
+            <p:cNvSpPr/>
+            <p:nvPr>
+              <p:extLst>
+                <p:ext uri="{386F3935-93C4-4BCD-93E2-E3B085C9AB24}">
+                  <p16:designElem xmlns:p16="http://schemas.microsoft.com/office/powerpoint/2015/main" val="1"/>
+                </p:ext>
+              </p:extLst>
+            </p:nvPr>
+          </p:nvSpPr>
+          <p:spPr>
+            <a:xfrm rot="16200000">
+              <a:off x="9176406" y="3835311"/>
+              <a:ext cx="123362" cy="5928176"/>
+            </a:xfrm>
+            <a:prstGeom prst="rect">
+              <a:avLst/>
+            </a:prstGeom>
+            <a:gradFill>
+              <a:gsLst>
+                <a:gs pos="19000">
+                  <a:schemeClr val="accent5">
+                    <a:alpha val="0"/>
+                  </a:schemeClr>
+                </a:gs>
+                <a:gs pos="100000">
+                  <a:schemeClr val="accent5">
+                    <a:lumMod val="60000"/>
+                    <a:lumOff val="40000"/>
+                  </a:schemeClr>
+                </a:gs>
+              </a:gsLst>
+              <a:lin ang="600000" scaled="0"/>
+            </a:gradFill>
+            <a:ln>
+              <a:noFill/>
+            </a:ln>
+          </p:spPr>
+          <p:style>
+            <a:lnRef idx="2">
+              <a:schemeClr val="accent1">
+                <a:shade val="50000"/>
+              </a:schemeClr>
+            </a:lnRef>
+            <a:fillRef idx="1">
+              <a:schemeClr val="accent1"/>
+            </a:fillRef>
+            <a:effectRef idx="0">
+              <a:schemeClr val="accent1"/>
+            </a:effectRef>
+            <a:fontRef idx="minor">
+              <a:schemeClr val="lt1"/>
+            </a:fontRef>
+          </p:style>
+          <p:txBody>
+            <a:bodyPr rtlCol="0" anchor="ctr"/>
+            <a:lstStyle/>
+            <a:p>
+              <a:pPr marL="0" marR="0" lvl="0" indent="0" algn="ctr" defTabSz="457200" rtl="0" eaLnBrk="1" fontAlgn="auto" latinLnBrk="0" hangingPunct="1">
+                <a:lnSpc>
+                  <a:spcPct val="100000"/>
+                </a:lnSpc>
+                <a:spcBef>
+                  <a:spcPts val="0"/>
+                </a:spcBef>
+                <a:spcAft>
+                  <a:spcPts val="0"/>
+                </a:spcAft>
+                <a:buClrTx/>
+                <a:buSzTx/>
+                <a:buFontTx/>
+                <a:buNone/>
+                <a:tabLst/>
+                <a:defRPr/>
+              </a:pPr>
+              <a:endParaRPr kumimoji="0" lang="en-US" sz="1800" b="0" i="0" u="none" strike="noStrike" kern="1200" cap="none" spc="0" normalizeH="0" baseline="0" noProof="0">
+                <a:ln>
+                  <a:noFill/>
+                </a:ln>
+                <a:solidFill>
+                  <a:prstClr val="white"/>
+                </a:solidFill>
+                <a:effectLst/>
+                <a:uLnTx/>
+                <a:uFillTx/>
+                <a:latin typeface="Calibri" panose="020F0502020204030204"/>
+                <a:ea typeface="+mn-ea"/>
+                <a:cs typeface="+mn-cs"/>
+              </a:endParaRPr>
+            </a:p>
+          </p:txBody>
+        </p:sp>
+      </p:grpSp>
+      <p:grpSp>
+        <p:nvGrpSpPr>
+          <p:cNvPr id="7" name="Group 6">
+            <a:extLst>
+              <a:ext uri="{FF2B5EF4-FFF2-40B4-BE49-F238E27FC236}">
+                <a16:creationId xmlns:a16="http://schemas.microsoft.com/office/drawing/2014/main" id="{E3C1E11E-9DD6-1B24-4D04-5B28040A16DC}"/>
+              </a:ext>
+            </a:extLst>
+          </p:cNvPr>
+          <p:cNvGrpSpPr>
+            <a:grpSpLocks noChangeAspect="1"/>
+          </p:cNvGrpSpPr>
+          <p:nvPr/>
+        </p:nvGrpSpPr>
+        <p:grpSpPr>
+          <a:xfrm>
+            <a:off x="2036077" y="4126411"/>
+            <a:ext cx="8119846" cy="2468880"/>
+            <a:chOff x="3060192" y="4823817"/>
+            <a:chExt cx="6315455" cy="1990702"/>
+          </a:xfrm>
+        </p:grpSpPr>
+        <p:pic>
+          <p:nvPicPr>
+            <p:cNvPr id="4" name="Picture 3">
+              <a:extLst>
+                <a:ext uri="{FF2B5EF4-FFF2-40B4-BE49-F238E27FC236}">
+                  <a16:creationId xmlns:a16="http://schemas.microsoft.com/office/drawing/2014/main" id="{8A6072A4-2627-FB9A-585C-0864CEDA111F}"/>
+                </a:ext>
+              </a:extLst>
+            </p:cNvPr>
+            <p:cNvPicPr>
+              <a:picLocks noChangeAspect="1"/>
+            </p:cNvPicPr>
+            <p:nvPr/>
+          </p:nvPicPr>
+          <p:blipFill>
+            <a:blip r:embed="rId2"/>
+            <a:stretch>
+              <a:fillRect/>
+            </a:stretch>
+          </p:blipFill>
+          <p:spPr>
+            <a:xfrm>
+              <a:off x="3910233" y="5260039"/>
+              <a:ext cx="4826880" cy="1554480"/>
+            </a:xfrm>
+            <a:prstGeom prst="rect">
+              <a:avLst/>
+            </a:prstGeom>
+          </p:spPr>
+        </p:pic>
+        <p:pic>
+          <p:nvPicPr>
+            <p:cNvPr id="6" name="Picture 5">
+              <a:extLst>
+                <a:ext uri="{FF2B5EF4-FFF2-40B4-BE49-F238E27FC236}">
+                  <a16:creationId xmlns:a16="http://schemas.microsoft.com/office/drawing/2014/main" id="{47A5729A-0D07-ACD2-1EBD-82830B2E8DB6}"/>
+                </a:ext>
+              </a:extLst>
+            </p:cNvPr>
+            <p:cNvPicPr>
+              <a:picLocks noChangeAspect="1"/>
+            </p:cNvPicPr>
+            <p:nvPr/>
+          </p:nvPicPr>
+          <p:blipFill>
+            <a:blip r:embed="rId3"/>
+            <a:stretch>
+              <a:fillRect/>
+            </a:stretch>
+          </p:blipFill>
+          <p:spPr>
+            <a:xfrm>
+              <a:off x="3060192" y="4823817"/>
+              <a:ext cx="6315455" cy="457200"/>
+            </a:xfrm>
+            <a:prstGeom prst="rect">
+              <a:avLst/>
+            </a:prstGeom>
+          </p:spPr>
+        </p:pic>
+      </p:grpSp>
+    </p:spTree>
+    <p:extLst>
+      <p:ext uri="{BB962C8B-B14F-4D97-AF65-F5344CB8AC3E}">
+        <p14:creationId xmlns:p14="http://schemas.microsoft.com/office/powerpoint/2010/main" val="3833381944"/>
+      </p:ext>
+    </p:extLst>
+  </p:cSld>
+  <p:clrMapOvr>
+    <a:masterClrMapping/>
+  </p:clrMapOvr>
+</p:sld>
+</file>
+
+<file path=ppt/slides/slide8.xml><?xml version="1.0" encoding="utf-8"?>
+<p:sld xmlns:a="http://schemas.openxmlformats.org/drawingml/2006/main" xmlns:r="http://schemas.openxmlformats.org/officeDocument/2006/relationships" xmlns:p="http://schemas.openxmlformats.org/presentationml/2006/main">
+  <p:cSld>
+    <p:bg>
+      <p:bgPr>
+        <a:solidFill>
+          <a:schemeClr val="bg1"/>
+        </a:solidFill>
+        <a:effectLst/>
+      </p:bgPr>
+    </p:bg>
+    <p:spTree>
+      <p:nvGrpSpPr>
+        <p:cNvPr id="1" name=""/>
+        <p:cNvGrpSpPr/>
+        <p:nvPr/>
+      </p:nvGrpSpPr>
+      <p:grpSpPr>
+        <a:xfrm>
+          <a:off x="0" y="0"/>
+          <a:ext cx="0" cy="0"/>
+          <a:chOff x="0" y="0"/>
+          <a:chExt cx="0" cy="0"/>
+        </a:xfrm>
+      </p:grpSpPr>
       <p:sp useBgFill="1">
         <p:nvSpPr>
           <p:cNvPr id="9" name="Rectangle 8">
@@ -28608,7 +32996,7 @@
 </p:sld>
 </file>
 
-<file path=ppt/slides/slide8.xml><?xml version="1.0" encoding="utf-8"?>
+<file path=ppt/slides/slide9.xml><?xml version="1.0" encoding="utf-8"?>
 <p:sld xmlns:a="http://schemas.openxmlformats.org/drawingml/2006/main" xmlns:r="http://schemas.openxmlformats.org/officeDocument/2006/relationships" xmlns:p="http://schemas.openxmlformats.org/presentationml/2006/main">
   <p:cSld>
     <p:bg>
@@ -28977,286 +33365,6 @@
 </p:sld>
 </file>
 
-<file path=ppt/slides/slide9.xml><?xml version="1.0" encoding="utf-8"?>
-<p:sld xmlns:a="http://schemas.openxmlformats.org/drawingml/2006/main" xmlns:r="http://schemas.openxmlformats.org/officeDocument/2006/relationships" xmlns:p="http://schemas.openxmlformats.org/presentationml/2006/main">
-  <p:cSld>
-    <p:bg>
-      <p:bgPr>
-        <a:blipFill>
-          <a:blip r:embed="rId2"/>
-          <a:stretch/>
-        </a:blipFill>
-        <a:effectLst/>
-      </p:bgPr>
-    </p:bg>
-    <p:spTree>
-      <p:nvGrpSpPr>
-        <p:cNvPr id="1" name=""/>
-        <p:cNvGrpSpPr/>
-        <p:nvPr/>
-      </p:nvGrpSpPr>
-      <p:grpSpPr>
-        <a:xfrm>
-          <a:off x="0" y="0"/>
-          <a:ext cx="0" cy="0"/>
-          <a:chOff x="0" y="0"/>
-          <a:chExt cx="0" cy="0"/>
-        </a:xfrm>
-      </p:grpSpPr>
-      <p:sp>
-        <p:nvSpPr>
-          <p:cNvPr id="2" name="Title 1">
-            <a:extLst>
-              <a:ext uri="{FF2B5EF4-FFF2-40B4-BE49-F238E27FC236}">
-                <a16:creationId xmlns:a16="http://schemas.microsoft.com/office/drawing/2014/main" id="{817CFE8C-8D83-2DCD-2707-4F015385C2EA}"/>
-              </a:ext>
-            </a:extLst>
-          </p:cNvPr>
-          <p:cNvSpPr>
-            <a:spLocks noGrp="1"/>
-          </p:cNvSpPr>
-          <p:nvPr>
-            <p:ph type="title"/>
-          </p:nvPr>
-        </p:nvSpPr>
-        <p:spPr>
-          <a:xfrm>
-            <a:off x="685802" y="609600"/>
-            <a:ext cx="6282266" cy="1456267"/>
-          </a:xfrm>
-        </p:spPr>
-        <p:txBody>
-          <a:bodyPr>
-            <a:normAutofit/>
-          </a:bodyPr>
-          <a:lstStyle/>
-          <a:p>
-            <a:r>
-              <a:rPr lang="en-US" b="1" dirty="0"/>
-              <a:t>Post-trimming Quality Check</a:t>
-            </a:r>
-            <a:br>
-              <a:rPr lang="en-US" b="1" dirty="0"/>
-            </a:br>
-            <a:endParaRPr lang="en-US" dirty="0"/>
-          </a:p>
-        </p:txBody>
-      </p:sp>
-      <p:sp>
-        <p:nvSpPr>
-          <p:cNvPr id="3" name="Content Placeholder 2">
-            <a:extLst>
-              <a:ext uri="{FF2B5EF4-FFF2-40B4-BE49-F238E27FC236}">
-                <a16:creationId xmlns:a16="http://schemas.microsoft.com/office/drawing/2014/main" id="{F8468B65-639C-BAEC-D10D-BC6FAA994DE9}"/>
-              </a:ext>
-            </a:extLst>
-          </p:cNvPr>
-          <p:cNvSpPr>
-            <a:spLocks noGrp="1"/>
-          </p:cNvSpPr>
-          <p:nvPr>
-            <p:ph idx="1"/>
-          </p:nvPr>
-        </p:nvSpPr>
-        <p:spPr>
-          <a:xfrm>
-            <a:off x="685802" y="2142067"/>
-            <a:ext cx="6282266" cy="3649133"/>
-          </a:xfrm>
-        </p:spPr>
-        <p:txBody>
-          <a:bodyPr>
-            <a:normAutofit/>
-          </a:bodyPr>
-          <a:lstStyle/>
-          <a:p>
-            <a:pPr marL="0" indent="0">
-              <a:buNone/>
-            </a:pPr>
-            <a:br>
-              <a:rPr lang="en-US" sz="1700" dirty="0"/>
-            </a:br>
-            <a:r>
-              <a:rPr lang="en-US" sz="1700" b="1" dirty="0"/>
-              <a:t>Re-run </a:t>
-            </a:r>
-            <a:r>
-              <a:rPr lang="en-US" sz="1700" b="1" dirty="0" err="1"/>
-              <a:t>FastQC</a:t>
-            </a:r>
-            <a:r>
-              <a:rPr lang="en-US" sz="1700" b="1" dirty="0"/>
-              <a:t>:</a:t>
-            </a:r>
-            <a:r>
-              <a:rPr lang="en-US" sz="1700" dirty="0"/>
-              <a:t> After cleaning, it’s good practice to run </a:t>
-            </a:r>
-            <a:r>
-              <a:rPr lang="en-US" sz="1700" dirty="0" err="1"/>
-              <a:t>FastQC</a:t>
-            </a:r>
-            <a:r>
-              <a:rPr lang="en-US" sz="1700" dirty="0"/>
-              <a:t> on your trimmed files to verify improvements. You may notice reads are shorter now  but with a better quality. This is expected because low-quality ends and adapter sequences were removed. </a:t>
-            </a:r>
-            <a:r>
-              <a:rPr lang="en-US" sz="1700" dirty="0" err="1"/>
-              <a:t>FastQC</a:t>
-            </a:r>
-            <a:r>
-              <a:rPr lang="en-US" sz="1700" dirty="0"/>
-              <a:t> might flag “</a:t>
-            </a:r>
-            <a:r>
-              <a:rPr lang="en-US" sz="1700" b="1" dirty="0"/>
-              <a:t>Sequence Length</a:t>
-            </a:r>
-            <a:r>
-              <a:rPr lang="en-US" sz="1700" dirty="0"/>
-              <a:t>” as varying (a warning) – that’s normal after trimming.</a:t>
-            </a:r>
-          </a:p>
-          <a:p>
-            <a:pPr marL="0" indent="0">
-              <a:buNone/>
-            </a:pPr>
-            <a:r>
-              <a:rPr lang="en-US" sz="1700" dirty="0">
-                <a:hlinkClick r:id="rId3"/>
-              </a:rPr>
-              <a:t>Sometimes all you need is to cut adapters</a:t>
-            </a:r>
-            <a:endParaRPr lang="en-US" sz="1700" dirty="0"/>
-          </a:p>
-          <a:p>
-            <a:pPr marL="0" indent="0">
-              <a:buNone/>
-            </a:pPr>
-            <a:br>
-              <a:rPr lang="en-US" sz="1700" dirty="0"/>
-            </a:br>
-            <a:r>
-              <a:rPr lang="en-US" sz="1700" b="1" dirty="0"/>
-              <a:t>Re-run </a:t>
-            </a:r>
-            <a:r>
-              <a:rPr lang="en-US" sz="1700" b="1" dirty="0" err="1"/>
-              <a:t>MultiQC</a:t>
-            </a:r>
-            <a:r>
-              <a:rPr lang="en-US" sz="1700" b="1" dirty="0"/>
-              <a:t>:</a:t>
-            </a:r>
-            <a:r>
-              <a:rPr lang="en-US" sz="1700" dirty="0"/>
-              <a:t> If you processed many samples, generate a new </a:t>
-            </a:r>
-            <a:r>
-              <a:rPr lang="en-US" sz="1700" dirty="0" err="1"/>
-              <a:t>MultiQC</a:t>
-            </a:r>
-            <a:r>
-              <a:rPr lang="en-US" sz="1700" dirty="0"/>
-              <a:t> report on the trimmed </a:t>
-            </a:r>
-            <a:r>
-              <a:rPr lang="en-US" sz="1700" dirty="0" err="1"/>
-              <a:t>FastQC</a:t>
-            </a:r>
-            <a:r>
-              <a:rPr lang="en-US" sz="1700" dirty="0"/>
-              <a:t> outputs. This will let you confirm all samples improved and identify any that still have issues. </a:t>
-            </a:r>
-          </a:p>
-          <a:p>
-            <a:pPr marL="0" indent="0">
-              <a:buNone/>
-            </a:pPr>
-            <a:endParaRPr lang="en-US" sz="1700" dirty="0"/>
-          </a:p>
-        </p:txBody>
-      </p:sp>
-      <p:pic>
-        <p:nvPicPr>
-          <p:cNvPr id="7" name="Graphic 6" descr="Mop and bucket">
-            <a:extLst>
-              <a:ext uri="{FF2B5EF4-FFF2-40B4-BE49-F238E27FC236}">
-                <a16:creationId xmlns:a16="http://schemas.microsoft.com/office/drawing/2014/main" id="{8ABB82F9-7DDE-5FCD-82DC-38856E1B419E}"/>
-              </a:ext>
-            </a:extLst>
-          </p:cNvPr>
-          <p:cNvPicPr>
-            <a:picLocks noChangeAspect="1"/>
-          </p:cNvPicPr>
-          <p:nvPr/>
-        </p:nvPicPr>
-        <p:blipFill>
-          <a:blip r:embed="rId4">
-            <a:extLst>
-              <a:ext uri="{28A0092B-C50C-407E-A947-70E740481C1C}">
-                <a14:useLocalDpi xmlns:a14="http://schemas.microsoft.com/office/drawing/2010/main" val="0"/>
-              </a:ext>
-              <a:ext uri="{96DAC541-7B7A-43D3-8B79-37D633B846F1}">
-                <asvg:svgBlip xmlns:asvg="http://schemas.microsoft.com/office/drawing/2016/SVG/main" r:embed="rId5"/>
-              </a:ext>
-            </a:extLst>
-          </a:blip>
-          <a:stretch>
-            <a:fillRect/>
-          </a:stretch>
-        </p:blipFill>
-        <p:spPr>
-          <a:xfrm>
-            <a:off x="7590936" y="1668042"/>
-            <a:ext cx="3445714" cy="3445714"/>
-          </a:xfrm>
-          <a:prstGeom prst="roundRect">
-            <a:avLst>
-              <a:gd name="adj" fmla="val 4380"/>
-            </a:avLst>
-          </a:prstGeom>
-          <a:ln w="50800" cap="sq" cmpd="dbl">
-            <a:gradFill flip="none" rotWithShape="1">
-              <a:gsLst>
-                <a:gs pos="0">
-                  <a:srgbClr val="FFFFFF"/>
-                </a:gs>
-                <a:gs pos="100000">
-                  <a:schemeClr val="tx1">
-                    <a:alpha val="0"/>
-                  </a:schemeClr>
-                </a:gs>
-              </a:gsLst>
-              <a:path path="circle">
-                <a:fillToRect l="50000" t="50000" r="50000" b="50000"/>
-              </a:path>
-              <a:tileRect/>
-            </a:gradFill>
-            <a:miter lim="800000"/>
-          </a:ln>
-          <a:effectLst>
-            <a:outerShdw blurRad="254000" algn="tl" rotWithShape="0">
-              <a:srgbClr val="000000">
-                <a:alpha val="43000"/>
-              </a:srgbClr>
-            </a:outerShdw>
-          </a:effectLst>
-        </p:spPr>
-      </p:pic>
-    </p:spTree>
-    <p:extLst>
-      <p:ext uri="{BB962C8B-B14F-4D97-AF65-F5344CB8AC3E}">
-        <p14:creationId xmlns:p14="http://schemas.microsoft.com/office/powerpoint/2010/main" val="3530764645"/>
-      </p:ext>
-    </p:extLst>
-  </p:cSld>
-  <p:clrMapOvr>
-    <a:masterClrMapping/>
-  </p:clrMapOvr>
-</p:sld>
-</file>
-
 <file path=ppt/theme/theme1.xml><?xml version="1.0" encoding="utf-8"?>
 <a:theme xmlns:a="http://schemas.openxmlformats.org/drawingml/2006/main" name="Celestial">
   <a:themeElements>
@@ -29507,6 +33615,301 @@
 </file>
 
 <file path=ppt/theme/theme2.xml><?xml version="1.0" encoding="utf-8"?>
+<a:theme xmlns:a="http://schemas.openxmlformats.org/drawingml/2006/main" name="2_Office Theme">
+  <a:themeElements>
+    <a:clrScheme name="Office">
+      <a:dk1>
+        <a:sysClr val="windowText" lastClr="000000"/>
+      </a:dk1>
+      <a:lt1>
+        <a:sysClr val="window" lastClr="FFFFFF"/>
+      </a:lt1>
+      <a:dk2>
+        <a:srgbClr val="44546A"/>
+      </a:dk2>
+      <a:lt2>
+        <a:srgbClr val="E7E6E6"/>
+      </a:lt2>
+      <a:accent1>
+        <a:srgbClr val="4472C4"/>
+      </a:accent1>
+      <a:accent2>
+        <a:srgbClr val="ED7D31"/>
+      </a:accent2>
+      <a:accent3>
+        <a:srgbClr val="A5A5A5"/>
+      </a:accent3>
+      <a:accent4>
+        <a:srgbClr val="FFC000"/>
+      </a:accent4>
+      <a:accent5>
+        <a:srgbClr val="5B9BD5"/>
+      </a:accent5>
+      <a:accent6>
+        <a:srgbClr val="70AD47"/>
+      </a:accent6>
+      <a:hlink>
+        <a:srgbClr val="0563C1"/>
+      </a:hlink>
+      <a:folHlink>
+        <a:srgbClr val="954F72"/>
+      </a:folHlink>
+    </a:clrScheme>
+    <a:fontScheme name="Office">
+      <a:majorFont>
+        <a:latin typeface="Calibri Light" panose="020F0302020204030204"/>
+        <a:ea typeface=""/>
+        <a:cs typeface=""/>
+        <a:font script="Jpan" typeface="游ゴシック Light"/>
+        <a:font script="Hang" typeface="맑은 고딕"/>
+        <a:font script="Hans" typeface="等线 Light"/>
+        <a:font script="Hant" typeface="新細明體"/>
+        <a:font script="Arab" typeface="Times New Roman"/>
+        <a:font script="Hebr" typeface="Times New Roman"/>
+        <a:font script="Thai" typeface="Angsana New"/>
+        <a:font script="Ethi" typeface="Nyala"/>
+        <a:font script="Beng" typeface="Vrinda"/>
+        <a:font script="Gujr" typeface="Shruti"/>
+        <a:font script="Khmr" typeface="MoolBoran"/>
+        <a:font script="Knda" typeface="Tunga"/>
+        <a:font script="Guru" typeface="Raavi"/>
+        <a:font script="Cans" typeface="Euphemia"/>
+        <a:font script="Cher" typeface="Plantagenet Cherokee"/>
+        <a:font script="Yiii" typeface="Microsoft Yi Baiti"/>
+        <a:font script="Tibt" typeface="Microsoft Himalaya"/>
+        <a:font script="Thaa" typeface="MV Boli"/>
+        <a:font script="Deva" typeface="Mangal"/>
+        <a:font script="Telu" typeface="Gautami"/>
+        <a:font script="Taml" typeface="Latha"/>
+        <a:font script="Syrc" typeface="Estrangelo Edessa"/>
+        <a:font script="Orya" typeface="Kalinga"/>
+        <a:font script="Mlym" typeface="Kartika"/>
+        <a:font script="Laoo" typeface="DokChampa"/>
+        <a:font script="Sinh" typeface="Iskoola Pota"/>
+        <a:font script="Mong" typeface="Mongolian Baiti"/>
+        <a:font script="Viet" typeface="Times New Roman"/>
+        <a:font script="Uigh" typeface="Microsoft Uighur"/>
+        <a:font script="Geor" typeface="Sylfaen"/>
+        <a:font script="Armn" typeface="Arial"/>
+        <a:font script="Bugi" typeface="Leelawadee UI"/>
+        <a:font script="Bopo" typeface="Microsoft JhengHei"/>
+        <a:font script="Java" typeface="Javanese Text"/>
+        <a:font script="Lisu" typeface="Segoe UI"/>
+        <a:font script="Mymr" typeface="Myanmar Text"/>
+        <a:font script="Nkoo" typeface="Ebrima"/>
+        <a:font script="Olck" typeface="Nirmala UI"/>
+        <a:font script="Osma" typeface="Ebrima"/>
+        <a:font script="Phag" typeface="Phagspa"/>
+        <a:font script="Syrn" typeface="Estrangelo Edessa"/>
+        <a:font script="Syrj" typeface="Estrangelo Edessa"/>
+        <a:font script="Syre" typeface="Estrangelo Edessa"/>
+        <a:font script="Sora" typeface="Nirmala UI"/>
+        <a:font script="Tale" typeface="Microsoft Tai Le"/>
+        <a:font script="Talu" typeface="Microsoft New Tai Lue"/>
+        <a:font script="Tfng" typeface="Ebrima"/>
+      </a:majorFont>
+      <a:minorFont>
+        <a:latin typeface="Calibri" panose="020F0502020204030204"/>
+        <a:ea typeface=""/>
+        <a:cs typeface=""/>
+        <a:font script="Jpan" typeface="游ゴシック"/>
+        <a:font script="Hang" typeface="맑은 고딕"/>
+        <a:font script="Hans" typeface="等线"/>
+        <a:font script="Hant" typeface="新細明體"/>
+        <a:font script="Arab" typeface="Arial"/>
+        <a:font script="Hebr" typeface="Arial"/>
+        <a:font script="Thai" typeface="Cordia New"/>
+        <a:font script="Ethi" typeface="Nyala"/>
+        <a:font script="Beng" typeface="Vrinda"/>
+        <a:font script="Gujr" typeface="Shruti"/>
+        <a:font script="Khmr" typeface="DaunPenh"/>
+        <a:font script="Knda" typeface="Tunga"/>
+        <a:font script="Guru" typeface="Raavi"/>
+        <a:font script="Cans" typeface="Euphemia"/>
+        <a:font script="Cher" typeface="Plantagenet Cherokee"/>
+        <a:font script="Yiii" typeface="Microsoft Yi Baiti"/>
+        <a:font script="Tibt" typeface="Microsoft Himalaya"/>
+        <a:font script="Thaa" typeface="MV Boli"/>
+        <a:font script="Deva" typeface="Mangal"/>
+        <a:font script="Telu" typeface="Gautami"/>
+        <a:font script="Taml" typeface="Latha"/>
+        <a:font script="Syrc" typeface="Estrangelo Edessa"/>
+        <a:font script="Orya" typeface="Kalinga"/>
+        <a:font script="Mlym" typeface="Kartika"/>
+        <a:font script="Laoo" typeface="DokChampa"/>
+        <a:font script="Sinh" typeface="Iskoola Pota"/>
+        <a:font script="Mong" typeface="Mongolian Baiti"/>
+        <a:font script="Viet" typeface="Arial"/>
+        <a:font script="Uigh" typeface="Microsoft Uighur"/>
+        <a:font script="Geor" typeface="Sylfaen"/>
+        <a:font script="Armn" typeface="Arial"/>
+        <a:font script="Bugi" typeface="Leelawadee UI"/>
+        <a:font script="Bopo" typeface="Microsoft JhengHei"/>
+        <a:font script="Java" typeface="Javanese Text"/>
+        <a:font script="Lisu" typeface="Segoe UI"/>
+        <a:font script="Mymr" typeface="Myanmar Text"/>
+        <a:font script="Nkoo" typeface="Ebrima"/>
+        <a:font script="Olck" typeface="Nirmala UI"/>
+        <a:font script="Osma" typeface="Ebrima"/>
+        <a:font script="Phag" typeface="Phagspa"/>
+        <a:font script="Syrn" typeface="Estrangelo Edessa"/>
+        <a:font script="Syrj" typeface="Estrangelo Edessa"/>
+        <a:font script="Syre" typeface="Estrangelo Edessa"/>
+        <a:font script="Sora" typeface="Nirmala UI"/>
+        <a:font script="Tale" typeface="Microsoft Tai Le"/>
+        <a:font script="Talu" typeface="Microsoft New Tai Lue"/>
+        <a:font script="Tfng" typeface="Ebrima"/>
+      </a:minorFont>
+    </a:fontScheme>
+    <a:fmtScheme name="Office">
+      <a:fillStyleLst>
+        <a:solidFill>
+          <a:schemeClr val="phClr"/>
+        </a:solidFill>
+        <a:gradFill rotWithShape="1">
+          <a:gsLst>
+            <a:gs pos="0">
+              <a:schemeClr val="phClr">
+                <a:lumMod val="110000"/>
+                <a:satMod val="105000"/>
+                <a:tint val="67000"/>
+              </a:schemeClr>
+            </a:gs>
+            <a:gs pos="50000">
+              <a:schemeClr val="phClr">
+                <a:lumMod val="105000"/>
+                <a:satMod val="103000"/>
+                <a:tint val="73000"/>
+              </a:schemeClr>
+            </a:gs>
+            <a:gs pos="100000">
+              <a:schemeClr val="phClr">
+                <a:lumMod val="105000"/>
+                <a:satMod val="109000"/>
+                <a:tint val="81000"/>
+              </a:schemeClr>
+            </a:gs>
+          </a:gsLst>
+          <a:lin ang="5400000" scaled="0"/>
+        </a:gradFill>
+        <a:gradFill rotWithShape="1">
+          <a:gsLst>
+            <a:gs pos="0">
+              <a:schemeClr val="phClr">
+                <a:satMod val="103000"/>
+                <a:lumMod val="102000"/>
+                <a:tint val="94000"/>
+              </a:schemeClr>
+            </a:gs>
+            <a:gs pos="50000">
+              <a:schemeClr val="phClr">
+                <a:satMod val="110000"/>
+                <a:lumMod val="100000"/>
+                <a:shade val="100000"/>
+              </a:schemeClr>
+            </a:gs>
+            <a:gs pos="100000">
+              <a:schemeClr val="phClr">
+                <a:lumMod val="99000"/>
+                <a:satMod val="120000"/>
+                <a:shade val="78000"/>
+              </a:schemeClr>
+            </a:gs>
+          </a:gsLst>
+          <a:lin ang="5400000" scaled="0"/>
+        </a:gradFill>
+      </a:fillStyleLst>
+      <a:lnStyleLst>
+        <a:ln w="6350" cap="flat" cmpd="sng" algn="ctr">
+          <a:solidFill>
+            <a:schemeClr val="phClr"/>
+          </a:solidFill>
+          <a:prstDash val="solid"/>
+          <a:miter lim="800000"/>
+        </a:ln>
+        <a:ln w="12700" cap="flat" cmpd="sng" algn="ctr">
+          <a:solidFill>
+            <a:schemeClr val="phClr"/>
+          </a:solidFill>
+          <a:prstDash val="solid"/>
+          <a:miter lim="800000"/>
+        </a:ln>
+        <a:ln w="19050" cap="flat" cmpd="sng" algn="ctr">
+          <a:solidFill>
+            <a:schemeClr val="phClr"/>
+          </a:solidFill>
+          <a:prstDash val="solid"/>
+          <a:miter lim="800000"/>
+        </a:ln>
+      </a:lnStyleLst>
+      <a:effectStyleLst>
+        <a:effectStyle>
+          <a:effectLst/>
+        </a:effectStyle>
+        <a:effectStyle>
+          <a:effectLst/>
+        </a:effectStyle>
+        <a:effectStyle>
+          <a:effectLst>
+            <a:outerShdw blurRad="57150" dist="19050" dir="5400000" algn="ctr" rotWithShape="0">
+              <a:srgbClr val="000000">
+                <a:alpha val="63000"/>
+              </a:srgbClr>
+            </a:outerShdw>
+          </a:effectLst>
+        </a:effectStyle>
+      </a:effectStyleLst>
+      <a:bgFillStyleLst>
+        <a:solidFill>
+          <a:schemeClr val="phClr"/>
+        </a:solidFill>
+        <a:solidFill>
+          <a:schemeClr val="phClr">
+            <a:tint val="95000"/>
+            <a:satMod val="170000"/>
+          </a:schemeClr>
+        </a:solidFill>
+        <a:gradFill rotWithShape="1">
+          <a:gsLst>
+            <a:gs pos="0">
+              <a:schemeClr val="phClr">
+                <a:tint val="93000"/>
+                <a:satMod val="150000"/>
+                <a:shade val="98000"/>
+                <a:lumMod val="102000"/>
+              </a:schemeClr>
+            </a:gs>
+            <a:gs pos="50000">
+              <a:schemeClr val="phClr">
+                <a:tint val="98000"/>
+                <a:satMod val="130000"/>
+                <a:shade val="90000"/>
+                <a:lumMod val="103000"/>
+              </a:schemeClr>
+            </a:gs>
+            <a:gs pos="100000">
+              <a:schemeClr val="phClr">
+                <a:shade val="63000"/>
+                <a:satMod val="120000"/>
+              </a:schemeClr>
+            </a:gs>
+          </a:gsLst>
+          <a:lin ang="5400000" scaled="0"/>
+        </a:gradFill>
+      </a:bgFillStyleLst>
+    </a:fmtScheme>
+  </a:themeElements>
+  <a:objectDefaults/>
+  <a:extraClrSchemeLst/>
+  <a:extLst>
+    <a:ext uri="{05A4C25C-085E-4340-85A3-A5531E510DB2}">
+      <thm15:themeFamily xmlns:thm15="http://schemas.microsoft.com/office/thememl/2012/main" name="Office Theme" id="{62F939B6-93AF-4DB8-9C6B-D6C7DFDC589F}" vid="{4A3C46E8-61CC-4603-A589-7422A47A8E4A}"/>
+    </a:ext>
+  </a:extLst>
+</a:theme>
+</file>
+
+<file path=ppt/theme/theme3.xml><?xml version="1.0" encoding="utf-8"?>
 <a:theme xmlns:a="http://schemas.openxmlformats.org/drawingml/2006/main" name="Office Theme">
   <a:themeElements>
     <a:clrScheme name="Office">
